--- a/2Parcial/Exposicion/Presentación Exposición.pptx
+++ b/2Parcial/Exposicion/Presentación Exposición.pptx
@@ -1,26 +1,33 @@
 
 <file path=ppt/presentation.xml><?xml version="1.0" encoding="utf-8"?>
-<p:presentation xmlns:a="http://schemas.openxmlformats.org/drawingml/2006/main" xmlns:r="http://schemas.openxmlformats.org/officeDocument/2006/relationships" xmlns:mc="http://schemas.openxmlformats.org/markup-compatibility/2006" xmlns:mv="urn:schemas-microsoft-com:mac:vml" xmlns:p="http://schemas.openxmlformats.org/presentationml/2006/main" xmlns:c="http://schemas.openxmlformats.org/drawingml/2006/chart" xmlns:dgm="http://schemas.openxmlformats.org/drawingml/2006/diagram" xmlns:o="urn:schemas-microsoft-com:office:office" xmlns:v="urn:schemas-microsoft-com:vml" xmlns:pvml="urn:schemas-microsoft-com:office:powerpoint" xmlns:com="http://schemas.openxmlformats.org/drawingml/2006/compatibility" xmlns:p14="http://schemas.microsoft.com/office/powerpoint/2010/main" xmlns:p15="http://schemas.microsoft.com/office/powerpoint/2012/main" xmlns:ahyp="http://schemas.microsoft.com/office/drawing/2018/hyperlinkcolor" autoCompressPictures="0" embedTrueTypeFonts="1" strictFirstAndLastChars="0" saveSubsetFonts="1">
+<p:presentation xmlns:a="http://schemas.openxmlformats.org/drawingml/2006/main" xmlns:r="http://schemas.openxmlformats.org/officeDocument/2006/relationships" xmlns:p="http://schemas.openxmlformats.org/presentationml/2006/main" strictFirstAndLastChars="0" embedTrueTypeFonts="1" saveSubsetFonts="1" autoCompressPictures="0">
   <p:sldMasterIdLst>
-    <p:sldMasterId id="2147483659" r:id="rId5"/>
+    <p:sldMasterId id="2147483659" r:id="rId1"/>
   </p:sldMasterIdLst>
   <p:notesMasterIdLst>
-    <p:notesMasterId r:id="rId6"/>
+    <p:notesMasterId r:id="rId9"/>
   </p:notesMasterIdLst>
   <p:sldIdLst>
-    <p:sldId id="256" r:id="rId7"/>
-    <p:sldId id="257" r:id="rId8"/>
-    <p:sldId id="258" r:id="rId9"/>
-    <p:sldId id="259" r:id="rId10"/>
-    <p:sldId id="260" r:id="rId11"/>
-    <p:sldId id="261" r:id="rId12"/>
-    <p:sldId id="262" r:id="rId13"/>
+    <p:sldId id="256" r:id="rId2"/>
+    <p:sldId id="257" r:id="rId3"/>
+    <p:sldId id="258" r:id="rId4"/>
+    <p:sldId id="259" r:id="rId5"/>
+    <p:sldId id="260" r:id="rId6"/>
+    <p:sldId id="261" r:id="rId7"/>
+    <p:sldId id="262" r:id="rId8"/>
   </p:sldIdLst>
-  <p:sldSz cy="5143500" cx="9144000"/>
+  <p:sldSz cx="9144000" cy="5143500" type="screen16x9"/>
   <p:notesSz cx="6858000" cy="9144000"/>
   <p:embeddedFontLst>
     <p:embeddedFont>
-      <p:font typeface="Roboto"/>
+      <p:font typeface="Trebuchet MS" panose="020B0603020202020204" pitchFamily="34" charset="0"/>
+      <p:regular r:id="rId10"/>
+      <p:bold r:id="rId11"/>
+      <p:italic r:id="rId12"/>
+      <p:boldItalic r:id="rId13"/>
+    </p:embeddedFont>
+    <p:embeddedFont>
+      <p:font typeface="Roboto" panose="020B0604020202020204" charset="0"/>
       <p:regular r:id="rId14"/>
       <p:bold r:id="rId15"/>
       <p:italic r:id="rId16"/>
@@ -28,7 +35,7 @@
     </p:embeddedFont>
   </p:embeddedFontLst>
   <p:defaultTextStyle>
-    <a:defPPr lvl="0" marR="0" rtl="0" algn="l">
+    <a:defPPr marR="0" lvl="0" algn="l" rtl="0">
       <a:lnSpc>
         <a:spcPct val="100000"/>
       </a:lnSpc>
@@ -39,7 +46,7 @@
         <a:spcPts val="0"/>
       </a:spcAft>
     </a:defPPr>
-    <a:lvl1pPr lvl="0" marR="0" rtl="0" algn="l">
+    <a:lvl1pPr marR="0" lvl="0" algn="l" rtl="0">
       <a:lnSpc>
         <a:spcPct val="100000"/>
       </a:lnSpc>
@@ -53,7 +60,7 @@
         <a:srgbClr val="000000"/>
       </a:buClr>
       <a:buFont typeface="Arial"/>
-      <a:defRPr b="0" i="0" sz="1400" u="none" cap="none" strike="noStrike">
+      <a:defRPr sz="1400" b="0" i="0" u="none" strike="noStrike" cap="none">
         <a:solidFill>
           <a:srgbClr val="000000"/>
         </a:solidFill>
@@ -63,7 +70,7 @@
         <a:sym typeface="Arial"/>
       </a:defRPr>
     </a:lvl1pPr>
-    <a:lvl2pPr lvl="1" marR="0" rtl="0" algn="l">
+    <a:lvl2pPr marR="0" lvl="1" algn="l" rtl="0">
       <a:lnSpc>
         <a:spcPct val="100000"/>
       </a:lnSpc>
@@ -77,7 +84,7 @@
         <a:srgbClr val="000000"/>
       </a:buClr>
       <a:buFont typeface="Arial"/>
-      <a:defRPr b="0" i="0" sz="1400" u="none" cap="none" strike="noStrike">
+      <a:defRPr sz="1400" b="0" i="0" u="none" strike="noStrike" cap="none">
         <a:solidFill>
           <a:srgbClr val="000000"/>
         </a:solidFill>
@@ -87,7 +94,7 @@
         <a:sym typeface="Arial"/>
       </a:defRPr>
     </a:lvl2pPr>
-    <a:lvl3pPr lvl="2" marR="0" rtl="0" algn="l">
+    <a:lvl3pPr marR="0" lvl="2" algn="l" rtl="0">
       <a:lnSpc>
         <a:spcPct val="100000"/>
       </a:lnSpc>
@@ -101,7 +108,7 @@
         <a:srgbClr val="000000"/>
       </a:buClr>
       <a:buFont typeface="Arial"/>
-      <a:defRPr b="0" i="0" sz="1400" u="none" cap="none" strike="noStrike">
+      <a:defRPr sz="1400" b="0" i="0" u="none" strike="noStrike" cap="none">
         <a:solidFill>
           <a:srgbClr val="000000"/>
         </a:solidFill>
@@ -111,7 +118,7 @@
         <a:sym typeface="Arial"/>
       </a:defRPr>
     </a:lvl3pPr>
-    <a:lvl4pPr lvl="3" marR="0" rtl="0" algn="l">
+    <a:lvl4pPr marR="0" lvl="3" algn="l" rtl="0">
       <a:lnSpc>
         <a:spcPct val="100000"/>
       </a:lnSpc>
@@ -125,7 +132,7 @@
         <a:srgbClr val="000000"/>
       </a:buClr>
       <a:buFont typeface="Arial"/>
-      <a:defRPr b="0" i="0" sz="1400" u="none" cap="none" strike="noStrike">
+      <a:defRPr sz="1400" b="0" i="0" u="none" strike="noStrike" cap="none">
         <a:solidFill>
           <a:srgbClr val="000000"/>
         </a:solidFill>
@@ -135,7 +142,7 @@
         <a:sym typeface="Arial"/>
       </a:defRPr>
     </a:lvl4pPr>
-    <a:lvl5pPr lvl="4" marR="0" rtl="0" algn="l">
+    <a:lvl5pPr marR="0" lvl="4" algn="l" rtl="0">
       <a:lnSpc>
         <a:spcPct val="100000"/>
       </a:lnSpc>
@@ -149,7 +156,7 @@
         <a:srgbClr val="000000"/>
       </a:buClr>
       <a:buFont typeface="Arial"/>
-      <a:defRPr b="0" i="0" sz="1400" u="none" cap="none" strike="noStrike">
+      <a:defRPr sz="1400" b="0" i="0" u="none" strike="noStrike" cap="none">
         <a:solidFill>
           <a:srgbClr val="000000"/>
         </a:solidFill>
@@ -159,7 +166,7 @@
         <a:sym typeface="Arial"/>
       </a:defRPr>
     </a:lvl5pPr>
-    <a:lvl6pPr lvl="5" marR="0" rtl="0" algn="l">
+    <a:lvl6pPr marR="0" lvl="5" algn="l" rtl="0">
       <a:lnSpc>
         <a:spcPct val="100000"/>
       </a:lnSpc>
@@ -173,7 +180,7 @@
         <a:srgbClr val="000000"/>
       </a:buClr>
       <a:buFont typeface="Arial"/>
-      <a:defRPr b="0" i="0" sz="1400" u="none" cap="none" strike="noStrike">
+      <a:defRPr sz="1400" b="0" i="0" u="none" strike="noStrike" cap="none">
         <a:solidFill>
           <a:srgbClr val="000000"/>
         </a:solidFill>
@@ -183,7 +190,7 @@
         <a:sym typeface="Arial"/>
       </a:defRPr>
     </a:lvl6pPr>
-    <a:lvl7pPr lvl="6" marR="0" rtl="0" algn="l">
+    <a:lvl7pPr marR="0" lvl="6" algn="l" rtl="0">
       <a:lnSpc>
         <a:spcPct val="100000"/>
       </a:lnSpc>
@@ -197,7 +204,7 @@
         <a:srgbClr val="000000"/>
       </a:buClr>
       <a:buFont typeface="Arial"/>
-      <a:defRPr b="0" i="0" sz="1400" u="none" cap="none" strike="noStrike">
+      <a:defRPr sz="1400" b="0" i="0" u="none" strike="noStrike" cap="none">
         <a:solidFill>
           <a:srgbClr val="000000"/>
         </a:solidFill>
@@ -207,7 +214,7 @@
         <a:sym typeface="Arial"/>
       </a:defRPr>
     </a:lvl7pPr>
-    <a:lvl8pPr lvl="7" marR="0" rtl="0" algn="l">
+    <a:lvl8pPr marR="0" lvl="7" algn="l" rtl="0">
       <a:lnSpc>
         <a:spcPct val="100000"/>
       </a:lnSpc>
@@ -221,7 +228,7 @@
         <a:srgbClr val="000000"/>
       </a:buClr>
       <a:buFont typeface="Arial"/>
-      <a:defRPr b="0" i="0" sz="1400" u="none" cap="none" strike="noStrike">
+      <a:defRPr sz="1400" b="0" i="0" u="none" strike="noStrike" cap="none">
         <a:solidFill>
           <a:srgbClr val="000000"/>
         </a:solidFill>
@@ -231,7 +238,7 @@
         <a:sym typeface="Arial"/>
       </a:defRPr>
     </a:lvl8pPr>
-    <a:lvl9pPr lvl="8" marR="0" rtl="0" algn="l">
+    <a:lvl9pPr marR="0" lvl="8" algn="l" rtl="0">
       <a:lnSpc>
         <a:spcPct val="100000"/>
       </a:lnSpc>
@@ -245,7 +252,7 @@
         <a:srgbClr val="000000"/>
       </a:buClr>
       <a:buFont typeface="Arial"/>
-      <a:defRPr b="0" i="0" sz="1400" u="none" cap="none" strike="noStrike">
+      <a:defRPr sz="1400" b="0" i="0" u="none" strike="noStrike" cap="none">
         <a:solidFill>
           <a:srgbClr val="000000"/>
         </a:solidFill>
@@ -258,7 +265,7 @@
   </p:defaultTextStyle>
   <p:extLst>
     <p:ext uri="{EFAFB233-063F-42B5-8137-9DF3F51BA10A}">
-      <p15:sldGuideLst>
+      <p15:sldGuideLst xmlns:p15="http://schemas.microsoft.com/office/powerpoint/2012/main">
         <p15:guide id="1" orient="horz" pos="1620">
           <p15:clr>
             <a:srgbClr val="A4A3A4"/>
@@ -276,11 +283,16 @@
 </file>
 
 <file path=ppt/notesMasters/notesMaster1.xml><?xml version="1.0" encoding="utf-8"?>
-<p:notesMaster xmlns:a="http://schemas.openxmlformats.org/drawingml/2006/main" xmlns:r="http://schemas.openxmlformats.org/officeDocument/2006/relationships" xmlns:mc="http://schemas.openxmlformats.org/markup-compatibility/2006" xmlns:mv="urn:schemas-microsoft-com:mac:vml" xmlns:p="http://schemas.openxmlformats.org/presentationml/2006/main" xmlns:c="http://schemas.openxmlformats.org/drawingml/2006/chart" xmlns:dgm="http://schemas.openxmlformats.org/drawingml/2006/diagram" xmlns:o="urn:schemas-microsoft-com:office:office" xmlns:v="urn:schemas-microsoft-com:vml" xmlns:pvml="urn:schemas-microsoft-com:office:powerpoint" xmlns:com="http://schemas.openxmlformats.org/drawingml/2006/compatibility" xmlns:p14="http://schemas.microsoft.com/office/powerpoint/2010/main" xmlns:p15="http://schemas.microsoft.com/office/powerpoint/2012/main" xmlns:ahyp="http://schemas.microsoft.com/office/drawing/2018/hyperlinkcolor">
+<p:notesMaster xmlns:a="http://schemas.openxmlformats.org/drawingml/2006/main" xmlns:r="http://schemas.openxmlformats.org/officeDocument/2006/relationships" xmlns:p="http://schemas.openxmlformats.org/presentationml/2006/main">
   <p:cSld>
+    <p:bg>
+      <p:bgRef idx="1001">
+        <a:schemeClr val="bg1"/>
+      </p:bgRef>
+    </p:bg>
     <p:spTree>
       <p:nvGrpSpPr>
-        <p:cNvPr id="2" name="Shape 2"/>
+        <p:cNvPr id="1" name="Shape 2"/>
         <p:cNvGrpSpPr/>
         <p:nvPr/>
       </p:nvGrpSpPr>
@@ -295,9 +307,11 @@
       <p:sp>
         <p:nvSpPr>
           <p:cNvPr id="3" name="Google Shape;3;n"/>
-          <p:cNvSpPr/>
+          <p:cNvSpPr>
+            <a:spLocks noGrp="1" noRot="1" noChangeAspect="1"/>
+          </p:cNvSpPr>
           <p:nvPr>
-            <p:ph idx="2" type="sldImg"/>
+            <p:ph type="sldImg" idx="2"/>
           </p:nvPr>
         </p:nvSpPr>
         <p:spPr>
@@ -306,9 +320,13 @@
             <a:ext cx="6096075" cy="3429000"/>
           </a:xfrm>
           <a:custGeom>
-            <a:rect b="b" l="l" r="r" t="t"/>
+            <a:avLst/>
+            <a:gdLst/>
+            <a:ahLst/>
+            <a:cxnLst/>
+            <a:rect l="l" t="t" r="r" b="b"/>
             <a:pathLst>
-              <a:path extrusionOk="0" h="120000" w="120000">
+              <a:path w="120000" h="120000" extrusionOk="0">
                 <a:moveTo>
                   <a:pt x="0" y="0"/>
                 </a:moveTo>
@@ -326,23 +344,25 @@
             </a:pathLst>
           </a:custGeom>
           <a:noFill/>
-          <a:ln cap="flat" cmpd="sng" w="9525">
+          <a:ln w="9525" cap="flat" cmpd="sng">
             <a:solidFill>
               <a:srgbClr val="000000"/>
             </a:solidFill>
             <a:prstDash val="solid"/>
             <a:round/>
-            <a:headEnd len="sm" w="sm" type="none"/>
-            <a:tailEnd len="sm" w="sm" type="none"/>
+            <a:headEnd type="none" w="sm" len="sm"/>
+            <a:tailEnd type="none" w="sm" len="sm"/>
           </a:ln>
         </p:spPr>
       </p:sp>
       <p:sp>
         <p:nvSpPr>
           <p:cNvPr id="4" name="Google Shape;4;n"/>
-          <p:cNvSpPr txBox="1"/>
+          <p:cNvSpPr txBox="1">
+            <a:spLocks noGrp="1"/>
+          </p:cNvSpPr>
           <p:nvPr>
-            <p:ph idx="1" type="body"/>
+            <p:ph type="body" idx="1"/>
           </p:nvPr>
         </p:nvSpPr>
         <p:spPr>
@@ -359,11 +379,11 @@
           </a:ln>
         </p:spPr>
         <p:txBody>
-          <a:bodyPr anchorCtr="0" anchor="t" bIns="91425" lIns="91425" spcFirstLastPara="1" rIns="91425" wrap="square" tIns="91425">
+          <a:bodyPr spcFirstLastPara="1" wrap="square" lIns="91425" tIns="91425" rIns="91425" bIns="91425" anchor="t" anchorCtr="0">
             <a:noAutofit/>
           </a:bodyPr>
           <a:lstStyle>
-            <a:lvl1pPr indent="-298450" lvl="0" marL="457200">
+            <a:lvl1pPr marL="457200" lvl="0" indent="-298450">
               <a:spcBef>
                 <a:spcPts val="0"/>
               </a:spcBef>
@@ -374,7 +394,7 @@
               <a:buChar char="●"/>
               <a:defRPr sz="1100"/>
             </a:lvl1pPr>
-            <a:lvl2pPr indent="-298450" lvl="1" marL="914400">
+            <a:lvl2pPr marL="914400" lvl="1" indent="-298450">
               <a:spcBef>
                 <a:spcPts val="0"/>
               </a:spcBef>
@@ -385,7 +405,7 @@
               <a:buChar char="○"/>
               <a:defRPr sz="1100"/>
             </a:lvl2pPr>
-            <a:lvl3pPr indent="-298450" lvl="2" marL="1371600">
+            <a:lvl3pPr marL="1371600" lvl="2" indent="-298450">
               <a:spcBef>
                 <a:spcPts val="0"/>
               </a:spcBef>
@@ -396,7 +416,7 @@
               <a:buChar char="■"/>
               <a:defRPr sz="1100"/>
             </a:lvl3pPr>
-            <a:lvl4pPr indent="-298450" lvl="3" marL="1828800">
+            <a:lvl4pPr marL="1828800" lvl="3" indent="-298450">
               <a:spcBef>
                 <a:spcPts val="0"/>
               </a:spcBef>
@@ -407,7 +427,7 @@
               <a:buChar char="●"/>
               <a:defRPr sz="1100"/>
             </a:lvl4pPr>
-            <a:lvl5pPr indent="-298450" lvl="4" marL="2286000">
+            <a:lvl5pPr marL="2286000" lvl="4" indent="-298450">
               <a:spcBef>
                 <a:spcPts val="0"/>
               </a:spcBef>
@@ -418,7 +438,7 @@
               <a:buChar char="○"/>
               <a:defRPr sz="1100"/>
             </a:lvl5pPr>
-            <a:lvl6pPr indent="-298450" lvl="5" marL="2743200">
+            <a:lvl6pPr marL="2743200" lvl="5" indent="-298450">
               <a:spcBef>
                 <a:spcPts val="0"/>
               </a:spcBef>
@@ -429,7 +449,7 @@
               <a:buChar char="■"/>
               <a:defRPr sz="1100"/>
             </a:lvl6pPr>
-            <a:lvl7pPr indent="-298450" lvl="6" marL="3200400">
+            <a:lvl7pPr marL="3200400" lvl="6" indent="-298450">
               <a:spcBef>
                 <a:spcPts val="0"/>
               </a:spcBef>
@@ -440,7 +460,7 @@
               <a:buChar char="●"/>
               <a:defRPr sz="1100"/>
             </a:lvl7pPr>
-            <a:lvl8pPr indent="-298450" lvl="7" marL="3657600">
+            <a:lvl8pPr marL="3657600" lvl="7" indent="-298450">
               <a:spcBef>
                 <a:spcPts val="0"/>
               </a:spcBef>
@@ -451,7 +471,7 @@
               <a:buChar char="○"/>
               <a:defRPr sz="1100"/>
             </a:lvl8pPr>
-            <a:lvl9pPr indent="-298450" lvl="8" marL="4114800">
+            <a:lvl9pPr marL="4114800" lvl="8" indent="-298450">
               <a:spcBef>
                 <a:spcPts val="0"/>
               </a:spcBef>
@@ -463,14 +483,16 @@
               <a:defRPr sz="1100"/>
             </a:lvl9pPr>
           </a:lstStyle>
-          <a:p/>
+          <a:p>
+            <a:endParaRPr/>
+          </a:p>
         </p:txBody>
       </p:sp>
     </p:spTree>
   </p:cSld>
-  <p:clrMap accent1="accent1" accent2="accent2" accent3="accent3" accent4="accent4" accent5="accent5" accent6="accent6" bg1="lt1" bg2="dk2" tx1="dk1" tx2="lt2" folHlink="folHlink" hlink="hlink"/>
+  <p:clrMap bg1="lt1" tx1="dk1" bg2="dk2" tx2="lt2" accent1="accent1" accent2="accent2" accent3="accent3" accent4="accent4" accent5="accent5" accent6="accent6" hlink="hlink" folHlink="folHlink"/>
   <p:notesStyle>
-    <a:defPPr lvl="0" marR="0" rtl="0" algn="l">
+    <a:defPPr marR="0" lvl="0" algn="l" rtl="0">
       <a:lnSpc>
         <a:spcPct val="100000"/>
       </a:lnSpc>
@@ -481,7 +503,7 @@
         <a:spcPts val="0"/>
       </a:spcAft>
     </a:defPPr>
-    <a:lvl1pPr lvl="0" marR="0" rtl="0" algn="l">
+    <a:lvl1pPr marR="0" lvl="0" algn="l" rtl="0">
       <a:lnSpc>
         <a:spcPct val="100000"/>
       </a:lnSpc>
@@ -495,7 +517,7 @@
         <a:srgbClr val="000000"/>
       </a:buClr>
       <a:buFont typeface="Arial"/>
-      <a:defRPr b="0" i="0" sz="1400" u="none" cap="none" strike="noStrike">
+      <a:defRPr sz="1400" b="0" i="0" u="none" strike="noStrike" cap="none">
         <a:solidFill>
           <a:srgbClr val="000000"/>
         </a:solidFill>
@@ -505,7 +527,7 @@
         <a:sym typeface="Arial"/>
       </a:defRPr>
     </a:lvl1pPr>
-    <a:lvl2pPr lvl="1" marR="0" rtl="0" algn="l">
+    <a:lvl2pPr marR="0" lvl="1" algn="l" rtl="0">
       <a:lnSpc>
         <a:spcPct val="100000"/>
       </a:lnSpc>
@@ -519,7 +541,7 @@
         <a:srgbClr val="000000"/>
       </a:buClr>
       <a:buFont typeface="Arial"/>
-      <a:defRPr b="0" i="0" sz="1400" u="none" cap="none" strike="noStrike">
+      <a:defRPr sz="1400" b="0" i="0" u="none" strike="noStrike" cap="none">
         <a:solidFill>
           <a:srgbClr val="000000"/>
         </a:solidFill>
@@ -529,7 +551,7 @@
         <a:sym typeface="Arial"/>
       </a:defRPr>
     </a:lvl2pPr>
-    <a:lvl3pPr lvl="2" marR="0" rtl="0" algn="l">
+    <a:lvl3pPr marR="0" lvl="2" algn="l" rtl="0">
       <a:lnSpc>
         <a:spcPct val="100000"/>
       </a:lnSpc>
@@ -543,7 +565,7 @@
         <a:srgbClr val="000000"/>
       </a:buClr>
       <a:buFont typeface="Arial"/>
-      <a:defRPr b="0" i="0" sz="1400" u="none" cap="none" strike="noStrike">
+      <a:defRPr sz="1400" b="0" i="0" u="none" strike="noStrike" cap="none">
         <a:solidFill>
           <a:srgbClr val="000000"/>
         </a:solidFill>
@@ -553,7 +575,7 @@
         <a:sym typeface="Arial"/>
       </a:defRPr>
     </a:lvl3pPr>
-    <a:lvl4pPr lvl="3" marR="0" rtl="0" algn="l">
+    <a:lvl4pPr marR="0" lvl="3" algn="l" rtl="0">
       <a:lnSpc>
         <a:spcPct val="100000"/>
       </a:lnSpc>
@@ -567,7 +589,7 @@
         <a:srgbClr val="000000"/>
       </a:buClr>
       <a:buFont typeface="Arial"/>
-      <a:defRPr b="0" i="0" sz="1400" u="none" cap="none" strike="noStrike">
+      <a:defRPr sz="1400" b="0" i="0" u="none" strike="noStrike" cap="none">
         <a:solidFill>
           <a:srgbClr val="000000"/>
         </a:solidFill>
@@ -577,7 +599,7 @@
         <a:sym typeface="Arial"/>
       </a:defRPr>
     </a:lvl4pPr>
-    <a:lvl5pPr lvl="4" marR="0" rtl="0" algn="l">
+    <a:lvl5pPr marR="0" lvl="4" algn="l" rtl="0">
       <a:lnSpc>
         <a:spcPct val="100000"/>
       </a:lnSpc>
@@ -591,7 +613,7 @@
         <a:srgbClr val="000000"/>
       </a:buClr>
       <a:buFont typeface="Arial"/>
-      <a:defRPr b="0" i="0" sz="1400" u="none" cap="none" strike="noStrike">
+      <a:defRPr sz="1400" b="0" i="0" u="none" strike="noStrike" cap="none">
         <a:solidFill>
           <a:srgbClr val="000000"/>
         </a:solidFill>
@@ -601,7 +623,7 @@
         <a:sym typeface="Arial"/>
       </a:defRPr>
     </a:lvl5pPr>
-    <a:lvl6pPr lvl="5" marR="0" rtl="0" algn="l">
+    <a:lvl6pPr marR="0" lvl="5" algn="l" rtl="0">
       <a:lnSpc>
         <a:spcPct val="100000"/>
       </a:lnSpc>
@@ -615,7 +637,7 @@
         <a:srgbClr val="000000"/>
       </a:buClr>
       <a:buFont typeface="Arial"/>
-      <a:defRPr b="0" i="0" sz="1400" u="none" cap="none" strike="noStrike">
+      <a:defRPr sz="1400" b="0" i="0" u="none" strike="noStrike" cap="none">
         <a:solidFill>
           <a:srgbClr val="000000"/>
         </a:solidFill>
@@ -625,7 +647,7 @@
         <a:sym typeface="Arial"/>
       </a:defRPr>
     </a:lvl6pPr>
-    <a:lvl7pPr lvl="6" marR="0" rtl="0" algn="l">
+    <a:lvl7pPr marR="0" lvl="6" algn="l" rtl="0">
       <a:lnSpc>
         <a:spcPct val="100000"/>
       </a:lnSpc>
@@ -639,7 +661,7 @@
         <a:srgbClr val="000000"/>
       </a:buClr>
       <a:buFont typeface="Arial"/>
-      <a:defRPr b="0" i="0" sz="1400" u="none" cap="none" strike="noStrike">
+      <a:defRPr sz="1400" b="0" i="0" u="none" strike="noStrike" cap="none">
         <a:solidFill>
           <a:srgbClr val="000000"/>
         </a:solidFill>
@@ -649,7 +671,7 @@
         <a:sym typeface="Arial"/>
       </a:defRPr>
     </a:lvl7pPr>
-    <a:lvl8pPr lvl="7" marR="0" rtl="0" algn="l">
+    <a:lvl8pPr marR="0" lvl="7" algn="l" rtl="0">
       <a:lnSpc>
         <a:spcPct val="100000"/>
       </a:lnSpc>
@@ -663,7 +685,7 @@
         <a:srgbClr val="000000"/>
       </a:buClr>
       <a:buFont typeface="Arial"/>
-      <a:defRPr b="0" i="0" sz="1400" u="none" cap="none" strike="noStrike">
+      <a:defRPr sz="1400" b="0" i="0" u="none" strike="noStrike" cap="none">
         <a:solidFill>
           <a:srgbClr val="000000"/>
         </a:solidFill>
@@ -673,7 +695,7 @@
         <a:sym typeface="Arial"/>
       </a:defRPr>
     </a:lvl8pPr>
-    <a:lvl9pPr lvl="8" marR="0" rtl="0" algn="l">
+    <a:lvl9pPr marR="0" lvl="8" algn="l" rtl="0">
       <a:lnSpc>
         <a:spcPct val="100000"/>
       </a:lnSpc>
@@ -687,7 +709,7 @@
         <a:srgbClr val="000000"/>
       </a:buClr>
       <a:buFont typeface="Arial"/>
-      <a:defRPr b="0" i="0" sz="1400" u="none" cap="none" strike="noStrike">
+      <a:defRPr sz="1400" b="0" i="0" u="none" strike="noStrike" cap="none">
         <a:solidFill>
           <a:srgbClr val="000000"/>
         </a:solidFill>
@@ -702,11 +724,11 @@
 </file>
 
 <file path=ppt/notesSlides/notesSlide1.xml><?xml version="1.0" encoding="utf-8"?>
-<p:notes xmlns:a="http://schemas.openxmlformats.org/drawingml/2006/main" xmlns:r="http://schemas.openxmlformats.org/officeDocument/2006/relationships" xmlns:mc="http://schemas.openxmlformats.org/markup-compatibility/2006" xmlns:mv="urn:schemas-microsoft-com:mac:vml" xmlns:p="http://schemas.openxmlformats.org/presentationml/2006/main" xmlns:c="http://schemas.openxmlformats.org/drawingml/2006/chart" xmlns:dgm="http://schemas.openxmlformats.org/drawingml/2006/diagram" xmlns:o="urn:schemas-microsoft-com:office:office" xmlns:v="urn:schemas-microsoft-com:vml" xmlns:pvml="urn:schemas-microsoft-com:office:powerpoint" xmlns:com="http://schemas.openxmlformats.org/drawingml/2006/compatibility" xmlns:p14="http://schemas.microsoft.com/office/powerpoint/2010/main" xmlns:p15="http://schemas.microsoft.com/office/powerpoint/2012/main" xmlns:ahyp="http://schemas.microsoft.com/office/drawing/2018/hyperlinkcolor" showMasterPhAnim="0" showMasterSp="0">
+<p:notes xmlns:a="http://schemas.openxmlformats.org/drawingml/2006/main" xmlns:r="http://schemas.openxmlformats.org/officeDocument/2006/relationships" xmlns:p="http://schemas.openxmlformats.org/presentationml/2006/main" showMasterSp="0" showMasterPhAnim="0">
   <p:cSld>
     <p:spTree>
       <p:nvGrpSpPr>
-        <p:cNvPr id="81" name="Shape 81"/>
+        <p:cNvPr id="1" name="Shape 81"/>
         <p:cNvGrpSpPr/>
         <p:nvPr/>
       </p:nvGrpSpPr>
@@ -721,20 +743,26 @@
       <p:sp>
         <p:nvSpPr>
           <p:cNvPr id="82" name="Google Shape;82;p:notes"/>
-          <p:cNvSpPr/>
+          <p:cNvSpPr>
+            <a:spLocks noGrp="1" noRot="1" noChangeAspect="1"/>
+          </p:cNvSpPr>
           <p:nvPr>
-            <p:ph idx="2" type="sldImg"/>
+            <p:ph type="sldImg" idx="2"/>
           </p:nvPr>
         </p:nvSpPr>
         <p:spPr>
           <a:xfrm>
-            <a:off x="381300" y="685800"/>
-            <a:ext cx="6096075" cy="3429000"/>
+            <a:off x="381000" y="685800"/>
+            <a:ext cx="6096000" cy="3429000"/>
           </a:xfrm>
           <a:custGeom>
-            <a:rect b="b" l="l" r="r" t="t"/>
+            <a:avLst/>
+            <a:gdLst/>
+            <a:ahLst/>
+            <a:cxnLst/>
+            <a:rect l="l" t="t" r="r" b="b"/>
             <a:pathLst>
-              <a:path extrusionOk="0" h="120000" w="120000">
+              <a:path w="120000" h="120000" extrusionOk="0">
                 <a:moveTo>
                   <a:pt x="0" y="0"/>
                 </a:moveTo>
@@ -756,9 +784,11 @@
       <p:sp>
         <p:nvSpPr>
           <p:cNvPr id="83" name="Google Shape;83;p:notes"/>
-          <p:cNvSpPr txBox="1"/>
+          <p:cNvSpPr txBox="1">
+            <a:spLocks noGrp="1"/>
+          </p:cNvSpPr>
           <p:nvPr>
-            <p:ph idx="1" type="body"/>
+            <p:ph type="body" idx="1"/>
           </p:nvPr>
         </p:nvSpPr>
         <p:spPr>
@@ -771,12 +801,12 @@
           </a:prstGeom>
         </p:spPr>
         <p:txBody>
-          <a:bodyPr anchorCtr="0" anchor="t" bIns="91425" lIns="91425" spcFirstLastPara="1" rIns="91425" wrap="square" tIns="91425">
+          <a:bodyPr spcFirstLastPara="1" wrap="square" lIns="91425" tIns="91425" rIns="91425" bIns="91425" anchor="t" anchorCtr="0">
             <a:noAutofit/>
           </a:bodyPr>
           <a:lstStyle/>
           <a:p>
-            <a:pPr indent="0" lvl="0" marL="0" rtl="0" algn="l">
+            <a:pPr marL="0" lvl="0" indent="0" algn="l" rtl="0">
               <a:spcBef>
                 <a:spcPts val="0"/>
               </a:spcBef>
@@ -785,9 +815,6 @@
               </a:spcAft>
               <a:buNone/>
             </a:pPr>
-            <a:r>
-              <a:t/>
-            </a:r>
             <a:endParaRPr/>
           </a:p>
         </p:txBody>
@@ -801,11 +828,11 @@
 </file>
 
 <file path=ppt/notesSlides/notesSlide2.xml><?xml version="1.0" encoding="utf-8"?>
-<p:notes xmlns:a="http://schemas.openxmlformats.org/drawingml/2006/main" xmlns:r="http://schemas.openxmlformats.org/officeDocument/2006/relationships" xmlns:mc="http://schemas.openxmlformats.org/markup-compatibility/2006" xmlns:mv="urn:schemas-microsoft-com:mac:vml" xmlns:p="http://schemas.openxmlformats.org/presentationml/2006/main" xmlns:c="http://schemas.openxmlformats.org/drawingml/2006/chart" xmlns:dgm="http://schemas.openxmlformats.org/drawingml/2006/diagram" xmlns:o="urn:schemas-microsoft-com:office:office" xmlns:v="urn:schemas-microsoft-com:vml" xmlns:pvml="urn:schemas-microsoft-com:office:powerpoint" xmlns:com="http://schemas.openxmlformats.org/drawingml/2006/compatibility" xmlns:p14="http://schemas.microsoft.com/office/powerpoint/2010/main" xmlns:p15="http://schemas.microsoft.com/office/powerpoint/2012/main" xmlns:ahyp="http://schemas.microsoft.com/office/drawing/2018/hyperlinkcolor" showMasterPhAnim="0" showMasterSp="0">
+<p:notes xmlns:a="http://schemas.openxmlformats.org/drawingml/2006/main" xmlns:r="http://schemas.openxmlformats.org/officeDocument/2006/relationships" xmlns:p="http://schemas.openxmlformats.org/presentationml/2006/main" showMasterSp="0" showMasterPhAnim="0">
   <p:cSld>
     <p:spTree>
       <p:nvGrpSpPr>
-        <p:cNvPr id="87" name="Shape 87"/>
+        <p:cNvPr id="1" name="Shape 87"/>
         <p:cNvGrpSpPr/>
         <p:nvPr/>
       </p:nvGrpSpPr>
@@ -820,20 +847,26 @@
       <p:sp>
         <p:nvSpPr>
           <p:cNvPr id="88" name="Google Shape;88;g109420d0d77_0_76:notes"/>
-          <p:cNvSpPr/>
+          <p:cNvSpPr>
+            <a:spLocks noGrp="1" noRot="1" noChangeAspect="1"/>
+          </p:cNvSpPr>
           <p:nvPr>
-            <p:ph idx="2" type="sldImg"/>
+            <p:ph type="sldImg" idx="2"/>
           </p:nvPr>
         </p:nvSpPr>
         <p:spPr>
           <a:xfrm>
-            <a:off x="381300" y="685800"/>
+            <a:off x="381000" y="685800"/>
             <a:ext cx="6096000" cy="3429000"/>
           </a:xfrm>
           <a:custGeom>
-            <a:rect b="b" l="l" r="r" t="t"/>
+            <a:avLst/>
+            <a:gdLst/>
+            <a:ahLst/>
+            <a:cxnLst/>
+            <a:rect l="l" t="t" r="r" b="b"/>
             <a:pathLst>
-              <a:path extrusionOk="0" h="120000" w="120000">
+              <a:path w="120000" h="120000" extrusionOk="0">
                 <a:moveTo>
                   <a:pt x="0" y="0"/>
                 </a:moveTo>
@@ -855,9 +888,11 @@
       <p:sp>
         <p:nvSpPr>
           <p:cNvPr id="89" name="Google Shape;89;g109420d0d77_0_76:notes"/>
-          <p:cNvSpPr txBox="1"/>
+          <p:cNvSpPr txBox="1">
+            <a:spLocks noGrp="1"/>
+          </p:cNvSpPr>
           <p:nvPr>
-            <p:ph idx="1" type="body"/>
+            <p:ph type="body" idx="1"/>
           </p:nvPr>
         </p:nvSpPr>
         <p:spPr>
@@ -870,12 +905,12 @@
           </a:prstGeom>
         </p:spPr>
         <p:txBody>
-          <a:bodyPr anchorCtr="0" anchor="t" bIns="91425" lIns="91425" spcFirstLastPara="1" rIns="91425" wrap="square" tIns="91425">
+          <a:bodyPr spcFirstLastPara="1" wrap="square" lIns="91425" tIns="91425" rIns="91425" bIns="91425" anchor="t" anchorCtr="0">
             <a:noAutofit/>
           </a:bodyPr>
           <a:lstStyle/>
           <a:p>
-            <a:pPr indent="0" lvl="0" marL="0" rtl="0" algn="l">
+            <a:pPr marL="0" lvl="0" indent="0" algn="l" rtl="0">
               <a:spcBef>
                 <a:spcPts val="0"/>
               </a:spcBef>
@@ -884,9 +919,6 @@
               </a:spcAft>
               <a:buNone/>
             </a:pPr>
-            <a:r>
-              <a:t/>
-            </a:r>
             <a:endParaRPr/>
           </a:p>
         </p:txBody>
@@ -900,11 +932,11 @@
 </file>
 
 <file path=ppt/notesSlides/notesSlide3.xml><?xml version="1.0" encoding="utf-8"?>
-<p:notes xmlns:a="http://schemas.openxmlformats.org/drawingml/2006/main" xmlns:r="http://schemas.openxmlformats.org/officeDocument/2006/relationships" xmlns:mc="http://schemas.openxmlformats.org/markup-compatibility/2006" xmlns:mv="urn:schemas-microsoft-com:mac:vml" xmlns:p="http://schemas.openxmlformats.org/presentationml/2006/main" xmlns:c="http://schemas.openxmlformats.org/drawingml/2006/chart" xmlns:dgm="http://schemas.openxmlformats.org/drawingml/2006/diagram" xmlns:o="urn:schemas-microsoft-com:office:office" xmlns:v="urn:schemas-microsoft-com:vml" xmlns:pvml="urn:schemas-microsoft-com:office:powerpoint" xmlns:com="http://schemas.openxmlformats.org/drawingml/2006/compatibility" xmlns:p14="http://schemas.microsoft.com/office/powerpoint/2010/main" xmlns:p15="http://schemas.microsoft.com/office/powerpoint/2012/main" xmlns:ahyp="http://schemas.microsoft.com/office/drawing/2018/hyperlinkcolor" showMasterPhAnim="0" showMasterSp="0">
+<p:notes xmlns:a="http://schemas.openxmlformats.org/drawingml/2006/main" xmlns:r="http://schemas.openxmlformats.org/officeDocument/2006/relationships" xmlns:p="http://schemas.openxmlformats.org/presentationml/2006/main" showMasterSp="0" showMasterPhAnim="0">
   <p:cSld>
     <p:spTree>
       <p:nvGrpSpPr>
-        <p:cNvPr id="93" name="Shape 93"/>
+        <p:cNvPr id="1" name="Shape 93"/>
         <p:cNvGrpSpPr/>
         <p:nvPr/>
       </p:nvGrpSpPr>
@@ -919,20 +951,26 @@
       <p:sp>
         <p:nvSpPr>
           <p:cNvPr id="94" name="Google Shape;94;g109420d0d77_0_82:notes"/>
-          <p:cNvSpPr/>
+          <p:cNvSpPr>
+            <a:spLocks noGrp="1" noRot="1" noChangeAspect="1"/>
+          </p:cNvSpPr>
           <p:nvPr>
-            <p:ph idx="2" type="sldImg"/>
+            <p:ph type="sldImg" idx="2"/>
           </p:nvPr>
         </p:nvSpPr>
         <p:spPr>
           <a:xfrm>
-            <a:off x="381300" y="685800"/>
+            <a:off x="381000" y="685800"/>
             <a:ext cx="6096000" cy="3429000"/>
           </a:xfrm>
           <a:custGeom>
-            <a:rect b="b" l="l" r="r" t="t"/>
+            <a:avLst/>
+            <a:gdLst/>
+            <a:ahLst/>
+            <a:cxnLst/>
+            <a:rect l="l" t="t" r="r" b="b"/>
             <a:pathLst>
-              <a:path extrusionOk="0" h="120000" w="120000">
+              <a:path w="120000" h="120000" extrusionOk="0">
                 <a:moveTo>
                   <a:pt x="0" y="0"/>
                 </a:moveTo>
@@ -954,9 +992,11 @@
       <p:sp>
         <p:nvSpPr>
           <p:cNvPr id="95" name="Google Shape;95;g109420d0d77_0_82:notes"/>
-          <p:cNvSpPr txBox="1"/>
+          <p:cNvSpPr txBox="1">
+            <a:spLocks noGrp="1"/>
+          </p:cNvSpPr>
           <p:nvPr>
-            <p:ph idx="1" type="body"/>
+            <p:ph type="body" idx="1"/>
           </p:nvPr>
         </p:nvSpPr>
         <p:spPr>
@@ -969,12 +1009,12 @@
           </a:prstGeom>
         </p:spPr>
         <p:txBody>
-          <a:bodyPr anchorCtr="0" anchor="t" bIns="91425" lIns="91425" spcFirstLastPara="1" rIns="91425" wrap="square" tIns="91425">
+          <a:bodyPr spcFirstLastPara="1" wrap="square" lIns="91425" tIns="91425" rIns="91425" bIns="91425" anchor="t" anchorCtr="0">
             <a:noAutofit/>
           </a:bodyPr>
           <a:lstStyle/>
           <a:p>
-            <a:pPr indent="0" lvl="0" marL="0" rtl="0" algn="l">
+            <a:pPr marL="0" lvl="0" indent="0" algn="l" rtl="0">
               <a:spcBef>
                 <a:spcPts val="0"/>
               </a:spcBef>
@@ -983,9 +1023,6 @@
               </a:spcAft>
               <a:buNone/>
             </a:pPr>
-            <a:r>
-              <a:t/>
-            </a:r>
             <a:endParaRPr/>
           </a:p>
         </p:txBody>
@@ -999,11 +1036,11 @@
 </file>
 
 <file path=ppt/notesSlides/notesSlide4.xml><?xml version="1.0" encoding="utf-8"?>
-<p:notes xmlns:a="http://schemas.openxmlformats.org/drawingml/2006/main" xmlns:r="http://schemas.openxmlformats.org/officeDocument/2006/relationships" xmlns:mc="http://schemas.openxmlformats.org/markup-compatibility/2006" xmlns:mv="urn:schemas-microsoft-com:mac:vml" xmlns:p="http://schemas.openxmlformats.org/presentationml/2006/main" xmlns:c="http://schemas.openxmlformats.org/drawingml/2006/chart" xmlns:dgm="http://schemas.openxmlformats.org/drawingml/2006/diagram" xmlns:o="urn:schemas-microsoft-com:office:office" xmlns:v="urn:schemas-microsoft-com:vml" xmlns:pvml="urn:schemas-microsoft-com:office:powerpoint" xmlns:com="http://schemas.openxmlformats.org/drawingml/2006/compatibility" xmlns:p14="http://schemas.microsoft.com/office/powerpoint/2010/main" xmlns:p15="http://schemas.microsoft.com/office/powerpoint/2012/main" xmlns:ahyp="http://schemas.microsoft.com/office/drawing/2018/hyperlinkcolor" showMasterPhAnim="0" showMasterSp="0">
+<p:notes xmlns:a="http://schemas.openxmlformats.org/drawingml/2006/main" xmlns:r="http://schemas.openxmlformats.org/officeDocument/2006/relationships" xmlns:p="http://schemas.openxmlformats.org/presentationml/2006/main" showMasterSp="0" showMasterPhAnim="0">
   <p:cSld>
     <p:spTree>
       <p:nvGrpSpPr>
-        <p:cNvPr id="99" name="Shape 99"/>
+        <p:cNvPr id="1" name="Shape 99"/>
         <p:cNvGrpSpPr/>
         <p:nvPr/>
       </p:nvGrpSpPr>
@@ -1018,20 +1055,26 @@
       <p:sp>
         <p:nvSpPr>
           <p:cNvPr id="100" name="Google Shape;100;g109420d0d77_2_0:notes"/>
-          <p:cNvSpPr/>
+          <p:cNvSpPr>
+            <a:spLocks noGrp="1" noRot="1" noChangeAspect="1"/>
+          </p:cNvSpPr>
           <p:nvPr>
-            <p:ph idx="2" type="sldImg"/>
+            <p:ph type="sldImg" idx="2"/>
           </p:nvPr>
         </p:nvSpPr>
         <p:spPr>
           <a:xfrm>
-            <a:off x="381300" y="685800"/>
+            <a:off x="381000" y="685800"/>
             <a:ext cx="6096000" cy="3429000"/>
           </a:xfrm>
           <a:custGeom>
-            <a:rect b="b" l="l" r="r" t="t"/>
+            <a:avLst/>
+            <a:gdLst/>
+            <a:ahLst/>
+            <a:cxnLst/>
+            <a:rect l="l" t="t" r="r" b="b"/>
             <a:pathLst>
-              <a:path extrusionOk="0" h="120000" w="120000">
+              <a:path w="120000" h="120000" extrusionOk="0">
                 <a:moveTo>
                   <a:pt x="0" y="0"/>
                 </a:moveTo>
@@ -1053,9 +1096,11 @@
       <p:sp>
         <p:nvSpPr>
           <p:cNvPr id="101" name="Google Shape;101;g109420d0d77_2_0:notes"/>
-          <p:cNvSpPr txBox="1"/>
+          <p:cNvSpPr txBox="1">
+            <a:spLocks noGrp="1"/>
+          </p:cNvSpPr>
           <p:nvPr>
-            <p:ph idx="1" type="body"/>
+            <p:ph type="body" idx="1"/>
           </p:nvPr>
         </p:nvSpPr>
         <p:spPr>
@@ -1068,12 +1113,12 @@
           </a:prstGeom>
         </p:spPr>
         <p:txBody>
-          <a:bodyPr anchorCtr="0" anchor="t" bIns="91425" lIns="91425" spcFirstLastPara="1" rIns="91425" wrap="square" tIns="91425">
+          <a:bodyPr spcFirstLastPara="1" wrap="square" lIns="91425" tIns="91425" rIns="91425" bIns="91425" anchor="t" anchorCtr="0">
             <a:noAutofit/>
           </a:bodyPr>
           <a:lstStyle/>
           <a:p>
-            <a:pPr indent="0" lvl="0" marL="0" rtl="0" algn="l">
+            <a:pPr marL="0" lvl="0" indent="0" algn="l" rtl="0">
               <a:spcBef>
                 <a:spcPts val="0"/>
               </a:spcBef>
@@ -1082,9 +1127,6 @@
               </a:spcAft>
               <a:buNone/>
             </a:pPr>
-            <a:r>
-              <a:t/>
-            </a:r>
             <a:endParaRPr/>
           </a:p>
         </p:txBody>
@@ -1098,11 +1140,11 @@
 </file>
 
 <file path=ppt/notesSlides/notesSlide5.xml><?xml version="1.0" encoding="utf-8"?>
-<p:notes xmlns:a="http://schemas.openxmlformats.org/drawingml/2006/main" xmlns:r="http://schemas.openxmlformats.org/officeDocument/2006/relationships" xmlns:mc="http://schemas.openxmlformats.org/markup-compatibility/2006" xmlns:mv="urn:schemas-microsoft-com:mac:vml" xmlns:p="http://schemas.openxmlformats.org/presentationml/2006/main" xmlns:c="http://schemas.openxmlformats.org/drawingml/2006/chart" xmlns:dgm="http://schemas.openxmlformats.org/drawingml/2006/diagram" xmlns:o="urn:schemas-microsoft-com:office:office" xmlns:v="urn:schemas-microsoft-com:vml" xmlns:pvml="urn:schemas-microsoft-com:office:powerpoint" xmlns:com="http://schemas.openxmlformats.org/drawingml/2006/compatibility" xmlns:p14="http://schemas.microsoft.com/office/powerpoint/2010/main" xmlns:p15="http://schemas.microsoft.com/office/powerpoint/2012/main" xmlns:ahyp="http://schemas.microsoft.com/office/drawing/2018/hyperlinkcolor" showMasterPhAnim="0" showMasterSp="0">
+<p:notes xmlns:a="http://schemas.openxmlformats.org/drawingml/2006/main" xmlns:r="http://schemas.openxmlformats.org/officeDocument/2006/relationships" xmlns:p="http://schemas.openxmlformats.org/presentationml/2006/main" showMasterSp="0" showMasterPhAnim="0">
   <p:cSld>
     <p:spTree>
       <p:nvGrpSpPr>
-        <p:cNvPr id="105" name="Shape 105"/>
+        <p:cNvPr id="1" name="Shape 105"/>
         <p:cNvGrpSpPr/>
         <p:nvPr/>
       </p:nvGrpSpPr>
@@ -1117,20 +1159,26 @@
       <p:sp>
         <p:nvSpPr>
           <p:cNvPr id="106" name="Google Shape;106;g109420d0d77_2_5:notes"/>
-          <p:cNvSpPr/>
+          <p:cNvSpPr>
+            <a:spLocks noGrp="1" noRot="1" noChangeAspect="1"/>
+          </p:cNvSpPr>
           <p:nvPr>
-            <p:ph idx="2" type="sldImg"/>
+            <p:ph type="sldImg" idx="2"/>
           </p:nvPr>
         </p:nvSpPr>
         <p:spPr>
           <a:xfrm>
-            <a:off x="381300" y="685800"/>
+            <a:off x="381000" y="685800"/>
             <a:ext cx="6096000" cy="3429000"/>
           </a:xfrm>
           <a:custGeom>
-            <a:rect b="b" l="l" r="r" t="t"/>
+            <a:avLst/>
+            <a:gdLst/>
+            <a:ahLst/>
+            <a:cxnLst/>
+            <a:rect l="l" t="t" r="r" b="b"/>
             <a:pathLst>
-              <a:path extrusionOk="0" h="120000" w="120000">
+              <a:path w="120000" h="120000" extrusionOk="0">
                 <a:moveTo>
                   <a:pt x="0" y="0"/>
                 </a:moveTo>
@@ -1152,9 +1200,11 @@
       <p:sp>
         <p:nvSpPr>
           <p:cNvPr id="107" name="Google Shape;107;g109420d0d77_2_5:notes"/>
-          <p:cNvSpPr txBox="1"/>
+          <p:cNvSpPr txBox="1">
+            <a:spLocks noGrp="1"/>
+          </p:cNvSpPr>
           <p:nvPr>
-            <p:ph idx="1" type="body"/>
+            <p:ph type="body" idx="1"/>
           </p:nvPr>
         </p:nvSpPr>
         <p:spPr>
@@ -1167,12 +1217,12 @@
           </a:prstGeom>
         </p:spPr>
         <p:txBody>
-          <a:bodyPr anchorCtr="0" anchor="t" bIns="91425" lIns="91425" spcFirstLastPara="1" rIns="91425" wrap="square" tIns="91425">
+          <a:bodyPr spcFirstLastPara="1" wrap="square" lIns="91425" tIns="91425" rIns="91425" bIns="91425" anchor="t" anchorCtr="0">
             <a:noAutofit/>
           </a:bodyPr>
           <a:lstStyle/>
           <a:p>
-            <a:pPr indent="0" lvl="0" marL="0" rtl="0" algn="l">
+            <a:pPr marL="0" lvl="0" indent="0" algn="l" rtl="0">
               <a:spcBef>
                 <a:spcPts val="0"/>
               </a:spcBef>
@@ -1181,9 +1231,6 @@
               </a:spcAft>
               <a:buNone/>
             </a:pPr>
-            <a:r>
-              <a:t/>
-            </a:r>
             <a:endParaRPr/>
           </a:p>
         </p:txBody>
@@ -1197,11 +1244,11 @@
 </file>
 
 <file path=ppt/notesSlides/notesSlide6.xml><?xml version="1.0" encoding="utf-8"?>
-<p:notes xmlns:a="http://schemas.openxmlformats.org/drawingml/2006/main" xmlns:r="http://schemas.openxmlformats.org/officeDocument/2006/relationships" xmlns:mc="http://schemas.openxmlformats.org/markup-compatibility/2006" xmlns:mv="urn:schemas-microsoft-com:mac:vml" xmlns:p="http://schemas.openxmlformats.org/presentationml/2006/main" xmlns:c="http://schemas.openxmlformats.org/drawingml/2006/chart" xmlns:dgm="http://schemas.openxmlformats.org/drawingml/2006/diagram" xmlns:o="urn:schemas-microsoft-com:office:office" xmlns:v="urn:schemas-microsoft-com:vml" xmlns:pvml="urn:schemas-microsoft-com:office:powerpoint" xmlns:com="http://schemas.openxmlformats.org/drawingml/2006/compatibility" xmlns:p14="http://schemas.microsoft.com/office/powerpoint/2010/main" xmlns:p15="http://schemas.microsoft.com/office/powerpoint/2012/main" xmlns:ahyp="http://schemas.microsoft.com/office/drawing/2018/hyperlinkcolor" showMasterPhAnim="0" showMasterSp="0">
+<p:notes xmlns:a="http://schemas.openxmlformats.org/drawingml/2006/main" xmlns:r="http://schemas.openxmlformats.org/officeDocument/2006/relationships" xmlns:p="http://schemas.openxmlformats.org/presentationml/2006/main" showMasterSp="0" showMasterPhAnim="0">
   <p:cSld>
     <p:spTree>
       <p:nvGrpSpPr>
-        <p:cNvPr id="116" name="Shape 116"/>
+        <p:cNvPr id="1" name="Shape 116"/>
         <p:cNvGrpSpPr/>
         <p:nvPr/>
       </p:nvGrpSpPr>
@@ -1216,20 +1263,26 @@
       <p:sp>
         <p:nvSpPr>
           <p:cNvPr id="117" name="Google Shape;117;g109420d0d77_2_16:notes"/>
-          <p:cNvSpPr/>
+          <p:cNvSpPr>
+            <a:spLocks noGrp="1" noRot="1" noChangeAspect="1"/>
+          </p:cNvSpPr>
           <p:nvPr>
-            <p:ph idx="2" type="sldImg"/>
+            <p:ph type="sldImg" idx="2"/>
           </p:nvPr>
         </p:nvSpPr>
         <p:spPr>
           <a:xfrm>
-            <a:off x="381300" y="685800"/>
+            <a:off x="381000" y="685800"/>
             <a:ext cx="6096000" cy="3429000"/>
           </a:xfrm>
           <a:custGeom>
-            <a:rect b="b" l="l" r="r" t="t"/>
+            <a:avLst/>
+            <a:gdLst/>
+            <a:ahLst/>
+            <a:cxnLst/>
+            <a:rect l="l" t="t" r="r" b="b"/>
             <a:pathLst>
-              <a:path extrusionOk="0" h="120000" w="120000">
+              <a:path w="120000" h="120000" extrusionOk="0">
                 <a:moveTo>
                   <a:pt x="0" y="0"/>
                 </a:moveTo>
@@ -1251,9 +1304,11 @@
       <p:sp>
         <p:nvSpPr>
           <p:cNvPr id="118" name="Google Shape;118;g109420d0d77_2_16:notes"/>
-          <p:cNvSpPr txBox="1"/>
+          <p:cNvSpPr txBox="1">
+            <a:spLocks noGrp="1"/>
+          </p:cNvSpPr>
           <p:nvPr>
-            <p:ph idx="1" type="body"/>
+            <p:ph type="body" idx="1"/>
           </p:nvPr>
         </p:nvSpPr>
         <p:spPr>
@@ -1266,12 +1321,12 @@
           </a:prstGeom>
         </p:spPr>
         <p:txBody>
-          <a:bodyPr anchorCtr="0" anchor="t" bIns="91425" lIns="91425" spcFirstLastPara="1" rIns="91425" wrap="square" tIns="91425">
+          <a:bodyPr spcFirstLastPara="1" wrap="square" lIns="91425" tIns="91425" rIns="91425" bIns="91425" anchor="t" anchorCtr="0">
             <a:noAutofit/>
           </a:bodyPr>
           <a:lstStyle/>
           <a:p>
-            <a:pPr indent="0" lvl="0" marL="0" rtl="0" algn="l">
+            <a:pPr marL="0" lvl="0" indent="0" algn="l" rtl="0">
               <a:spcBef>
                 <a:spcPts val="0"/>
               </a:spcBef>
@@ -1280,9 +1335,6 @@
               </a:spcAft>
               <a:buNone/>
             </a:pPr>
-            <a:r>
-              <a:t/>
-            </a:r>
             <a:endParaRPr/>
           </a:p>
         </p:txBody>
@@ -1296,11 +1348,11 @@
 </file>
 
 <file path=ppt/notesSlides/notesSlide7.xml><?xml version="1.0" encoding="utf-8"?>
-<p:notes xmlns:a="http://schemas.openxmlformats.org/drawingml/2006/main" xmlns:r="http://schemas.openxmlformats.org/officeDocument/2006/relationships" xmlns:mc="http://schemas.openxmlformats.org/markup-compatibility/2006" xmlns:mv="urn:schemas-microsoft-com:mac:vml" xmlns:p="http://schemas.openxmlformats.org/presentationml/2006/main" xmlns:c="http://schemas.openxmlformats.org/drawingml/2006/chart" xmlns:dgm="http://schemas.openxmlformats.org/drawingml/2006/diagram" xmlns:o="urn:schemas-microsoft-com:office:office" xmlns:v="urn:schemas-microsoft-com:vml" xmlns:pvml="urn:schemas-microsoft-com:office:powerpoint" xmlns:com="http://schemas.openxmlformats.org/drawingml/2006/compatibility" xmlns:p14="http://schemas.microsoft.com/office/powerpoint/2010/main" xmlns:p15="http://schemas.microsoft.com/office/powerpoint/2012/main" xmlns:ahyp="http://schemas.microsoft.com/office/drawing/2018/hyperlinkcolor" showMasterPhAnim="0" showMasterSp="0">
+<p:notes xmlns:a="http://schemas.openxmlformats.org/drawingml/2006/main" xmlns:r="http://schemas.openxmlformats.org/officeDocument/2006/relationships" xmlns:p="http://schemas.openxmlformats.org/presentationml/2006/main" showMasterSp="0" showMasterPhAnim="0">
   <p:cSld>
     <p:spTree>
       <p:nvGrpSpPr>
-        <p:cNvPr id="127" name="Shape 127"/>
+        <p:cNvPr id="1" name="Shape 127"/>
         <p:cNvGrpSpPr/>
         <p:nvPr/>
       </p:nvGrpSpPr>
@@ -1315,20 +1367,26 @@
       <p:sp>
         <p:nvSpPr>
           <p:cNvPr id="128" name="Google Shape;128;g109420d0d77_0_87:notes"/>
-          <p:cNvSpPr/>
+          <p:cNvSpPr>
+            <a:spLocks noGrp="1" noRot="1" noChangeAspect="1"/>
+          </p:cNvSpPr>
           <p:nvPr>
-            <p:ph idx="2" type="sldImg"/>
+            <p:ph type="sldImg" idx="2"/>
           </p:nvPr>
         </p:nvSpPr>
         <p:spPr>
           <a:xfrm>
-            <a:off x="381300" y="685800"/>
+            <a:off x="381000" y="685800"/>
             <a:ext cx="6096000" cy="3429000"/>
           </a:xfrm>
           <a:custGeom>
-            <a:rect b="b" l="l" r="r" t="t"/>
+            <a:avLst/>
+            <a:gdLst/>
+            <a:ahLst/>
+            <a:cxnLst/>
+            <a:rect l="l" t="t" r="r" b="b"/>
             <a:pathLst>
-              <a:path extrusionOk="0" h="120000" w="120000">
+              <a:path w="120000" h="120000" extrusionOk="0">
                 <a:moveTo>
                   <a:pt x="0" y="0"/>
                 </a:moveTo>
@@ -1350,9 +1408,11 @@
       <p:sp>
         <p:nvSpPr>
           <p:cNvPr id="129" name="Google Shape;129;g109420d0d77_0_87:notes"/>
-          <p:cNvSpPr txBox="1"/>
+          <p:cNvSpPr txBox="1">
+            <a:spLocks noGrp="1"/>
+          </p:cNvSpPr>
           <p:nvPr>
-            <p:ph idx="1" type="body"/>
+            <p:ph type="body" idx="1"/>
           </p:nvPr>
         </p:nvSpPr>
         <p:spPr>
@@ -1365,12 +1425,12 @@
           </a:prstGeom>
         </p:spPr>
         <p:txBody>
-          <a:bodyPr anchorCtr="0" anchor="t" bIns="91425" lIns="91425" spcFirstLastPara="1" rIns="91425" wrap="square" tIns="91425">
+          <a:bodyPr spcFirstLastPara="1" wrap="square" lIns="91425" tIns="91425" rIns="91425" bIns="91425" anchor="t" anchorCtr="0">
             <a:noAutofit/>
           </a:bodyPr>
           <a:lstStyle/>
           <a:p>
-            <a:pPr indent="0" lvl="0" marL="0" rtl="0" algn="l">
+            <a:pPr marL="0" lvl="0" indent="0" algn="l" rtl="0">
               <a:spcBef>
                 <a:spcPts val="0"/>
               </a:spcBef>
@@ -1379,9 +1439,6 @@
               </a:spcAft>
               <a:buNone/>
             </a:pPr>
-            <a:r>
-              <a:t/>
-            </a:r>
             <a:endParaRPr/>
           </a:p>
         </p:txBody>
@@ -1395,18 +1452,19 @@
 </file>
 
 <file path=ppt/slideLayouts/slideLayout1.xml><?xml version="1.0" encoding="utf-8"?>
-<p:sldLayout xmlns:a="http://schemas.openxmlformats.org/drawingml/2006/main" xmlns:r="http://schemas.openxmlformats.org/officeDocument/2006/relationships" xmlns:mc="http://schemas.openxmlformats.org/markup-compatibility/2006" xmlns:mv="urn:schemas-microsoft-com:mac:vml" xmlns:p="http://schemas.openxmlformats.org/presentationml/2006/main" xmlns:c="http://schemas.openxmlformats.org/drawingml/2006/chart" xmlns:dgm="http://schemas.openxmlformats.org/drawingml/2006/diagram" xmlns:o="urn:schemas-microsoft-com:office:office" xmlns:v="urn:schemas-microsoft-com:vml" xmlns:pvml="urn:schemas-microsoft-com:office:powerpoint" xmlns:com="http://schemas.openxmlformats.org/drawingml/2006/compatibility" xmlns:p14="http://schemas.microsoft.com/office/powerpoint/2010/main" xmlns:p15="http://schemas.microsoft.com/office/powerpoint/2012/main" xmlns:ahyp="http://schemas.microsoft.com/office/drawing/2018/hyperlinkcolor" matchingName="Title slide" type="title">
+<p:sldLayout xmlns:a="http://schemas.openxmlformats.org/drawingml/2006/main" xmlns:r="http://schemas.openxmlformats.org/officeDocument/2006/relationships" xmlns:p="http://schemas.openxmlformats.org/presentationml/2006/main" matchingName="Title slide" type="title">
   <p:cSld name="TITLE">
     <p:bg>
       <p:bgPr>
         <a:solidFill>
           <a:schemeClr val="dk1"/>
         </a:solidFill>
+        <a:effectLst/>
       </p:bgPr>
     </p:bg>
     <p:spTree>
       <p:nvGrpSpPr>
-        <p:cNvPr id="9" name="Shape 9"/>
+        <p:cNvPr id="1" name="Shape 9"/>
         <p:cNvGrpSpPr/>
         <p:nvPr/>
       </p:nvGrpSpPr>
@@ -1454,12 +1512,12 @@
             </a:ln>
           </p:spPr>
           <p:txBody>
-            <a:bodyPr anchorCtr="0" anchor="ctr" bIns="91425" lIns="91425" spcFirstLastPara="1" rIns="91425" wrap="square" tIns="91425">
+            <a:bodyPr spcFirstLastPara="1" wrap="square" lIns="91425" tIns="91425" rIns="91425" bIns="91425" anchor="ctr" anchorCtr="0">
               <a:noAutofit/>
             </a:bodyPr>
             <a:lstStyle/>
             <a:p>
-              <a:pPr indent="0" lvl="0" marL="0" rtl="0" algn="l">
+              <a:pPr marL="0" lvl="0" indent="0" algn="l" rtl="0">
                 <a:spcBef>
                   <a:spcPts val="0"/>
                 </a:spcBef>
@@ -1468,9 +1526,6 @@
                 </a:spcAft>
                 <a:buNone/>
               </a:pPr>
-              <a:r>
-                <a:t/>
-              </a:r>
               <a:endParaRPr/>
             </a:p>
           </p:txBody>
@@ -1497,12 +1552,12 @@
             </a:ln>
           </p:spPr>
           <p:txBody>
-            <a:bodyPr anchorCtr="0" anchor="ctr" bIns="91425" lIns="91425" spcFirstLastPara="1" rIns="91425" wrap="square" tIns="91425">
+            <a:bodyPr spcFirstLastPara="1" wrap="square" lIns="91425" tIns="91425" rIns="91425" bIns="91425" anchor="ctr" anchorCtr="0">
               <a:noAutofit/>
             </a:bodyPr>
             <a:lstStyle/>
             <a:p>
-              <a:pPr indent="0" lvl="0" marL="0" rtl="0" algn="l">
+              <a:pPr marL="0" lvl="0" indent="0" algn="l" rtl="0">
                 <a:spcBef>
                   <a:spcPts val="0"/>
                 </a:spcBef>
@@ -1511,9 +1566,6 @@
                 </a:spcAft>
                 <a:buNone/>
               </a:pPr>
-              <a:r>
-                <a:t/>
-              </a:r>
               <a:endParaRPr/>
             </a:p>
           </p:txBody>
@@ -1525,7 +1577,7 @@
             <p:nvPr/>
           </p:nvSpPr>
           <p:spPr>
-            <a:xfrm flipH="1" rot="10800000">
+            <a:xfrm rot="10800000" flipH="1">
               <a:off x="7113588" y="107"/>
               <a:ext cx="1015200" cy="1015200"/>
             </a:xfrm>
@@ -1540,12 +1592,12 @@
             </a:ln>
           </p:spPr>
           <p:txBody>
-            <a:bodyPr anchorCtr="0" anchor="ctr" bIns="91425" lIns="91425" spcFirstLastPara="1" rIns="91425" wrap="square" tIns="91425">
+            <a:bodyPr spcFirstLastPara="1" wrap="square" lIns="91425" tIns="91425" rIns="91425" bIns="91425" anchor="ctr" anchorCtr="0">
               <a:noAutofit/>
             </a:bodyPr>
             <a:lstStyle/>
             <a:p>
-              <a:pPr indent="0" lvl="0" marL="0" rtl="0" algn="l">
+              <a:pPr marL="0" lvl="0" indent="0" algn="l" rtl="0">
                 <a:spcBef>
                   <a:spcPts val="0"/>
                 </a:spcBef>
@@ -1554,9 +1606,6 @@
                 </a:spcAft>
                 <a:buNone/>
               </a:pPr>
-              <a:r>
-                <a:t/>
-              </a:r>
               <a:endParaRPr/>
             </a:p>
           </p:txBody>
@@ -1583,12 +1632,12 @@
             </a:ln>
           </p:spPr>
           <p:txBody>
-            <a:bodyPr anchorCtr="0" anchor="ctr" bIns="91425" lIns="91425" spcFirstLastPara="1" rIns="91425" wrap="square" tIns="91425">
+            <a:bodyPr spcFirstLastPara="1" wrap="square" lIns="91425" tIns="91425" rIns="91425" bIns="91425" anchor="ctr" anchorCtr="0">
               <a:noAutofit/>
             </a:bodyPr>
             <a:lstStyle/>
             <a:p>
-              <a:pPr indent="0" lvl="0" marL="0" rtl="0" algn="l">
+              <a:pPr marL="0" lvl="0" indent="0" algn="l" rtl="0">
                 <a:spcBef>
                   <a:spcPts val="0"/>
                 </a:spcBef>
@@ -1597,9 +1646,6 @@
                 </a:spcAft>
                 <a:buNone/>
               </a:pPr>
-              <a:r>
-                <a:t/>
-              </a:r>
               <a:endParaRPr/>
             </a:p>
           </p:txBody>
@@ -1626,12 +1672,12 @@
             </a:ln>
           </p:spPr>
           <p:txBody>
-            <a:bodyPr anchorCtr="0" anchor="ctr" bIns="91425" lIns="91425" spcFirstLastPara="1" rIns="91425" wrap="square" tIns="91425">
+            <a:bodyPr spcFirstLastPara="1" wrap="square" lIns="91425" tIns="91425" rIns="91425" bIns="91425" anchor="ctr" anchorCtr="0">
               <a:noAutofit/>
             </a:bodyPr>
             <a:lstStyle/>
             <a:p>
-              <a:pPr indent="0" lvl="0" marL="0" rtl="0" algn="l">
+              <a:pPr marL="0" lvl="0" indent="0" algn="l" rtl="0">
                 <a:spcBef>
                   <a:spcPts val="0"/>
                 </a:spcBef>
@@ -1640,9 +1686,6 @@
                 </a:spcAft>
                 <a:buNone/>
               </a:pPr>
-              <a:r>
-                <a:t/>
-              </a:r>
               <a:endParaRPr/>
             </a:p>
           </p:txBody>
@@ -1651,7 +1694,9 @@
       <p:sp>
         <p:nvSpPr>
           <p:cNvPr id="16" name="Google Shape;16;p2"/>
-          <p:cNvSpPr txBox="1"/>
+          <p:cNvSpPr txBox="1">
+            <a:spLocks noGrp="1"/>
+          </p:cNvSpPr>
           <p:nvPr>
             <p:ph type="ctrTitle"/>
           </p:nvPr>
@@ -1666,7 +1711,7 @@
           </a:prstGeom>
         </p:spPr>
         <p:txBody>
-          <a:bodyPr anchorCtr="0" anchor="b" bIns="91425" lIns="91425" spcFirstLastPara="1" rIns="91425" wrap="square" tIns="91425">
+          <a:bodyPr spcFirstLastPara="1" wrap="square" lIns="91425" tIns="91425" rIns="91425" bIns="91425" anchor="b" anchorCtr="0">
             <a:normAutofit/>
           </a:bodyPr>
           <a:lstStyle>
@@ -1833,15 +1878,19 @@
               </a:defRPr>
             </a:lvl9pPr>
           </a:lstStyle>
-          <a:p/>
+          <a:p>
+            <a:endParaRPr/>
+          </a:p>
         </p:txBody>
       </p:sp>
       <p:sp>
         <p:nvSpPr>
           <p:cNvPr id="17" name="Google Shape;17;p2"/>
-          <p:cNvSpPr txBox="1"/>
+          <p:cNvSpPr txBox="1">
+            <a:spLocks noGrp="1"/>
+          </p:cNvSpPr>
           <p:nvPr>
-            <p:ph idx="1" type="subTitle"/>
+            <p:ph type="subTitle" idx="1"/>
           </p:nvPr>
         </p:nvSpPr>
         <p:spPr>
@@ -1854,7 +1903,7 @@
           </a:prstGeom>
         </p:spPr>
         <p:txBody>
-          <a:bodyPr anchorCtr="0" anchor="t" bIns="91425" lIns="91425" spcFirstLastPara="1" rIns="91425" wrap="square" tIns="91425">
+          <a:bodyPr spcFirstLastPara="1" wrap="square" lIns="91425" tIns="91425" rIns="91425" bIns="91425" anchor="t" anchorCtr="0">
             <a:normAutofit/>
           </a:bodyPr>
           <a:lstStyle>
@@ -2048,15 +2097,19 @@
               </a:defRPr>
             </a:lvl9pPr>
           </a:lstStyle>
-          <a:p/>
+          <a:p>
+            <a:endParaRPr/>
+          </a:p>
         </p:txBody>
       </p:sp>
       <p:sp>
         <p:nvSpPr>
           <p:cNvPr id="18" name="Google Shape;18;p2"/>
-          <p:cNvSpPr txBox="1"/>
+          <p:cNvSpPr txBox="1">
+            <a:spLocks noGrp="1"/>
+          </p:cNvSpPr>
           <p:nvPr>
-            <p:ph idx="12" type="sldNum"/>
+            <p:ph type="sldNum" idx="12"/>
           </p:nvPr>
         </p:nvSpPr>
         <p:spPr>
@@ -2069,7 +2122,7 @@
           </a:prstGeom>
         </p:spPr>
         <p:txBody>
-          <a:bodyPr anchorCtr="0" anchor="ctr" bIns="91425" lIns="91425" spcFirstLastPara="1" rIns="91425" wrap="square" tIns="91425">
+          <a:bodyPr spcFirstLastPara="1" wrap="square" lIns="91425" tIns="91425" rIns="91425" bIns="91425" anchor="ctr" anchorCtr="0">
             <a:normAutofit/>
           </a:bodyPr>
           <a:lstStyle>
@@ -2111,7 +2164,7 @@
             </a:lvl9pPr>
           </a:lstStyle>
           <a:p>
-            <a:pPr indent="0" lvl="0" marL="0" rtl="0" algn="r">
+            <a:pPr marL="0" lvl="0" indent="0" algn="r" rtl="0">
               <a:spcBef>
                 <a:spcPts val="0"/>
               </a:spcBef>
@@ -2122,7 +2175,7 @@
             </a:pPr>
             <a:fld id="{00000000-1234-1234-1234-123412341234}" type="slidenum">
               <a:rPr lang="es"/>
-              <a:t>‹#›</a:t>
+              <a:t>‹Nº›</a:t>
             </a:fld>
             <a:endParaRPr/>
           </a:p>
@@ -2137,18 +2190,19 @@
 </file>
 
 <file path=ppt/slideLayouts/slideLayout10.xml><?xml version="1.0" encoding="utf-8"?>
-<p:sldLayout xmlns:a="http://schemas.openxmlformats.org/drawingml/2006/main" xmlns:r="http://schemas.openxmlformats.org/officeDocument/2006/relationships" xmlns:mc="http://schemas.openxmlformats.org/markup-compatibility/2006" xmlns:mv="urn:schemas-microsoft-com:mac:vml" xmlns:p="http://schemas.openxmlformats.org/presentationml/2006/main" xmlns:c="http://schemas.openxmlformats.org/drawingml/2006/chart" xmlns:dgm="http://schemas.openxmlformats.org/drawingml/2006/diagram" xmlns:o="urn:schemas-microsoft-com:office:office" xmlns:v="urn:schemas-microsoft-com:vml" xmlns:pvml="urn:schemas-microsoft-com:office:powerpoint" xmlns:com="http://schemas.openxmlformats.org/drawingml/2006/compatibility" xmlns:p14="http://schemas.microsoft.com/office/powerpoint/2010/main" xmlns:p15="http://schemas.microsoft.com/office/powerpoint/2012/main" xmlns:ahyp="http://schemas.microsoft.com/office/drawing/2018/hyperlinkcolor" matchingName="Big number">
+<p:sldLayout xmlns:a="http://schemas.openxmlformats.org/drawingml/2006/main" xmlns:r="http://schemas.openxmlformats.org/officeDocument/2006/relationships" xmlns:p="http://schemas.openxmlformats.org/presentationml/2006/main" matchingName="Big number">
   <p:cSld name="BIG_NUMBER">
     <p:bg>
       <p:bgPr>
         <a:solidFill>
           <a:schemeClr val="dk1"/>
         </a:solidFill>
+        <a:effectLst/>
       </p:bgPr>
     </p:bg>
     <p:spTree>
       <p:nvGrpSpPr>
-        <p:cNvPr id="69" name="Shape 69"/>
+        <p:cNvPr id="1" name="Shape 69"/>
         <p:cNvGrpSpPr/>
         <p:nvPr/>
       </p:nvGrpSpPr>
@@ -2196,12 +2250,12 @@
             </a:ln>
           </p:spPr>
           <p:txBody>
-            <a:bodyPr anchorCtr="0" anchor="ctr" bIns="91425" lIns="91425" spcFirstLastPara="1" rIns="91425" wrap="square" tIns="91425">
+            <a:bodyPr spcFirstLastPara="1" wrap="square" lIns="91425" tIns="91425" rIns="91425" bIns="91425" anchor="ctr" anchorCtr="0">
               <a:noAutofit/>
             </a:bodyPr>
             <a:lstStyle/>
             <a:p>
-              <a:pPr indent="0" lvl="0" marL="0" rtl="0" algn="l">
+              <a:pPr marL="0" lvl="0" indent="0" algn="l" rtl="0">
                 <a:spcBef>
                   <a:spcPts val="0"/>
                 </a:spcBef>
@@ -2210,9 +2264,6 @@
                 </a:spcAft>
                 <a:buNone/>
               </a:pPr>
-              <a:r>
-                <a:t/>
-              </a:r>
               <a:endParaRPr/>
             </a:p>
           </p:txBody>
@@ -2239,12 +2290,12 @@
             </a:ln>
           </p:spPr>
           <p:txBody>
-            <a:bodyPr anchorCtr="0" anchor="ctr" bIns="91425" lIns="91425" spcFirstLastPara="1" rIns="91425" wrap="square" tIns="91425">
+            <a:bodyPr spcFirstLastPara="1" wrap="square" lIns="91425" tIns="91425" rIns="91425" bIns="91425" anchor="ctr" anchorCtr="0">
               <a:noAutofit/>
             </a:bodyPr>
             <a:lstStyle/>
             <a:p>
-              <a:pPr indent="0" lvl="0" marL="0" rtl="0" algn="l">
+              <a:pPr marL="0" lvl="0" indent="0" algn="l" rtl="0">
                 <a:spcBef>
                   <a:spcPts val="0"/>
                 </a:spcBef>
@@ -2253,9 +2304,6 @@
                 </a:spcAft>
                 <a:buNone/>
               </a:pPr>
-              <a:r>
-                <a:t/>
-              </a:r>
               <a:endParaRPr/>
             </a:p>
           </p:txBody>
@@ -2267,7 +2315,7 @@
             <p:nvPr/>
           </p:nvSpPr>
           <p:spPr>
-            <a:xfrm flipH="1" rot="10800000">
+            <a:xfrm rot="10800000" flipH="1">
               <a:off x="7113588" y="107"/>
               <a:ext cx="1015200" cy="1015200"/>
             </a:xfrm>
@@ -2282,12 +2330,12 @@
             </a:ln>
           </p:spPr>
           <p:txBody>
-            <a:bodyPr anchorCtr="0" anchor="ctr" bIns="91425" lIns="91425" spcFirstLastPara="1" rIns="91425" wrap="square" tIns="91425">
+            <a:bodyPr spcFirstLastPara="1" wrap="square" lIns="91425" tIns="91425" rIns="91425" bIns="91425" anchor="ctr" anchorCtr="0">
               <a:noAutofit/>
             </a:bodyPr>
             <a:lstStyle/>
             <a:p>
-              <a:pPr indent="0" lvl="0" marL="0" rtl="0" algn="l">
+              <a:pPr marL="0" lvl="0" indent="0" algn="l" rtl="0">
                 <a:spcBef>
                   <a:spcPts val="0"/>
                 </a:spcBef>
@@ -2296,9 +2344,6 @@
                 </a:spcAft>
                 <a:buNone/>
               </a:pPr>
-              <a:r>
-                <a:t/>
-              </a:r>
               <a:endParaRPr/>
             </a:p>
           </p:txBody>
@@ -2325,12 +2370,12 @@
             </a:ln>
           </p:spPr>
           <p:txBody>
-            <a:bodyPr anchorCtr="0" anchor="ctr" bIns="91425" lIns="91425" spcFirstLastPara="1" rIns="91425" wrap="square" tIns="91425">
+            <a:bodyPr spcFirstLastPara="1" wrap="square" lIns="91425" tIns="91425" rIns="91425" bIns="91425" anchor="ctr" anchorCtr="0">
               <a:noAutofit/>
             </a:bodyPr>
             <a:lstStyle/>
             <a:p>
-              <a:pPr indent="0" lvl="0" marL="0" rtl="0" algn="l">
+              <a:pPr marL="0" lvl="0" indent="0" algn="l" rtl="0">
                 <a:spcBef>
                   <a:spcPts val="0"/>
                 </a:spcBef>
@@ -2339,9 +2384,6 @@
                 </a:spcAft>
                 <a:buNone/>
               </a:pPr>
-              <a:r>
-                <a:t/>
-              </a:r>
               <a:endParaRPr/>
             </a:p>
           </p:txBody>
@@ -2368,12 +2410,12 @@
             </a:ln>
           </p:spPr>
           <p:txBody>
-            <a:bodyPr anchorCtr="0" anchor="ctr" bIns="91425" lIns="91425" spcFirstLastPara="1" rIns="91425" wrap="square" tIns="91425">
+            <a:bodyPr spcFirstLastPara="1" wrap="square" lIns="91425" tIns="91425" rIns="91425" bIns="91425" anchor="ctr" anchorCtr="0">
               <a:noAutofit/>
             </a:bodyPr>
             <a:lstStyle/>
             <a:p>
-              <a:pPr indent="0" lvl="0" marL="0" rtl="0" algn="l">
+              <a:pPr marL="0" lvl="0" indent="0" algn="l" rtl="0">
                 <a:spcBef>
                   <a:spcPts val="0"/>
                 </a:spcBef>
@@ -2382,9 +2424,6 @@
                 </a:spcAft>
                 <a:buNone/>
               </a:pPr>
-              <a:r>
-                <a:t/>
-              </a:r>
               <a:endParaRPr/>
             </a:p>
           </p:txBody>
@@ -2393,9 +2432,11 @@
       <p:sp>
         <p:nvSpPr>
           <p:cNvPr id="76" name="Google Shape;76;p11"/>
-          <p:cNvSpPr txBox="1"/>
+          <p:cNvSpPr txBox="1">
+            <a:spLocks noGrp="1"/>
+          </p:cNvSpPr>
           <p:nvPr>
-            <p:ph hasCustomPrompt="1" type="title"/>
+            <p:ph type="title" hasCustomPrompt="1"/>
           </p:nvPr>
         </p:nvSpPr>
         <p:spPr>
@@ -2408,7 +2449,7 @@
           </a:prstGeom>
         </p:spPr>
         <p:txBody>
-          <a:bodyPr anchorCtr="0" anchor="b" bIns="91425" lIns="91425" spcFirstLastPara="1" rIns="91425" wrap="square" tIns="91425">
+          <a:bodyPr spcFirstLastPara="1" wrap="square" lIns="91425" tIns="91425" rIns="91425" bIns="91425" anchor="b" anchorCtr="0">
             <a:normAutofit/>
           </a:bodyPr>
           <a:lstStyle>
@@ -2585,9 +2626,11 @@
       <p:sp>
         <p:nvSpPr>
           <p:cNvPr id="77" name="Google Shape;77;p11"/>
-          <p:cNvSpPr txBox="1"/>
+          <p:cNvSpPr txBox="1">
+            <a:spLocks noGrp="1"/>
+          </p:cNvSpPr>
           <p:nvPr>
-            <p:ph idx="1" type="body"/>
+            <p:ph type="body" idx="1"/>
           </p:nvPr>
         </p:nvSpPr>
         <p:spPr>
@@ -2600,11 +2643,11 @@
           </a:prstGeom>
         </p:spPr>
         <p:txBody>
-          <a:bodyPr anchorCtr="0" anchor="t" bIns="91425" lIns="91425" spcFirstLastPara="1" rIns="91425" wrap="square" tIns="91425">
+          <a:bodyPr spcFirstLastPara="1" wrap="square" lIns="91425" tIns="91425" rIns="91425" bIns="91425" anchor="t" anchorCtr="0">
             <a:normAutofit/>
           </a:bodyPr>
           <a:lstStyle>
-            <a:lvl1pPr indent="-342900" lvl="0" marL="457200" algn="ctr">
+            <a:lvl1pPr marL="457200" lvl="0" indent="-342900" algn="ctr">
               <a:spcBef>
                 <a:spcPts val="0"/>
               </a:spcBef>
@@ -2622,7 +2665,7 @@
                 </a:solidFill>
               </a:defRPr>
             </a:lvl1pPr>
-            <a:lvl2pPr indent="-317500" lvl="1" marL="914400" algn="ctr">
+            <a:lvl2pPr marL="914400" lvl="1" indent="-317500" algn="ctr">
               <a:spcBef>
                 <a:spcPts val="0"/>
               </a:spcBef>
@@ -2640,7 +2683,7 @@
                 </a:solidFill>
               </a:defRPr>
             </a:lvl2pPr>
-            <a:lvl3pPr indent="-317500" lvl="2" marL="1371600" algn="ctr">
+            <a:lvl3pPr marL="1371600" lvl="2" indent="-317500" algn="ctr">
               <a:spcBef>
                 <a:spcPts val="0"/>
               </a:spcBef>
@@ -2658,7 +2701,7 @@
                 </a:solidFill>
               </a:defRPr>
             </a:lvl3pPr>
-            <a:lvl4pPr indent="-317500" lvl="3" marL="1828800" algn="ctr">
+            <a:lvl4pPr marL="1828800" lvl="3" indent="-317500" algn="ctr">
               <a:spcBef>
                 <a:spcPts val="0"/>
               </a:spcBef>
@@ -2676,7 +2719,7 @@
                 </a:solidFill>
               </a:defRPr>
             </a:lvl4pPr>
-            <a:lvl5pPr indent="-317500" lvl="4" marL="2286000" algn="ctr">
+            <a:lvl5pPr marL="2286000" lvl="4" indent="-317500" algn="ctr">
               <a:spcBef>
                 <a:spcPts val="0"/>
               </a:spcBef>
@@ -2694,7 +2737,7 @@
                 </a:solidFill>
               </a:defRPr>
             </a:lvl5pPr>
-            <a:lvl6pPr indent="-317500" lvl="5" marL="2743200" algn="ctr">
+            <a:lvl6pPr marL="2743200" lvl="5" indent="-317500" algn="ctr">
               <a:spcBef>
                 <a:spcPts val="0"/>
               </a:spcBef>
@@ -2712,7 +2755,7 @@
                 </a:solidFill>
               </a:defRPr>
             </a:lvl6pPr>
-            <a:lvl7pPr indent="-317500" lvl="6" marL="3200400" algn="ctr">
+            <a:lvl7pPr marL="3200400" lvl="6" indent="-317500" algn="ctr">
               <a:spcBef>
                 <a:spcPts val="0"/>
               </a:spcBef>
@@ -2730,7 +2773,7 @@
                 </a:solidFill>
               </a:defRPr>
             </a:lvl7pPr>
-            <a:lvl8pPr indent="-317500" lvl="7" marL="3657600" algn="ctr">
+            <a:lvl8pPr marL="3657600" lvl="7" indent="-317500" algn="ctr">
               <a:spcBef>
                 <a:spcPts val="0"/>
               </a:spcBef>
@@ -2748,7 +2791,7 @@
                 </a:solidFill>
               </a:defRPr>
             </a:lvl8pPr>
-            <a:lvl9pPr indent="-317500" lvl="8" marL="4114800" algn="ctr">
+            <a:lvl9pPr marL="4114800" lvl="8" indent="-317500" algn="ctr">
               <a:spcBef>
                 <a:spcPts val="0"/>
               </a:spcBef>
@@ -2767,15 +2810,19 @@
               </a:defRPr>
             </a:lvl9pPr>
           </a:lstStyle>
-          <a:p/>
+          <a:p>
+            <a:endParaRPr/>
+          </a:p>
         </p:txBody>
       </p:sp>
       <p:sp>
         <p:nvSpPr>
           <p:cNvPr id="78" name="Google Shape;78;p11"/>
-          <p:cNvSpPr txBox="1"/>
+          <p:cNvSpPr txBox="1">
+            <a:spLocks noGrp="1"/>
+          </p:cNvSpPr>
           <p:nvPr>
-            <p:ph idx="12" type="sldNum"/>
+            <p:ph type="sldNum" idx="12"/>
           </p:nvPr>
         </p:nvSpPr>
         <p:spPr>
@@ -2788,7 +2835,7 @@
           </a:prstGeom>
         </p:spPr>
         <p:txBody>
-          <a:bodyPr anchorCtr="0" anchor="ctr" bIns="91425" lIns="91425" spcFirstLastPara="1" rIns="91425" wrap="square" tIns="91425">
+          <a:bodyPr spcFirstLastPara="1" wrap="square" lIns="91425" tIns="91425" rIns="91425" bIns="91425" anchor="ctr" anchorCtr="0">
             <a:normAutofit/>
           </a:bodyPr>
           <a:lstStyle>
@@ -2830,7 +2877,7 @@
             </a:lvl9pPr>
           </a:lstStyle>
           <a:p>
-            <a:pPr indent="0" lvl="0" marL="0" rtl="0" algn="r">
+            <a:pPr marL="0" lvl="0" indent="0" algn="r" rtl="0">
               <a:spcBef>
                 <a:spcPts val="0"/>
               </a:spcBef>
@@ -2841,7 +2888,7 @@
             </a:pPr>
             <a:fld id="{00000000-1234-1234-1234-123412341234}" type="slidenum">
               <a:rPr lang="es"/>
-              <a:t>‹#›</a:t>
+              <a:t>‹Nº›</a:t>
             </a:fld>
             <a:endParaRPr/>
           </a:p>
@@ -2856,11 +2903,11 @@
 </file>
 
 <file path=ppt/slideLayouts/slideLayout11.xml><?xml version="1.0" encoding="utf-8"?>
-<p:sldLayout xmlns:a="http://schemas.openxmlformats.org/drawingml/2006/main" xmlns:r="http://schemas.openxmlformats.org/officeDocument/2006/relationships" xmlns:mc="http://schemas.openxmlformats.org/markup-compatibility/2006" xmlns:mv="urn:schemas-microsoft-com:mac:vml" xmlns:p="http://schemas.openxmlformats.org/presentationml/2006/main" xmlns:c="http://schemas.openxmlformats.org/drawingml/2006/chart" xmlns:dgm="http://schemas.openxmlformats.org/drawingml/2006/diagram" xmlns:o="urn:schemas-microsoft-com:office:office" xmlns:v="urn:schemas-microsoft-com:vml" xmlns:pvml="urn:schemas-microsoft-com:office:powerpoint" xmlns:com="http://schemas.openxmlformats.org/drawingml/2006/compatibility" xmlns:p14="http://schemas.microsoft.com/office/powerpoint/2010/main" xmlns:p15="http://schemas.microsoft.com/office/powerpoint/2012/main" xmlns:ahyp="http://schemas.microsoft.com/office/drawing/2018/hyperlinkcolor" matchingName="Blank" type="blank">
+<p:sldLayout xmlns:a="http://schemas.openxmlformats.org/drawingml/2006/main" xmlns:r="http://schemas.openxmlformats.org/officeDocument/2006/relationships" xmlns:p="http://schemas.openxmlformats.org/presentationml/2006/main" matchingName="Blank" type="blank">
   <p:cSld name="BLANK">
     <p:spTree>
       <p:nvGrpSpPr>
-        <p:cNvPr id="79" name="Shape 79"/>
+        <p:cNvPr id="1" name="Shape 79"/>
         <p:cNvGrpSpPr/>
         <p:nvPr/>
       </p:nvGrpSpPr>
@@ -2875,9 +2922,11 @@
       <p:sp>
         <p:nvSpPr>
           <p:cNvPr id="80" name="Google Shape;80;p12"/>
-          <p:cNvSpPr txBox="1"/>
+          <p:cNvSpPr txBox="1">
+            <a:spLocks noGrp="1"/>
+          </p:cNvSpPr>
           <p:nvPr>
-            <p:ph idx="12" type="sldNum"/>
+            <p:ph type="sldNum" idx="12"/>
           </p:nvPr>
         </p:nvSpPr>
         <p:spPr>
@@ -2890,7 +2939,7 @@
           </a:prstGeom>
         </p:spPr>
         <p:txBody>
-          <a:bodyPr anchorCtr="0" anchor="ctr" bIns="91425" lIns="91425" spcFirstLastPara="1" rIns="91425" wrap="square" tIns="91425">
+          <a:bodyPr spcFirstLastPara="1" wrap="square" lIns="91425" tIns="91425" rIns="91425" bIns="91425" anchor="ctr" anchorCtr="0">
             <a:normAutofit/>
           </a:bodyPr>
           <a:lstStyle>
@@ -2968,7 +3017,7 @@
             </a:lvl9pPr>
           </a:lstStyle>
           <a:p>
-            <a:pPr indent="0" lvl="0" marL="0" rtl="0" algn="r">
+            <a:pPr marL="0" lvl="0" indent="0" algn="r" rtl="0">
               <a:spcBef>
                 <a:spcPts val="0"/>
               </a:spcBef>
@@ -2979,7 +3028,7 @@
             </a:pPr>
             <a:fld id="{00000000-1234-1234-1234-123412341234}" type="slidenum">
               <a:rPr lang="es"/>
-              <a:t>‹#›</a:t>
+              <a:t>‹Nº›</a:t>
             </a:fld>
             <a:endParaRPr/>
           </a:p>
@@ -2994,18 +3043,19 @@
 </file>
 
 <file path=ppt/slideLayouts/slideLayout2.xml><?xml version="1.0" encoding="utf-8"?>
-<p:sldLayout xmlns:a="http://schemas.openxmlformats.org/drawingml/2006/main" xmlns:r="http://schemas.openxmlformats.org/officeDocument/2006/relationships" xmlns:mc="http://schemas.openxmlformats.org/markup-compatibility/2006" xmlns:mv="urn:schemas-microsoft-com:mac:vml" xmlns:p="http://schemas.openxmlformats.org/presentationml/2006/main" xmlns:c="http://schemas.openxmlformats.org/drawingml/2006/chart" xmlns:dgm="http://schemas.openxmlformats.org/drawingml/2006/diagram" xmlns:o="urn:schemas-microsoft-com:office:office" xmlns:v="urn:schemas-microsoft-com:vml" xmlns:pvml="urn:schemas-microsoft-com:office:powerpoint" xmlns:com="http://schemas.openxmlformats.org/drawingml/2006/compatibility" xmlns:p14="http://schemas.microsoft.com/office/powerpoint/2010/main" xmlns:p15="http://schemas.microsoft.com/office/powerpoint/2012/main" xmlns:ahyp="http://schemas.microsoft.com/office/drawing/2018/hyperlinkcolor" matchingName="Section header" type="secHead">
+<p:sldLayout xmlns:a="http://schemas.openxmlformats.org/drawingml/2006/main" xmlns:r="http://schemas.openxmlformats.org/officeDocument/2006/relationships" xmlns:p="http://schemas.openxmlformats.org/presentationml/2006/main" matchingName="Section header" type="secHead">
   <p:cSld name="SECTION_HEADER">
     <p:bg>
       <p:bgPr>
         <a:solidFill>
           <a:schemeClr val="dk1"/>
         </a:solidFill>
+        <a:effectLst/>
       </p:bgPr>
     </p:bg>
     <p:spTree>
       <p:nvGrpSpPr>
-        <p:cNvPr id="19" name="Shape 19"/>
+        <p:cNvPr id="1" name="Shape 19"/>
         <p:cNvGrpSpPr/>
         <p:nvPr/>
       </p:nvGrpSpPr>
@@ -3053,12 +3103,12 @@
             </a:ln>
           </p:spPr>
           <p:txBody>
-            <a:bodyPr anchorCtr="0" anchor="ctr" bIns="91425" lIns="91425" spcFirstLastPara="1" rIns="91425" wrap="square" tIns="91425">
+            <a:bodyPr spcFirstLastPara="1" wrap="square" lIns="91425" tIns="91425" rIns="91425" bIns="91425" anchor="ctr" anchorCtr="0">
               <a:noAutofit/>
             </a:bodyPr>
             <a:lstStyle/>
             <a:p>
-              <a:pPr indent="0" lvl="0" marL="0" rtl="0" algn="l">
+              <a:pPr marL="0" lvl="0" indent="0" algn="l" rtl="0">
                 <a:spcBef>
                   <a:spcPts val="0"/>
                 </a:spcBef>
@@ -3067,9 +3117,6 @@
                 </a:spcAft>
                 <a:buNone/>
               </a:pPr>
-              <a:r>
-                <a:t/>
-              </a:r>
               <a:endParaRPr/>
             </a:p>
           </p:txBody>
@@ -3096,12 +3143,12 @@
             </a:ln>
           </p:spPr>
           <p:txBody>
-            <a:bodyPr anchorCtr="0" anchor="ctr" bIns="91425" lIns="91425" spcFirstLastPara="1" rIns="91425" wrap="square" tIns="91425">
+            <a:bodyPr spcFirstLastPara="1" wrap="square" lIns="91425" tIns="91425" rIns="91425" bIns="91425" anchor="ctr" anchorCtr="0">
               <a:noAutofit/>
             </a:bodyPr>
             <a:lstStyle/>
             <a:p>
-              <a:pPr indent="0" lvl="0" marL="0" rtl="0" algn="l">
+              <a:pPr marL="0" lvl="0" indent="0" algn="l" rtl="0">
                 <a:spcBef>
                   <a:spcPts val="0"/>
                 </a:spcBef>
@@ -3110,9 +3157,6 @@
                 </a:spcAft>
                 <a:buNone/>
               </a:pPr>
-              <a:r>
-                <a:t/>
-              </a:r>
               <a:endParaRPr/>
             </a:p>
           </p:txBody>
@@ -3124,7 +3168,7 @@
             <p:nvPr/>
           </p:nvSpPr>
           <p:spPr>
-            <a:xfrm flipH="1" rot="10800000">
+            <a:xfrm rot="10800000" flipH="1">
               <a:off x="7113588" y="107"/>
               <a:ext cx="1015200" cy="1015200"/>
             </a:xfrm>
@@ -3139,12 +3183,12 @@
             </a:ln>
           </p:spPr>
           <p:txBody>
-            <a:bodyPr anchorCtr="0" anchor="ctr" bIns="91425" lIns="91425" spcFirstLastPara="1" rIns="91425" wrap="square" tIns="91425">
+            <a:bodyPr spcFirstLastPara="1" wrap="square" lIns="91425" tIns="91425" rIns="91425" bIns="91425" anchor="ctr" anchorCtr="0">
               <a:noAutofit/>
             </a:bodyPr>
             <a:lstStyle/>
             <a:p>
-              <a:pPr indent="0" lvl="0" marL="0" rtl="0" algn="l">
+              <a:pPr marL="0" lvl="0" indent="0" algn="l" rtl="0">
                 <a:spcBef>
                   <a:spcPts val="0"/>
                 </a:spcBef>
@@ -3153,9 +3197,6 @@
                 </a:spcAft>
                 <a:buNone/>
               </a:pPr>
-              <a:r>
-                <a:t/>
-              </a:r>
               <a:endParaRPr/>
             </a:p>
           </p:txBody>
@@ -3182,12 +3223,12 @@
             </a:ln>
           </p:spPr>
           <p:txBody>
-            <a:bodyPr anchorCtr="0" anchor="ctr" bIns="91425" lIns="91425" spcFirstLastPara="1" rIns="91425" wrap="square" tIns="91425">
+            <a:bodyPr spcFirstLastPara="1" wrap="square" lIns="91425" tIns="91425" rIns="91425" bIns="91425" anchor="ctr" anchorCtr="0">
               <a:noAutofit/>
             </a:bodyPr>
             <a:lstStyle/>
             <a:p>
-              <a:pPr indent="0" lvl="0" marL="0" rtl="0" algn="l">
+              <a:pPr marL="0" lvl="0" indent="0" algn="l" rtl="0">
                 <a:spcBef>
                   <a:spcPts val="0"/>
                 </a:spcBef>
@@ -3196,9 +3237,6 @@
                 </a:spcAft>
                 <a:buNone/>
               </a:pPr>
-              <a:r>
-                <a:t/>
-              </a:r>
               <a:endParaRPr/>
             </a:p>
           </p:txBody>
@@ -3225,12 +3263,12 @@
             </a:ln>
           </p:spPr>
           <p:txBody>
-            <a:bodyPr anchorCtr="0" anchor="ctr" bIns="91425" lIns="91425" spcFirstLastPara="1" rIns="91425" wrap="square" tIns="91425">
+            <a:bodyPr spcFirstLastPara="1" wrap="square" lIns="91425" tIns="91425" rIns="91425" bIns="91425" anchor="ctr" anchorCtr="0">
               <a:noAutofit/>
             </a:bodyPr>
             <a:lstStyle/>
             <a:p>
-              <a:pPr indent="0" lvl="0" marL="0" rtl="0" algn="l">
+              <a:pPr marL="0" lvl="0" indent="0" algn="l" rtl="0">
                 <a:spcBef>
                   <a:spcPts val="0"/>
                 </a:spcBef>
@@ -3239,9 +3277,6 @@
                 </a:spcAft>
                 <a:buNone/>
               </a:pPr>
-              <a:r>
-                <a:t/>
-              </a:r>
               <a:endParaRPr/>
             </a:p>
           </p:txBody>
@@ -3250,7 +3285,9 @@
       <p:sp>
         <p:nvSpPr>
           <p:cNvPr id="26" name="Google Shape;26;p3"/>
-          <p:cNvSpPr txBox="1"/>
+          <p:cNvSpPr txBox="1">
+            <a:spLocks noGrp="1"/>
+          </p:cNvSpPr>
           <p:nvPr>
             <p:ph type="title"/>
           </p:nvPr>
@@ -3265,7 +3302,7 @@
           </a:prstGeom>
         </p:spPr>
         <p:txBody>
-          <a:bodyPr anchorCtr="0" anchor="ctr" bIns="91425" lIns="91425" spcFirstLastPara="1" rIns="91425" wrap="square" tIns="91425">
+          <a:bodyPr spcFirstLastPara="1" wrap="square" lIns="91425" tIns="91425" rIns="91425" bIns="91425" anchor="ctr" anchorCtr="0">
             <a:normAutofit/>
           </a:bodyPr>
           <a:lstStyle>
@@ -3432,15 +3469,19 @@
               </a:defRPr>
             </a:lvl9pPr>
           </a:lstStyle>
-          <a:p/>
+          <a:p>
+            <a:endParaRPr/>
+          </a:p>
         </p:txBody>
       </p:sp>
       <p:sp>
         <p:nvSpPr>
           <p:cNvPr id="27" name="Google Shape;27;p3"/>
-          <p:cNvSpPr txBox="1"/>
+          <p:cNvSpPr txBox="1">
+            <a:spLocks noGrp="1"/>
+          </p:cNvSpPr>
           <p:nvPr>
-            <p:ph idx="12" type="sldNum"/>
+            <p:ph type="sldNum" idx="12"/>
           </p:nvPr>
         </p:nvSpPr>
         <p:spPr>
@@ -3453,7 +3494,7 @@
           </a:prstGeom>
         </p:spPr>
         <p:txBody>
-          <a:bodyPr anchorCtr="0" anchor="ctr" bIns="91425" lIns="91425" spcFirstLastPara="1" rIns="91425" wrap="square" tIns="91425">
+          <a:bodyPr spcFirstLastPara="1" wrap="square" lIns="91425" tIns="91425" rIns="91425" bIns="91425" anchor="ctr" anchorCtr="0">
             <a:normAutofit/>
           </a:bodyPr>
           <a:lstStyle>
@@ -3495,7 +3536,7 @@
             </a:lvl9pPr>
           </a:lstStyle>
           <a:p>
-            <a:pPr indent="0" lvl="0" marL="0" rtl="0" algn="r">
+            <a:pPr marL="0" lvl="0" indent="0" algn="r" rtl="0">
               <a:spcBef>
                 <a:spcPts val="0"/>
               </a:spcBef>
@@ -3506,7 +3547,7 @@
             </a:pPr>
             <a:fld id="{00000000-1234-1234-1234-123412341234}" type="slidenum">
               <a:rPr lang="es"/>
-              <a:t>‹#›</a:t>
+              <a:t>‹Nº›</a:t>
             </a:fld>
             <a:endParaRPr/>
           </a:p>
@@ -3521,11 +3562,11 @@
 </file>
 
 <file path=ppt/slideLayouts/slideLayout3.xml><?xml version="1.0" encoding="utf-8"?>
-<p:sldLayout xmlns:a="http://schemas.openxmlformats.org/drawingml/2006/main" xmlns:r="http://schemas.openxmlformats.org/officeDocument/2006/relationships" xmlns:mc="http://schemas.openxmlformats.org/markup-compatibility/2006" xmlns:mv="urn:schemas-microsoft-com:mac:vml" xmlns:p="http://schemas.openxmlformats.org/presentationml/2006/main" xmlns:c="http://schemas.openxmlformats.org/drawingml/2006/chart" xmlns:dgm="http://schemas.openxmlformats.org/drawingml/2006/diagram" xmlns:o="urn:schemas-microsoft-com:office:office" xmlns:v="urn:schemas-microsoft-com:vml" xmlns:pvml="urn:schemas-microsoft-com:office:powerpoint" xmlns:com="http://schemas.openxmlformats.org/drawingml/2006/compatibility" xmlns:p14="http://schemas.microsoft.com/office/powerpoint/2010/main" xmlns:p15="http://schemas.microsoft.com/office/powerpoint/2012/main" xmlns:ahyp="http://schemas.microsoft.com/office/drawing/2018/hyperlinkcolor" matchingName="Title and body" type="tx">
+<p:sldLayout xmlns:a="http://schemas.openxmlformats.org/drawingml/2006/main" xmlns:r="http://schemas.openxmlformats.org/officeDocument/2006/relationships" xmlns:p="http://schemas.openxmlformats.org/presentationml/2006/main" matchingName="Title and body" type="tx">
   <p:cSld name="TITLE_AND_BODY">
     <p:spTree>
       <p:nvGrpSpPr>
-        <p:cNvPr id="28" name="Shape 28"/>
+        <p:cNvPr id="1" name="Shape 28"/>
         <p:cNvGrpSpPr/>
         <p:nvPr/>
       </p:nvGrpSpPr>
@@ -3573,12 +3614,12 @@
             </a:ln>
           </p:spPr>
           <p:txBody>
-            <a:bodyPr anchorCtr="0" anchor="ctr" bIns="91425" lIns="91425" spcFirstLastPara="1" rIns="91425" wrap="square" tIns="91425">
+            <a:bodyPr spcFirstLastPara="1" wrap="square" lIns="91425" tIns="91425" rIns="91425" bIns="91425" anchor="ctr" anchorCtr="0">
               <a:noAutofit/>
             </a:bodyPr>
             <a:lstStyle/>
             <a:p>
-              <a:pPr indent="0" lvl="0" marL="0" rtl="0" algn="l">
+              <a:pPr marL="0" lvl="0" indent="0" algn="l" rtl="0">
                 <a:spcBef>
                   <a:spcPts val="0"/>
                 </a:spcBef>
@@ -3587,9 +3628,6 @@
                 </a:spcAft>
                 <a:buNone/>
               </a:pPr>
-              <a:r>
-                <a:t/>
-              </a:r>
               <a:endParaRPr/>
             </a:p>
           </p:txBody>
@@ -3616,12 +3654,12 @@
             </a:ln>
           </p:spPr>
           <p:txBody>
-            <a:bodyPr anchorCtr="0" anchor="ctr" bIns="91425" lIns="91425" spcFirstLastPara="1" rIns="91425" wrap="square" tIns="91425">
+            <a:bodyPr spcFirstLastPara="1" wrap="square" lIns="91425" tIns="91425" rIns="91425" bIns="91425" anchor="ctr" anchorCtr="0">
               <a:noAutofit/>
             </a:bodyPr>
             <a:lstStyle/>
             <a:p>
-              <a:pPr indent="0" lvl="0" marL="0" rtl="0" algn="l">
+              <a:pPr marL="0" lvl="0" indent="0" algn="l" rtl="0">
                 <a:spcBef>
                   <a:spcPts val="0"/>
                 </a:spcBef>
@@ -3630,9 +3668,6 @@
                 </a:spcAft>
                 <a:buNone/>
               </a:pPr>
-              <a:r>
-                <a:t/>
-              </a:r>
               <a:endParaRPr/>
             </a:p>
           </p:txBody>
@@ -3659,12 +3694,12 @@
             </a:ln>
           </p:spPr>
           <p:txBody>
-            <a:bodyPr anchorCtr="0" anchor="ctr" bIns="91425" lIns="91425" spcFirstLastPara="1" rIns="91425" wrap="square" tIns="91425">
+            <a:bodyPr spcFirstLastPara="1" wrap="square" lIns="91425" tIns="91425" rIns="91425" bIns="91425" anchor="ctr" anchorCtr="0">
               <a:noAutofit/>
             </a:bodyPr>
             <a:lstStyle/>
             <a:p>
-              <a:pPr indent="0" lvl="0" marL="0" rtl="0" algn="l">
+              <a:pPr marL="0" lvl="0" indent="0" algn="l" rtl="0">
                 <a:spcBef>
                   <a:spcPts val="0"/>
                 </a:spcBef>
@@ -3673,9 +3708,6 @@
                 </a:spcAft>
                 <a:buNone/>
               </a:pPr>
-              <a:r>
-                <a:t/>
-              </a:r>
               <a:endParaRPr/>
             </a:p>
           </p:txBody>
@@ -3702,12 +3734,12 @@
             </a:ln>
           </p:spPr>
           <p:txBody>
-            <a:bodyPr anchorCtr="0" anchor="ctr" bIns="91425" lIns="91425" spcFirstLastPara="1" rIns="91425" wrap="square" tIns="91425">
+            <a:bodyPr spcFirstLastPara="1" wrap="square" lIns="91425" tIns="91425" rIns="91425" bIns="91425" anchor="ctr" anchorCtr="0">
               <a:noAutofit/>
             </a:bodyPr>
             <a:lstStyle/>
             <a:p>
-              <a:pPr indent="0" lvl="0" marL="0" rtl="0" algn="l">
+              <a:pPr marL="0" lvl="0" indent="0" algn="l" rtl="0">
                 <a:spcBef>
                   <a:spcPts val="0"/>
                 </a:spcBef>
@@ -3716,9 +3748,6 @@
                 </a:spcAft>
                 <a:buNone/>
               </a:pPr>
-              <a:r>
-                <a:t/>
-              </a:r>
               <a:endParaRPr/>
             </a:p>
           </p:txBody>
@@ -3745,12 +3774,12 @@
             </a:ln>
           </p:spPr>
           <p:txBody>
-            <a:bodyPr anchorCtr="0" anchor="ctr" bIns="91425" lIns="91425" spcFirstLastPara="1" rIns="91425" wrap="square" tIns="91425">
+            <a:bodyPr spcFirstLastPara="1" wrap="square" lIns="91425" tIns="91425" rIns="91425" bIns="91425" anchor="ctr" anchorCtr="0">
               <a:noAutofit/>
             </a:bodyPr>
             <a:lstStyle/>
             <a:p>
-              <a:pPr indent="0" lvl="0" marL="0" rtl="0" algn="l">
+              <a:pPr marL="0" lvl="0" indent="0" algn="l" rtl="0">
                 <a:spcBef>
                   <a:spcPts val="0"/>
                 </a:spcBef>
@@ -3759,9 +3788,6 @@
                 </a:spcAft>
                 <a:buNone/>
               </a:pPr>
-              <a:r>
-                <a:t/>
-              </a:r>
               <a:endParaRPr/>
             </a:p>
           </p:txBody>
@@ -3770,7 +3796,9 @@
       <p:sp>
         <p:nvSpPr>
           <p:cNvPr id="35" name="Google Shape;35;p4"/>
-          <p:cNvSpPr txBox="1"/>
+          <p:cNvSpPr txBox="1">
+            <a:spLocks noGrp="1"/>
+          </p:cNvSpPr>
           <p:nvPr>
             <p:ph type="title"/>
           </p:nvPr>
@@ -3785,7 +3813,7 @@
           </a:prstGeom>
         </p:spPr>
         <p:txBody>
-          <a:bodyPr anchorCtr="0" anchor="t" bIns="91425" lIns="91425" spcFirstLastPara="1" rIns="91425" wrap="square" tIns="91425">
+          <a:bodyPr spcFirstLastPara="1" wrap="square" lIns="91425" tIns="91425" rIns="91425" bIns="91425" anchor="t" anchorCtr="0">
             <a:normAutofit/>
           </a:bodyPr>
           <a:lstStyle>
@@ -3889,15 +3917,19 @@
               <a:defRPr/>
             </a:lvl9pPr>
           </a:lstStyle>
-          <a:p/>
+          <a:p>
+            <a:endParaRPr/>
+          </a:p>
         </p:txBody>
       </p:sp>
       <p:sp>
         <p:nvSpPr>
           <p:cNvPr id="36" name="Google Shape;36;p4"/>
-          <p:cNvSpPr txBox="1"/>
+          <p:cNvSpPr txBox="1">
+            <a:spLocks noGrp="1"/>
+          </p:cNvSpPr>
           <p:nvPr>
-            <p:ph idx="1" type="body"/>
+            <p:ph type="body" idx="1"/>
           </p:nvPr>
         </p:nvSpPr>
         <p:spPr>
@@ -3910,11 +3942,11 @@
           </a:prstGeom>
         </p:spPr>
         <p:txBody>
-          <a:bodyPr anchorCtr="0" anchor="t" bIns="91425" lIns="91425" spcFirstLastPara="1" rIns="91425" wrap="square" tIns="91425">
+          <a:bodyPr spcFirstLastPara="1" wrap="square" lIns="91425" tIns="91425" rIns="91425" bIns="91425" anchor="t" anchorCtr="0">
             <a:normAutofit/>
           </a:bodyPr>
           <a:lstStyle>
-            <a:lvl1pPr indent="-342900" lvl="0" marL="457200">
+            <a:lvl1pPr marL="457200" lvl="0" indent="-342900">
               <a:spcBef>
                 <a:spcPts val="0"/>
               </a:spcBef>
@@ -3925,7 +3957,7 @@
               <a:buChar char="●"/>
               <a:defRPr/>
             </a:lvl1pPr>
-            <a:lvl2pPr indent="-317500" lvl="1" marL="914400">
+            <a:lvl2pPr marL="914400" lvl="1" indent="-317500">
               <a:spcBef>
                 <a:spcPts val="0"/>
               </a:spcBef>
@@ -3936,7 +3968,7 @@
               <a:buChar char="○"/>
               <a:defRPr/>
             </a:lvl2pPr>
-            <a:lvl3pPr indent="-317500" lvl="2" marL="1371600">
+            <a:lvl3pPr marL="1371600" lvl="2" indent="-317500">
               <a:spcBef>
                 <a:spcPts val="0"/>
               </a:spcBef>
@@ -3947,7 +3979,7 @@
               <a:buChar char="■"/>
               <a:defRPr/>
             </a:lvl3pPr>
-            <a:lvl4pPr indent="-317500" lvl="3" marL="1828800">
+            <a:lvl4pPr marL="1828800" lvl="3" indent="-317500">
               <a:spcBef>
                 <a:spcPts val="0"/>
               </a:spcBef>
@@ -3958,7 +3990,7 @@
               <a:buChar char="●"/>
               <a:defRPr/>
             </a:lvl4pPr>
-            <a:lvl5pPr indent="-317500" lvl="4" marL="2286000">
+            <a:lvl5pPr marL="2286000" lvl="4" indent="-317500">
               <a:spcBef>
                 <a:spcPts val="0"/>
               </a:spcBef>
@@ -3969,7 +4001,7 @@
               <a:buChar char="○"/>
               <a:defRPr/>
             </a:lvl5pPr>
-            <a:lvl6pPr indent="-317500" lvl="5" marL="2743200">
+            <a:lvl6pPr marL="2743200" lvl="5" indent="-317500">
               <a:spcBef>
                 <a:spcPts val="0"/>
               </a:spcBef>
@@ -3980,7 +4012,7 @@
               <a:buChar char="■"/>
               <a:defRPr/>
             </a:lvl6pPr>
-            <a:lvl7pPr indent="-317500" lvl="6" marL="3200400">
+            <a:lvl7pPr marL="3200400" lvl="6" indent="-317500">
               <a:spcBef>
                 <a:spcPts val="0"/>
               </a:spcBef>
@@ -3991,7 +4023,7 @@
               <a:buChar char="●"/>
               <a:defRPr/>
             </a:lvl7pPr>
-            <a:lvl8pPr indent="-317500" lvl="7" marL="3657600">
+            <a:lvl8pPr marL="3657600" lvl="7" indent="-317500">
               <a:spcBef>
                 <a:spcPts val="0"/>
               </a:spcBef>
@@ -4002,7 +4034,7 @@
               <a:buChar char="○"/>
               <a:defRPr/>
             </a:lvl8pPr>
-            <a:lvl9pPr indent="-317500" lvl="8" marL="4114800">
+            <a:lvl9pPr marL="4114800" lvl="8" indent="-317500">
               <a:spcBef>
                 <a:spcPts val="0"/>
               </a:spcBef>
@@ -4014,15 +4046,19 @@
               <a:defRPr/>
             </a:lvl9pPr>
           </a:lstStyle>
-          <a:p/>
+          <a:p>
+            <a:endParaRPr/>
+          </a:p>
         </p:txBody>
       </p:sp>
       <p:sp>
         <p:nvSpPr>
           <p:cNvPr id="37" name="Google Shape;37;p4"/>
-          <p:cNvSpPr txBox="1"/>
+          <p:cNvSpPr txBox="1">
+            <a:spLocks noGrp="1"/>
+          </p:cNvSpPr>
           <p:nvPr>
-            <p:ph idx="12" type="sldNum"/>
+            <p:ph type="sldNum" idx="12"/>
           </p:nvPr>
         </p:nvSpPr>
         <p:spPr>
@@ -4035,7 +4071,7 @@
           </a:prstGeom>
         </p:spPr>
         <p:txBody>
-          <a:bodyPr anchorCtr="0" anchor="ctr" bIns="91425" lIns="91425" spcFirstLastPara="1" rIns="91425" wrap="square" tIns="91425">
+          <a:bodyPr spcFirstLastPara="1" wrap="square" lIns="91425" tIns="91425" rIns="91425" bIns="91425" anchor="ctr" anchorCtr="0">
             <a:normAutofit/>
           </a:bodyPr>
           <a:lstStyle>
@@ -4077,7 +4113,7 @@
             </a:lvl9pPr>
           </a:lstStyle>
           <a:p>
-            <a:pPr indent="0" lvl="0" marL="0" rtl="0" algn="r">
+            <a:pPr marL="0" lvl="0" indent="0" algn="r" rtl="0">
               <a:spcBef>
                 <a:spcPts val="0"/>
               </a:spcBef>
@@ -4088,7 +4124,7 @@
             </a:pPr>
             <a:fld id="{00000000-1234-1234-1234-123412341234}" type="slidenum">
               <a:rPr lang="es"/>
-              <a:t>‹#›</a:t>
+              <a:t>‹Nº›</a:t>
             </a:fld>
             <a:endParaRPr/>
           </a:p>
@@ -4103,11 +4139,11 @@
 </file>
 
 <file path=ppt/slideLayouts/slideLayout4.xml><?xml version="1.0" encoding="utf-8"?>
-<p:sldLayout xmlns:a="http://schemas.openxmlformats.org/drawingml/2006/main" xmlns:r="http://schemas.openxmlformats.org/officeDocument/2006/relationships" xmlns:mc="http://schemas.openxmlformats.org/markup-compatibility/2006" xmlns:mv="urn:schemas-microsoft-com:mac:vml" xmlns:p="http://schemas.openxmlformats.org/presentationml/2006/main" xmlns:c="http://schemas.openxmlformats.org/drawingml/2006/chart" xmlns:dgm="http://schemas.openxmlformats.org/drawingml/2006/diagram" xmlns:o="urn:schemas-microsoft-com:office:office" xmlns:v="urn:schemas-microsoft-com:vml" xmlns:pvml="urn:schemas-microsoft-com:office:powerpoint" xmlns:com="http://schemas.openxmlformats.org/drawingml/2006/compatibility" xmlns:p14="http://schemas.microsoft.com/office/powerpoint/2010/main" xmlns:p15="http://schemas.microsoft.com/office/powerpoint/2012/main" xmlns:ahyp="http://schemas.microsoft.com/office/drawing/2018/hyperlinkcolor" matchingName="Title and two columns" type="twoColTx">
+<p:sldLayout xmlns:a="http://schemas.openxmlformats.org/drawingml/2006/main" xmlns:r="http://schemas.openxmlformats.org/officeDocument/2006/relationships" xmlns:p="http://schemas.openxmlformats.org/presentationml/2006/main" matchingName="Title and two columns" type="twoColTx">
   <p:cSld name="TITLE_AND_TWO_COLUMNS">
     <p:spTree>
       <p:nvGrpSpPr>
-        <p:cNvPr id="38" name="Shape 38"/>
+        <p:cNvPr id="1" name="Shape 38"/>
         <p:cNvGrpSpPr/>
         <p:nvPr/>
       </p:nvGrpSpPr>
@@ -4122,7 +4158,9 @@
       <p:sp>
         <p:nvSpPr>
           <p:cNvPr id="39" name="Google Shape;39;p5"/>
-          <p:cNvSpPr txBox="1"/>
+          <p:cNvSpPr txBox="1">
+            <a:spLocks noGrp="1"/>
+          </p:cNvSpPr>
           <p:nvPr>
             <p:ph type="title"/>
           </p:nvPr>
@@ -4137,7 +4175,7 @@
           </a:prstGeom>
         </p:spPr>
         <p:txBody>
-          <a:bodyPr anchorCtr="0" anchor="t" bIns="91425" lIns="91425" spcFirstLastPara="1" rIns="91425" wrap="square" tIns="91425">
+          <a:bodyPr spcFirstLastPara="1" wrap="square" lIns="91425" tIns="91425" rIns="91425" bIns="91425" anchor="t" anchorCtr="0">
             <a:normAutofit/>
           </a:bodyPr>
           <a:lstStyle>
@@ -4241,15 +4279,19 @@
               <a:defRPr/>
             </a:lvl9pPr>
           </a:lstStyle>
-          <a:p/>
+          <a:p>
+            <a:endParaRPr/>
+          </a:p>
         </p:txBody>
       </p:sp>
       <p:sp>
         <p:nvSpPr>
           <p:cNvPr id="40" name="Google Shape;40;p5"/>
-          <p:cNvSpPr txBox="1"/>
+          <p:cNvSpPr txBox="1">
+            <a:spLocks noGrp="1"/>
+          </p:cNvSpPr>
           <p:nvPr>
-            <p:ph idx="1" type="body"/>
+            <p:ph type="body" idx="1"/>
           </p:nvPr>
         </p:nvSpPr>
         <p:spPr>
@@ -4262,11 +4304,11 @@
           </a:prstGeom>
         </p:spPr>
         <p:txBody>
-          <a:bodyPr anchorCtr="0" anchor="t" bIns="91425" lIns="91425" spcFirstLastPara="1" rIns="91425" wrap="square" tIns="91425">
+          <a:bodyPr spcFirstLastPara="1" wrap="square" lIns="91425" tIns="91425" rIns="91425" bIns="91425" anchor="t" anchorCtr="0">
             <a:normAutofit/>
           </a:bodyPr>
           <a:lstStyle>
-            <a:lvl1pPr indent="-317500" lvl="0" marL="457200">
+            <a:lvl1pPr marL="457200" lvl="0" indent="-317500">
               <a:spcBef>
                 <a:spcPts val="0"/>
               </a:spcBef>
@@ -4277,7 +4319,7 @@
               <a:buChar char="●"/>
               <a:defRPr sz="1400"/>
             </a:lvl1pPr>
-            <a:lvl2pPr indent="-304800" lvl="1" marL="914400">
+            <a:lvl2pPr marL="914400" lvl="1" indent="-304800">
               <a:spcBef>
                 <a:spcPts val="0"/>
               </a:spcBef>
@@ -4288,7 +4330,7 @@
               <a:buChar char="○"/>
               <a:defRPr sz="1200"/>
             </a:lvl2pPr>
-            <a:lvl3pPr indent="-304800" lvl="2" marL="1371600">
+            <a:lvl3pPr marL="1371600" lvl="2" indent="-304800">
               <a:spcBef>
                 <a:spcPts val="0"/>
               </a:spcBef>
@@ -4299,7 +4341,7 @@
               <a:buChar char="■"/>
               <a:defRPr sz="1200"/>
             </a:lvl3pPr>
-            <a:lvl4pPr indent="-304800" lvl="3" marL="1828800">
+            <a:lvl4pPr marL="1828800" lvl="3" indent="-304800">
               <a:spcBef>
                 <a:spcPts val="0"/>
               </a:spcBef>
@@ -4310,7 +4352,7 @@
               <a:buChar char="●"/>
               <a:defRPr sz="1200"/>
             </a:lvl4pPr>
-            <a:lvl5pPr indent="-304800" lvl="4" marL="2286000">
+            <a:lvl5pPr marL="2286000" lvl="4" indent="-304800">
               <a:spcBef>
                 <a:spcPts val="0"/>
               </a:spcBef>
@@ -4321,7 +4363,7 @@
               <a:buChar char="○"/>
               <a:defRPr sz="1200"/>
             </a:lvl5pPr>
-            <a:lvl6pPr indent="-304800" lvl="5" marL="2743200">
+            <a:lvl6pPr marL="2743200" lvl="5" indent="-304800">
               <a:spcBef>
                 <a:spcPts val="0"/>
               </a:spcBef>
@@ -4332,7 +4374,7 @@
               <a:buChar char="■"/>
               <a:defRPr sz="1200"/>
             </a:lvl6pPr>
-            <a:lvl7pPr indent="-304800" lvl="6" marL="3200400">
+            <a:lvl7pPr marL="3200400" lvl="6" indent="-304800">
               <a:spcBef>
                 <a:spcPts val="0"/>
               </a:spcBef>
@@ -4343,7 +4385,7 @@
               <a:buChar char="●"/>
               <a:defRPr sz="1200"/>
             </a:lvl7pPr>
-            <a:lvl8pPr indent="-304800" lvl="7" marL="3657600">
+            <a:lvl8pPr marL="3657600" lvl="7" indent="-304800">
               <a:spcBef>
                 <a:spcPts val="0"/>
               </a:spcBef>
@@ -4354,7 +4396,7 @@
               <a:buChar char="○"/>
               <a:defRPr sz="1200"/>
             </a:lvl8pPr>
-            <a:lvl9pPr indent="-304800" lvl="8" marL="4114800">
+            <a:lvl9pPr marL="4114800" lvl="8" indent="-304800">
               <a:spcBef>
                 <a:spcPts val="0"/>
               </a:spcBef>
@@ -4366,15 +4408,19 @@
               <a:defRPr sz="1200"/>
             </a:lvl9pPr>
           </a:lstStyle>
-          <a:p/>
+          <a:p>
+            <a:endParaRPr/>
+          </a:p>
         </p:txBody>
       </p:sp>
       <p:sp>
         <p:nvSpPr>
           <p:cNvPr id="41" name="Google Shape;41;p5"/>
-          <p:cNvSpPr txBox="1"/>
+          <p:cNvSpPr txBox="1">
+            <a:spLocks noGrp="1"/>
+          </p:cNvSpPr>
           <p:nvPr>
-            <p:ph idx="2" type="body"/>
+            <p:ph type="body" idx="2"/>
           </p:nvPr>
         </p:nvSpPr>
         <p:spPr>
@@ -4387,11 +4433,11 @@
           </a:prstGeom>
         </p:spPr>
         <p:txBody>
-          <a:bodyPr anchorCtr="0" anchor="t" bIns="91425" lIns="91425" spcFirstLastPara="1" rIns="91425" wrap="square" tIns="91425">
+          <a:bodyPr spcFirstLastPara="1" wrap="square" lIns="91425" tIns="91425" rIns="91425" bIns="91425" anchor="t" anchorCtr="0">
             <a:normAutofit/>
           </a:bodyPr>
           <a:lstStyle>
-            <a:lvl1pPr indent="-317500" lvl="0" marL="457200">
+            <a:lvl1pPr marL="457200" lvl="0" indent="-317500">
               <a:spcBef>
                 <a:spcPts val="0"/>
               </a:spcBef>
@@ -4402,7 +4448,7 @@
               <a:buChar char="●"/>
               <a:defRPr sz="1400"/>
             </a:lvl1pPr>
-            <a:lvl2pPr indent="-304800" lvl="1" marL="914400">
+            <a:lvl2pPr marL="914400" lvl="1" indent="-304800">
               <a:spcBef>
                 <a:spcPts val="0"/>
               </a:spcBef>
@@ -4413,7 +4459,7 @@
               <a:buChar char="○"/>
               <a:defRPr sz="1200"/>
             </a:lvl2pPr>
-            <a:lvl3pPr indent="-304800" lvl="2" marL="1371600">
+            <a:lvl3pPr marL="1371600" lvl="2" indent="-304800">
               <a:spcBef>
                 <a:spcPts val="0"/>
               </a:spcBef>
@@ -4424,7 +4470,7 @@
               <a:buChar char="■"/>
               <a:defRPr sz="1200"/>
             </a:lvl3pPr>
-            <a:lvl4pPr indent="-304800" lvl="3" marL="1828800">
+            <a:lvl4pPr marL="1828800" lvl="3" indent="-304800">
               <a:spcBef>
                 <a:spcPts val="0"/>
               </a:spcBef>
@@ -4435,7 +4481,7 @@
               <a:buChar char="●"/>
               <a:defRPr sz="1200"/>
             </a:lvl4pPr>
-            <a:lvl5pPr indent="-304800" lvl="4" marL="2286000">
+            <a:lvl5pPr marL="2286000" lvl="4" indent="-304800">
               <a:spcBef>
                 <a:spcPts val="0"/>
               </a:spcBef>
@@ -4446,7 +4492,7 @@
               <a:buChar char="○"/>
               <a:defRPr sz="1200"/>
             </a:lvl5pPr>
-            <a:lvl6pPr indent="-304800" lvl="5" marL="2743200">
+            <a:lvl6pPr marL="2743200" lvl="5" indent="-304800">
               <a:spcBef>
                 <a:spcPts val="0"/>
               </a:spcBef>
@@ -4457,7 +4503,7 @@
               <a:buChar char="■"/>
               <a:defRPr sz="1200"/>
             </a:lvl6pPr>
-            <a:lvl7pPr indent="-304800" lvl="6" marL="3200400">
+            <a:lvl7pPr marL="3200400" lvl="6" indent="-304800">
               <a:spcBef>
                 <a:spcPts val="0"/>
               </a:spcBef>
@@ -4468,7 +4514,7 @@
               <a:buChar char="●"/>
               <a:defRPr sz="1200"/>
             </a:lvl7pPr>
-            <a:lvl8pPr indent="-304800" lvl="7" marL="3657600">
+            <a:lvl8pPr marL="3657600" lvl="7" indent="-304800">
               <a:spcBef>
                 <a:spcPts val="0"/>
               </a:spcBef>
@@ -4479,7 +4525,7 @@
               <a:buChar char="○"/>
               <a:defRPr sz="1200"/>
             </a:lvl8pPr>
-            <a:lvl9pPr indent="-304800" lvl="8" marL="4114800">
+            <a:lvl9pPr marL="4114800" lvl="8" indent="-304800">
               <a:spcBef>
                 <a:spcPts val="0"/>
               </a:spcBef>
@@ -4491,15 +4537,19 @@
               <a:defRPr sz="1200"/>
             </a:lvl9pPr>
           </a:lstStyle>
-          <a:p/>
+          <a:p>
+            <a:endParaRPr/>
+          </a:p>
         </p:txBody>
       </p:sp>
       <p:sp>
         <p:nvSpPr>
           <p:cNvPr id="42" name="Google Shape;42;p5"/>
-          <p:cNvSpPr txBox="1"/>
+          <p:cNvSpPr txBox="1">
+            <a:spLocks noGrp="1"/>
+          </p:cNvSpPr>
           <p:nvPr>
-            <p:ph idx="12" type="sldNum"/>
+            <p:ph type="sldNum" idx="12"/>
           </p:nvPr>
         </p:nvSpPr>
         <p:spPr>
@@ -4512,7 +4562,7 @@
           </a:prstGeom>
         </p:spPr>
         <p:txBody>
-          <a:bodyPr anchorCtr="0" anchor="ctr" bIns="91425" lIns="91425" spcFirstLastPara="1" rIns="91425" wrap="square" tIns="91425">
+          <a:bodyPr spcFirstLastPara="1" wrap="square" lIns="91425" tIns="91425" rIns="91425" bIns="91425" anchor="ctr" anchorCtr="0">
             <a:normAutofit/>
           </a:bodyPr>
           <a:lstStyle>
@@ -4590,7 +4640,7 @@
             </a:lvl9pPr>
           </a:lstStyle>
           <a:p>
-            <a:pPr indent="0" lvl="0" marL="0" rtl="0" algn="r">
+            <a:pPr marL="0" lvl="0" indent="0" algn="r" rtl="0">
               <a:spcBef>
                 <a:spcPts val="0"/>
               </a:spcBef>
@@ -4601,7 +4651,7 @@
             </a:pPr>
             <a:fld id="{00000000-1234-1234-1234-123412341234}" type="slidenum">
               <a:rPr lang="es"/>
-              <a:t>‹#›</a:t>
+              <a:t>‹Nº›</a:t>
             </a:fld>
             <a:endParaRPr/>
           </a:p>
@@ -4616,11 +4666,11 @@
 </file>
 
 <file path=ppt/slideLayouts/slideLayout5.xml><?xml version="1.0" encoding="utf-8"?>
-<p:sldLayout xmlns:a="http://schemas.openxmlformats.org/drawingml/2006/main" xmlns:r="http://schemas.openxmlformats.org/officeDocument/2006/relationships" xmlns:mc="http://schemas.openxmlformats.org/markup-compatibility/2006" xmlns:mv="urn:schemas-microsoft-com:mac:vml" xmlns:p="http://schemas.openxmlformats.org/presentationml/2006/main" xmlns:c="http://schemas.openxmlformats.org/drawingml/2006/chart" xmlns:dgm="http://schemas.openxmlformats.org/drawingml/2006/diagram" xmlns:o="urn:schemas-microsoft-com:office:office" xmlns:v="urn:schemas-microsoft-com:vml" xmlns:pvml="urn:schemas-microsoft-com:office:powerpoint" xmlns:com="http://schemas.openxmlformats.org/drawingml/2006/compatibility" xmlns:p14="http://schemas.microsoft.com/office/powerpoint/2010/main" xmlns:p15="http://schemas.microsoft.com/office/powerpoint/2012/main" xmlns:ahyp="http://schemas.microsoft.com/office/drawing/2018/hyperlinkcolor" matchingName="Title only" type="titleOnly">
+<p:sldLayout xmlns:a="http://schemas.openxmlformats.org/drawingml/2006/main" xmlns:r="http://schemas.openxmlformats.org/officeDocument/2006/relationships" xmlns:p="http://schemas.openxmlformats.org/presentationml/2006/main" matchingName="Title only" type="titleOnly">
   <p:cSld name="TITLE_ONLY">
     <p:spTree>
       <p:nvGrpSpPr>
-        <p:cNvPr id="43" name="Shape 43"/>
+        <p:cNvPr id="1" name="Shape 43"/>
         <p:cNvGrpSpPr/>
         <p:nvPr/>
       </p:nvGrpSpPr>
@@ -4635,7 +4685,9 @@
       <p:sp>
         <p:nvSpPr>
           <p:cNvPr id="44" name="Google Shape;44;p6"/>
-          <p:cNvSpPr txBox="1"/>
+          <p:cNvSpPr txBox="1">
+            <a:spLocks noGrp="1"/>
+          </p:cNvSpPr>
           <p:nvPr>
             <p:ph type="title"/>
           </p:nvPr>
@@ -4650,7 +4702,7 @@
           </a:prstGeom>
         </p:spPr>
         <p:txBody>
-          <a:bodyPr anchorCtr="0" anchor="t" bIns="91425" lIns="91425" spcFirstLastPara="1" rIns="91425" wrap="square" tIns="91425">
+          <a:bodyPr spcFirstLastPara="1" wrap="square" lIns="91425" tIns="91425" rIns="91425" bIns="91425" anchor="t" anchorCtr="0">
             <a:normAutofit/>
           </a:bodyPr>
           <a:lstStyle>
@@ -4754,15 +4806,19 @@
               <a:defRPr/>
             </a:lvl9pPr>
           </a:lstStyle>
-          <a:p/>
+          <a:p>
+            <a:endParaRPr/>
+          </a:p>
         </p:txBody>
       </p:sp>
       <p:sp>
         <p:nvSpPr>
           <p:cNvPr id="45" name="Google Shape;45;p6"/>
-          <p:cNvSpPr txBox="1"/>
+          <p:cNvSpPr txBox="1">
+            <a:spLocks noGrp="1"/>
+          </p:cNvSpPr>
           <p:nvPr>
-            <p:ph idx="12" type="sldNum"/>
+            <p:ph type="sldNum" idx="12"/>
           </p:nvPr>
         </p:nvSpPr>
         <p:spPr>
@@ -4775,7 +4831,7 @@
           </a:prstGeom>
         </p:spPr>
         <p:txBody>
-          <a:bodyPr anchorCtr="0" anchor="ctr" bIns="91425" lIns="91425" spcFirstLastPara="1" rIns="91425" wrap="square" tIns="91425">
+          <a:bodyPr spcFirstLastPara="1" wrap="square" lIns="91425" tIns="91425" rIns="91425" bIns="91425" anchor="ctr" anchorCtr="0">
             <a:normAutofit/>
           </a:bodyPr>
           <a:lstStyle>
@@ -4853,7 +4909,7 @@
             </a:lvl9pPr>
           </a:lstStyle>
           <a:p>
-            <a:pPr indent="0" lvl="0" marL="0" rtl="0" algn="r">
+            <a:pPr marL="0" lvl="0" indent="0" algn="r" rtl="0">
               <a:spcBef>
                 <a:spcPts val="0"/>
               </a:spcBef>
@@ -4864,7 +4920,7 @@
             </a:pPr>
             <a:fld id="{00000000-1234-1234-1234-123412341234}" type="slidenum">
               <a:rPr lang="es"/>
-              <a:t>‹#›</a:t>
+              <a:t>‹Nº›</a:t>
             </a:fld>
             <a:endParaRPr/>
           </a:p>
@@ -4879,11 +4935,11 @@
 </file>
 
 <file path=ppt/slideLayouts/slideLayout6.xml><?xml version="1.0" encoding="utf-8"?>
-<p:sldLayout xmlns:a="http://schemas.openxmlformats.org/drawingml/2006/main" xmlns:r="http://schemas.openxmlformats.org/officeDocument/2006/relationships" xmlns:mc="http://schemas.openxmlformats.org/markup-compatibility/2006" xmlns:mv="urn:schemas-microsoft-com:mac:vml" xmlns:p="http://schemas.openxmlformats.org/presentationml/2006/main" xmlns:c="http://schemas.openxmlformats.org/drawingml/2006/chart" xmlns:dgm="http://schemas.openxmlformats.org/drawingml/2006/diagram" xmlns:o="urn:schemas-microsoft-com:office:office" xmlns:v="urn:schemas-microsoft-com:vml" xmlns:pvml="urn:schemas-microsoft-com:office:powerpoint" xmlns:com="http://schemas.openxmlformats.org/drawingml/2006/compatibility" xmlns:p14="http://schemas.microsoft.com/office/powerpoint/2010/main" xmlns:p15="http://schemas.microsoft.com/office/powerpoint/2012/main" xmlns:ahyp="http://schemas.microsoft.com/office/drawing/2018/hyperlinkcolor" matchingName="One column text">
+<p:sldLayout xmlns:a="http://schemas.openxmlformats.org/drawingml/2006/main" xmlns:r="http://schemas.openxmlformats.org/officeDocument/2006/relationships" xmlns:p="http://schemas.openxmlformats.org/presentationml/2006/main" matchingName="One column text">
   <p:cSld name="ONE_COLUMN_TEXT">
     <p:spTree>
       <p:nvGrpSpPr>
-        <p:cNvPr id="46" name="Shape 46"/>
+        <p:cNvPr id="1" name="Shape 46"/>
         <p:cNvGrpSpPr/>
         <p:nvPr/>
       </p:nvGrpSpPr>
@@ -4898,7 +4954,9 @@
       <p:sp>
         <p:nvSpPr>
           <p:cNvPr id="47" name="Google Shape;47;p7"/>
-          <p:cNvSpPr txBox="1"/>
+          <p:cNvSpPr txBox="1">
+            <a:spLocks noGrp="1"/>
+          </p:cNvSpPr>
           <p:nvPr>
             <p:ph type="title"/>
           </p:nvPr>
@@ -4913,7 +4971,7 @@
           </a:prstGeom>
         </p:spPr>
         <p:txBody>
-          <a:bodyPr anchorCtr="0" anchor="b" bIns="91425" lIns="91425" spcFirstLastPara="1" rIns="91425" wrap="square" tIns="91425">
+          <a:bodyPr spcFirstLastPara="1" wrap="square" lIns="91425" tIns="91425" rIns="91425" bIns="91425" anchor="b" anchorCtr="0">
             <a:normAutofit/>
           </a:bodyPr>
           <a:lstStyle>
@@ -5017,15 +5075,19 @@
               <a:defRPr sz="2400"/>
             </a:lvl9pPr>
           </a:lstStyle>
-          <a:p/>
+          <a:p>
+            <a:endParaRPr/>
+          </a:p>
         </p:txBody>
       </p:sp>
       <p:sp>
         <p:nvSpPr>
           <p:cNvPr id="48" name="Google Shape;48;p7"/>
-          <p:cNvSpPr txBox="1"/>
+          <p:cNvSpPr txBox="1">
+            <a:spLocks noGrp="1"/>
+          </p:cNvSpPr>
           <p:nvPr>
-            <p:ph idx="1" type="body"/>
+            <p:ph type="body" idx="1"/>
           </p:nvPr>
         </p:nvSpPr>
         <p:spPr>
@@ -5038,11 +5100,11 @@
           </a:prstGeom>
         </p:spPr>
         <p:txBody>
-          <a:bodyPr anchorCtr="0" anchor="t" bIns="91425" lIns="91425" spcFirstLastPara="1" rIns="91425" wrap="square" tIns="91425">
+          <a:bodyPr spcFirstLastPara="1" wrap="square" lIns="91425" tIns="91425" rIns="91425" bIns="91425" anchor="t" anchorCtr="0">
             <a:normAutofit/>
           </a:bodyPr>
           <a:lstStyle>
-            <a:lvl1pPr indent="-304800" lvl="0" marL="457200">
+            <a:lvl1pPr marL="457200" lvl="0" indent="-304800">
               <a:spcBef>
                 <a:spcPts val="0"/>
               </a:spcBef>
@@ -5053,7 +5115,7 @@
               <a:buChar char="●"/>
               <a:defRPr sz="1200"/>
             </a:lvl1pPr>
-            <a:lvl2pPr indent="-304800" lvl="1" marL="914400">
+            <a:lvl2pPr marL="914400" lvl="1" indent="-304800">
               <a:spcBef>
                 <a:spcPts val="0"/>
               </a:spcBef>
@@ -5064,7 +5126,7 @@
               <a:buChar char="○"/>
               <a:defRPr sz="1200"/>
             </a:lvl2pPr>
-            <a:lvl3pPr indent="-304800" lvl="2" marL="1371600">
+            <a:lvl3pPr marL="1371600" lvl="2" indent="-304800">
               <a:spcBef>
                 <a:spcPts val="0"/>
               </a:spcBef>
@@ -5075,7 +5137,7 @@
               <a:buChar char="■"/>
               <a:defRPr sz="1200"/>
             </a:lvl3pPr>
-            <a:lvl4pPr indent="-304800" lvl="3" marL="1828800">
+            <a:lvl4pPr marL="1828800" lvl="3" indent="-304800">
               <a:spcBef>
                 <a:spcPts val="0"/>
               </a:spcBef>
@@ -5086,7 +5148,7 @@
               <a:buChar char="●"/>
               <a:defRPr sz="1200"/>
             </a:lvl4pPr>
-            <a:lvl5pPr indent="-304800" lvl="4" marL="2286000">
+            <a:lvl5pPr marL="2286000" lvl="4" indent="-304800">
               <a:spcBef>
                 <a:spcPts val="0"/>
               </a:spcBef>
@@ -5097,7 +5159,7 @@
               <a:buChar char="○"/>
               <a:defRPr sz="1200"/>
             </a:lvl5pPr>
-            <a:lvl6pPr indent="-304800" lvl="5" marL="2743200">
+            <a:lvl6pPr marL="2743200" lvl="5" indent="-304800">
               <a:spcBef>
                 <a:spcPts val="0"/>
               </a:spcBef>
@@ -5108,7 +5170,7 @@
               <a:buChar char="■"/>
               <a:defRPr sz="1200"/>
             </a:lvl6pPr>
-            <a:lvl7pPr indent="-304800" lvl="6" marL="3200400">
+            <a:lvl7pPr marL="3200400" lvl="6" indent="-304800">
               <a:spcBef>
                 <a:spcPts val="0"/>
               </a:spcBef>
@@ -5119,7 +5181,7 @@
               <a:buChar char="●"/>
               <a:defRPr sz="1200"/>
             </a:lvl7pPr>
-            <a:lvl8pPr indent="-304800" lvl="7" marL="3657600">
+            <a:lvl8pPr marL="3657600" lvl="7" indent="-304800">
               <a:spcBef>
                 <a:spcPts val="0"/>
               </a:spcBef>
@@ -5130,7 +5192,7 @@
               <a:buChar char="○"/>
               <a:defRPr sz="1200"/>
             </a:lvl8pPr>
-            <a:lvl9pPr indent="-304800" lvl="8" marL="4114800">
+            <a:lvl9pPr marL="4114800" lvl="8" indent="-304800">
               <a:spcBef>
                 <a:spcPts val="0"/>
               </a:spcBef>
@@ -5142,15 +5204,19 @@
               <a:defRPr sz="1200"/>
             </a:lvl9pPr>
           </a:lstStyle>
-          <a:p/>
+          <a:p>
+            <a:endParaRPr/>
+          </a:p>
         </p:txBody>
       </p:sp>
       <p:sp>
         <p:nvSpPr>
           <p:cNvPr id="49" name="Google Shape;49;p7"/>
-          <p:cNvSpPr txBox="1"/>
+          <p:cNvSpPr txBox="1">
+            <a:spLocks noGrp="1"/>
+          </p:cNvSpPr>
           <p:nvPr>
-            <p:ph idx="12" type="sldNum"/>
+            <p:ph type="sldNum" idx="12"/>
           </p:nvPr>
         </p:nvSpPr>
         <p:spPr>
@@ -5163,7 +5229,7 @@
           </a:prstGeom>
         </p:spPr>
         <p:txBody>
-          <a:bodyPr anchorCtr="0" anchor="ctr" bIns="91425" lIns="91425" spcFirstLastPara="1" rIns="91425" wrap="square" tIns="91425">
+          <a:bodyPr spcFirstLastPara="1" wrap="square" lIns="91425" tIns="91425" rIns="91425" bIns="91425" anchor="ctr" anchorCtr="0">
             <a:normAutofit/>
           </a:bodyPr>
           <a:lstStyle>
@@ -5241,7 +5307,7 @@
             </a:lvl9pPr>
           </a:lstStyle>
           <a:p>
-            <a:pPr indent="0" lvl="0" marL="0" rtl="0" algn="r">
+            <a:pPr marL="0" lvl="0" indent="0" algn="r" rtl="0">
               <a:spcBef>
                 <a:spcPts val="0"/>
               </a:spcBef>
@@ -5252,7 +5318,7 @@
             </a:pPr>
             <a:fld id="{00000000-1234-1234-1234-123412341234}" type="slidenum">
               <a:rPr lang="es"/>
-              <a:t>‹#›</a:t>
+              <a:t>‹Nº›</a:t>
             </a:fld>
             <a:endParaRPr/>
           </a:p>
@@ -5267,18 +5333,19 @@
 </file>
 
 <file path=ppt/slideLayouts/slideLayout7.xml><?xml version="1.0" encoding="utf-8"?>
-<p:sldLayout xmlns:a="http://schemas.openxmlformats.org/drawingml/2006/main" xmlns:r="http://schemas.openxmlformats.org/officeDocument/2006/relationships" xmlns:mc="http://schemas.openxmlformats.org/markup-compatibility/2006" xmlns:mv="urn:schemas-microsoft-com:mac:vml" xmlns:p="http://schemas.openxmlformats.org/presentationml/2006/main" xmlns:c="http://schemas.openxmlformats.org/drawingml/2006/chart" xmlns:dgm="http://schemas.openxmlformats.org/drawingml/2006/diagram" xmlns:o="urn:schemas-microsoft-com:office:office" xmlns:v="urn:schemas-microsoft-com:vml" xmlns:pvml="urn:schemas-microsoft-com:office:powerpoint" xmlns:com="http://schemas.openxmlformats.org/drawingml/2006/compatibility" xmlns:p14="http://schemas.microsoft.com/office/powerpoint/2010/main" xmlns:p15="http://schemas.microsoft.com/office/powerpoint/2012/main" xmlns:ahyp="http://schemas.microsoft.com/office/drawing/2018/hyperlinkcolor" matchingName="Main point">
+<p:sldLayout xmlns:a="http://schemas.openxmlformats.org/drawingml/2006/main" xmlns:r="http://schemas.openxmlformats.org/officeDocument/2006/relationships" xmlns:p="http://schemas.openxmlformats.org/presentationml/2006/main" matchingName="Main point">
   <p:cSld name="MAIN_POINT">
     <p:bg>
       <p:bgPr>
         <a:solidFill>
           <a:schemeClr val="accent4"/>
         </a:solidFill>
+        <a:effectLst/>
       </p:bgPr>
     </p:bg>
     <p:spTree>
       <p:nvGrpSpPr>
-        <p:cNvPr id="50" name="Shape 50"/>
+        <p:cNvPr id="1" name="Shape 50"/>
         <p:cNvGrpSpPr/>
         <p:nvPr/>
       </p:nvGrpSpPr>
@@ -5326,12 +5393,12 @@
             </a:ln>
           </p:spPr>
           <p:txBody>
-            <a:bodyPr anchorCtr="0" anchor="ctr" bIns="91425" lIns="91425" spcFirstLastPara="1" rIns="91425" wrap="square" tIns="91425">
+            <a:bodyPr spcFirstLastPara="1" wrap="square" lIns="91425" tIns="91425" rIns="91425" bIns="91425" anchor="ctr" anchorCtr="0">
               <a:noAutofit/>
             </a:bodyPr>
             <a:lstStyle/>
             <a:p>
-              <a:pPr indent="0" lvl="0" marL="0" rtl="0" algn="l">
+              <a:pPr marL="0" lvl="0" indent="0" algn="l" rtl="0">
                 <a:spcBef>
                   <a:spcPts val="0"/>
                 </a:spcBef>
@@ -5340,9 +5407,6 @@
                 </a:spcAft>
                 <a:buNone/>
               </a:pPr>
-              <a:r>
-                <a:t/>
-              </a:r>
               <a:endParaRPr/>
             </a:p>
           </p:txBody>
@@ -5369,12 +5433,12 @@
             </a:ln>
           </p:spPr>
           <p:txBody>
-            <a:bodyPr anchorCtr="0" anchor="ctr" bIns="91425" lIns="91425" spcFirstLastPara="1" rIns="91425" wrap="square" tIns="91425">
+            <a:bodyPr spcFirstLastPara="1" wrap="square" lIns="91425" tIns="91425" rIns="91425" bIns="91425" anchor="ctr" anchorCtr="0">
               <a:noAutofit/>
             </a:bodyPr>
             <a:lstStyle/>
             <a:p>
-              <a:pPr indent="0" lvl="0" marL="0" rtl="0" algn="l">
+              <a:pPr marL="0" lvl="0" indent="0" algn="l" rtl="0">
                 <a:spcBef>
                   <a:spcPts val="0"/>
                 </a:spcBef>
@@ -5383,9 +5447,6 @@
                 </a:spcAft>
                 <a:buNone/>
               </a:pPr>
-              <a:r>
-                <a:t/>
-              </a:r>
               <a:endParaRPr/>
             </a:p>
           </p:txBody>
@@ -5397,7 +5458,7 @@
             <p:nvPr/>
           </p:nvSpPr>
           <p:spPr>
-            <a:xfrm flipH="1" rot="10800000">
+            <a:xfrm rot="10800000" flipH="1">
               <a:off x="7113588" y="107"/>
               <a:ext cx="1015200" cy="1015200"/>
             </a:xfrm>
@@ -5412,12 +5473,12 @@
             </a:ln>
           </p:spPr>
           <p:txBody>
-            <a:bodyPr anchorCtr="0" anchor="ctr" bIns="91425" lIns="91425" spcFirstLastPara="1" rIns="91425" wrap="square" tIns="91425">
+            <a:bodyPr spcFirstLastPara="1" wrap="square" lIns="91425" tIns="91425" rIns="91425" bIns="91425" anchor="ctr" anchorCtr="0">
               <a:noAutofit/>
             </a:bodyPr>
             <a:lstStyle/>
             <a:p>
-              <a:pPr indent="0" lvl="0" marL="0" rtl="0" algn="l">
+              <a:pPr marL="0" lvl="0" indent="0" algn="l" rtl="0">
                 <a:spcBef>
                   <a:spcPts val="0"/>
                 </a:spcBef>
@@ -5426,9 +5487,6 @@
                 </a:spcAft>
                 <a:buNone/>
               </a:pPr>
-              <a:r>
-                <a:t/>
-              </a:r>
               <a:endParaRPr/>
             </a:p>
           </p:txBody>
@@ -5455,12 +5513,12 @@
             </a:ln>
           </p:spPr>
           <p:txBody>
-            <a:bodyPr anchorCtr="0" anchor="ctr" bIns="91425" lIns="91425" spcFirstLastPara="1" rIns="91425" wrap="square" tIns="91425">
+            <a:bodyPr spcFirstLastPara="1" wrap="square" lIns="91425" tIns="91425" rIns="91425" bIns="91425" anchor="ctr" anchorCtr="0">
               <a:noAutofit/>
             </a:bodyPr>
             <a:lstStyle/>
             <a:p>
-              <a:pPr indent="0" lvl="0" marL="0" rtl="0" algn="l">
+              <a:pPr marL="0" lvl="0" indent="0" algn="l" rtl="0">
                 <a:spcBef>
                   <a:spcPts val="0"/>
                 </a:spcBef>
@@ -5469,9 +5527,6 @@
                 </a:spcAft>
                 <a:buNone/>
               </a:pPr>
-              <a:r>
-                <a:t/>
-              </a:r>
               <a:endParaRPr/>
             </a:p>
           </p:txBody>
@@ -5498,12 +5553,12 @@
             </a:ln>
           </p:spPr>
           <p:txBody>
-            <a:bodyPr anchorCtr="0" anchor="ctr" bIns="91425" lIns="91425" spcFirstLastPara="1" rIns="91425" wrap="square" tIns="91425">
+            <a:bodyPr spcFirstLastPara="1" wrap="square" lIns="91425" tIns="91425" rIns="91425" bIns="91425" anchor="ctr" anchorCtr="0">
               <a:noAutofit/>
             </a:bodyPr>
             <a:lstStyle/>
             <a:p>
-              <a:pPr indent="0" lvl="0" marL="0" rtl="0" algn="l">
+              <a:pPr marL="0" lvl="0" indent="0" algn="l" rtl="0">
                 <a:spcBef>
                   <a:spcPts val="0"/>
                 </a:spcBef>
@@ -5512,9 +5567,6 @@
                 </a:spcAft>
                 <a:buNone/>
               </a:pPr>
-              <a:r>
-                <a:t/>
-              </a:r>
               <a:endParaRPr/>
             </a:p>
           </p:txBody>
@@ -5523,7 +5575,9 @@
       <p:sp>
         <p:nvSpPr>
           <p:cNvPr id="57" name="Google Shape;57;p8"/>
-          <p:cNvSpPr txBox="1"/>
+          <p:cNvSpPr txBox="1">
+            <a:spLocks noGrp="1"/>
+          </p:cNvSpPr>
           <p:nvPr>
             <p:ph type="title"/>
           </p:nvPr>
@@ -5538,7 +5592,7 @@
           </a:prstGeom>
         </p:spPr>
         <p:txBody>
-          <a:bodyPr anchorCtr="0" anchor="ctr" bIns="91425" lIns="91425" spcFirstLastPara="1" rIns="91425" wrap="square" tIns="91425">
+          <a:bodyPr spcFirstLastPara="1" wrap="square" lIns="91425" tIns="91425" rIns="91425" bIns="91425" anchor="ctr" anchorCtr="0">
             <a:normAutofit/>
           </a:bodyPr>
           <a:lstStyle>
@@ -5705,15 +5759,19 @@
               </a:defRPr>
             </a:lvl9pPr>
           </a:lstStyle>
-          <a:p/>
+          <a:p>
+            <a:endParaRPr/>
+          </a:p>
         </p:txBody>
       </p:sp>
       <p:sp>
         <p:nvSpPr>
           <p:cNvPr id="58" name="Google Shape;58;p8"/>
-          <p:cNvSpPr txBox="1"/>
+          <p:cNvSpPr txBox="1">
+            <a:spLocks noGrp="1"/>
+          </p:cNvSpPr>
           <p:nvPr>
-            <p:ph idx="12" type="sldNum"/>
+            <p:ph type="sldNum" idx="12"/>
           </p:nvPr>
         </p:nvSpPr>
         <p:spPr>
@@ -5726,7 +5784,7 @@
           </a:prstGeom>
         </p:spPr>
         <p:txBody>
-          <a:bodyPr anchorCtr="0" anchor="ctr" bIns="91425" lIns="91425" spcFirstLastPara="1" rIns="91425" wrap="square" tIns="91425">
+          <a:bodyPr spcFirstLastPara="1" wrap="square" lIns="91425" tIns="91425" rIns="91425" bIns="91425" anchor="ctr" anchorCtr="0">
             <a:normAutofit/>
           </a:bodyPr>
           <a:lstStyle>
@@ -5768,7 +5826,7 @@
             </a:lvl9pPr>
           </a:lstStyle>
           <a:p>
-            <a:pPr indent="0" lvl="0" marL="0" rtl="0" algn="r">
+            <a:pPr marL="0" lvl="0" indent="0" algn="r" rtl="0">
               <a:spcBef>
                 <a:spcPts val="0"/>
               </a:spcBef>
@@ -5779,7 +5837,7 @@
             </a:pPr>
             <a:fld id="{00000000-1234-1234-1234-123412341234}" type="slidenum">
               <a:rPr lang="es"/>
-              <a:t>‹#›</a:t>
+              <a:t>‹Nº›</a:t>
             </a:fld>
             <a:endParaRPr/>
           </a:p>
@@ -5794,11 +5852,11 @@
 </file>
 
 <file path=ppt/slideLayouts/slideLayout8.xml><?xml version="1.0" encoding="utf-8"?>
-<p:sldLayout xmlns:a="http://schemas.openxmlformats.org/drawingml/2006/main" xmlns:r="http://schemas.openxmlformats.org/officeDocument/2006/relationships" xmlns:mc="http://schemas.openxmlformats.org/markup-compatibility/2006" xmlns:mv="urn:schemas-microsoft-com:mac:vml" xmlns:p="http://schemas.openxmlformats.org/presentationml/2006/main" xmlns:c="http://schemas.openxmlformats.org/drawingml/2006/chart" xmlns:dgm="http://schemas.openxmlformats.org/drawingml/2006/diagram" xmlns:o="urn:schemas-microsoft-com:office:office" xmlns:v="urn:schemas-microsoft-com:vml" xmlns:pvml="urn:schemas-microsoft-com:office:powerpoint" xmlns:com="http://schemas.openxmlformats.org/drawingml/2006/compatibility" xmlns:p14="http://schemas.microsoft.com/office/powerpoint/2010/main" xmlns:p15="http://schemas.microsoft.com/office/powerpoint/2012/main" xmlns:ahyp="http://schemas.microsoft.com/office/drawing/2018/hyperlinkcolor" matchingName="Section title and description">
+<p:sldLayout xmlns:a="http://schemas.openxmlformats.org/drawingml/2006/main" xmlns:r="http://schemas.openxmlformats.org/officeDocument/2006/relationships" xmlns:p="http://schemas.openxmlformats.org/presentationml/2006/main" matchingName="Section title and description">
   <p:cSld name="SECTION_TITLE_AND_DESCRIPTION">
     <p:spTree>
       <p:nvGrpSpPr>
-        <p:cNvPr id="59" name="Shape 59"/>
+        <p:cNvPr id="1" name="Shape 59"/>
         <p:cNvGrpSpPr/>
         <p:nvPr/>
       </p:nvGrpSpPr>
@@ -5832,12 +5890,12 @@
           </a:ln>
         </p:spPr>
         <p:txBody>
-          <a:bodyPr anchorCtr="0" anchor="ctr" bIns="91425" lIns="91425" spcFirstLastPara="1" rIns="91425" wrap="square" tIns="91425">
+          <a:bodyPr spcFirstLastPara="1" wrap="square" lIns="91425" tIns="91425" rIns="91425" bIns="91425" anchor="ctr" anchorCtr="0">
             <a:noAutofit/>
           </a:bodyPr>
           <a:lstStyle/>
           <a:p>
-            <a:pPr indent="0" lvl="0" marL="0" rtl="0" algn="l">
+            <a:pPr marL="0" lvl="0" indent="0" algn="l" rtl="0">
               <a:spcBef>
                 <a:spcPts val="0"/>
               </a:spcBef>
@@ -5846,9 +5904,6 @@
               </a:spcAft>
               <a:buNone/>
             </a:pPr>
-            <a:r>
-              <a:t/>
-            </a:r>
             <a:endParaRPr/>
           </a:p>
         </p:txBody>
@@ -5868,21 +5923,23 @@
             <a:avLst/>
           </a:prstGeom>
           <a:noFill/>
-          <a:ln cap="flat" cmpd="sng" w="19050">
+          <a:ln w="19050" cap="flat" cmpd="sng">
             <a:solidFill>
               <a:schemeClr val="lt1"/>
             </a:solidFill>
             <a:prstDash val="solid"/>
             <a:round/>
-            <a:headEnd len="sm" w="sm" type="none"/>
-            <a:tailEnd len="sm" w="sm" type="none"/>
+            <a:headEnd type="none" w="sm" len="sm"/>
+            <a:tailEnd type="none" w="sm" len="sm"/>
           </a:ln>
         </p:spPr>
       </p:cxnSp>
       <p:sp>
         <p:nvSpPr>
           <p:cNvPr id="62" name="Google Shape;62;p9"/>
-          <p:cNvSpPr txBox="1"/>
+          <p:cNvSpPr txBox="1">
+            <a:spLocks noGrp="1"/>
+          </p:cNvSpPr>
           <p:nvPr>
             <p:ph type="title"/>
           </p:nvPr>
@@ -5897,7 +5954,7 @@
           </a:prstGeom>
         </p:spPr>
         <p:txBody>
-          <a:bodyPr anchorCtr="0" anchor="b" bIns="91425" lIns="91425" spcFirstLastPara="1" rIns="91425" wrap="square" tIns="91425">
+          <a:bodyPr spcFirstLastPara="1" wrap="square" lIns="91425" tIns="91425" rIns="91425" bIns="91425" anchor="b" anchorCtr="0">
             <a:normAutofit/>
           </a:bodyPr>
           <a:lstStyle>
@@ -6001,15 +6058,19 @@
               <a:defRPr sz="4200"/>
             </a:lvl9pPr>
           </a:lstStyle>
-          <a:p/>
+          <a:p>
+            <a:endParaRPr/>
+          </a:p>
         </p:txBody>
       </p:sp>
       <p:sp>
         <p:nvSpPr>
           <p:cNvPr id="63" name="Google Shape;63;p9"/>
-          <p:cNvSpPr txBox="1"/>
+          <p:cNvSpPr txBox="1">
+            <a:spLocks noGrp="1"/>
+          </p:cNvSpPr>
           <p:nvPr>
-            <p:ph idx="1" type="subTitle"/>
+            <p:ph type="subTitle" idx="1"/>
           </p:nvPr>
         </p:nvSpPr>
         <p:spPr>
@@ -6022,7 +6083,7 @@
           </a:prstGeom>
         </p:spPr>
         <p:txBody>
-          <a:bodyPr anchorCtr="0" anchor="t" bIns="91425" lIns="91425" spcFirstLastPara="1" rIns="91425" wrap="square" tIns="91425">
+          <a:bodyPr spcFirstLastPara="1" wrap="square" lIns="91425" tIns="91425" rIns="91425" bIns="91425" anchor="t" anchorCtr="0">
             <a:normAutofit/>
           </a:bodyPr>
           <a:lstStyle>
@@ -6153,15 +6214,19 @@
               <a:defRPr sz="2100"/>
             </a:lvl9pPr>
           </a:lstStyle>
-          <a:p/>
+          <a:p>
+            <a:endParaRPr/>
+          </a:p>
         </p:txBody>
       </p:sp>
       <p:sp>
         <p:nvSpPr>
           <p:cNvPr id="64" name="Google Shape;64;p9"/>
-          <p:cNvSpPr txBox="1"/>
+          <p:cNvSpPr txBox="1">
+            <a:spLocks noGrp="1"/>
+          </p:cNvSpPr>
           <p:nvPr>
-            <p:ph idx="2" type="body"/>
+            <p:ph type="body" idx="2"/>
           </p:nvPr>
         </p:nvSpPr>
         <p:spPr>
@@ -6174,11 +6239,11 @@
           </a:prstGeom>
         </p:spPr>
         <p:txBody>
-          <a:bodyPr anchorCtr="0" anchor="ctr" bIns="91425" lIns="91425" spcFirstLastPara="1" rIns="91425" wrap="square" tIns="91425">
+          <a:bodyPr spcFirstLastPara="1" wrap="square" lIns="91425" tIns="91425" rIns="91425" bIns="91425" anchor="ctr" anchorCtr="0">
             <a:normAutofit/>
           </a:bodyPr>
           <a:lstStyle>
-            <a:lvl1pPr indent="-342900" lvl="0" marL="457200">
+            <a:lvl1pPr marL="457200" lvl="0" indent="-342900">
               <a:spcBef>
                 <a:spcPts val="0"/>
               </a:spcBef>
@@ -6196,7 +6261,7 @@
                 </a:solidFill>
               </a:defRPr>
             </a:lvl1pPr>
-            <a:lvl2pPr indent="-317500" lvl="1" marL="914400">
+            <a:lvl2pPr marL="914400" lvl="1" indent="-317500">
               <a:spcBef>
                 <a:spcPts val="0"/>
               </a:spcBef>
@@ -6214,7 +6279,7 @@
                 </a:solidFill>
               </a:defRPr>
             </a:lvl2pPr>
-            <a:lvl3pPr indent="-317500" lvl="2" marL="1371600">
+            <a:lvl3pPr marL="1371600" lvl="2" indent="-317500">
               <a:spcBef>
                 <a:spcPts val="0"/>
               </a:spcBef>
@@ -6232,7 +6297,7 @@
                 </a:solidFill>
               </a:defRPr>
             </a:lvl3pPr>
-            <a:lvl4pPr indent="-317500" lvl="3" marL="1828800">
+            <a:lvl4pPr marL="1828800" lvl="3" indent="-317500">
               <a:spcBef>
                 <a:spcPts val="0"/>
               </a:spcBef>
@@ -6250,7 +6315,7 @@
                 </a:solidFill>
               </a:defRPr>
             </a:lvl4pPr>
-            <a:lvl5pPr indent="-317500" lvl="4" marL="2286000">
+            <a:lvl5pPr marL="2286000" lvl="4" indent="-317500">
               <a:spcBef>
                 <a:spcPts val="0"/>
               </a:spcBef>
@@ -6268,7 +6333,7 @@
                 </a:solidFill>
               </a:defRPr>
             </a:lvl5pPr>
-            <a:lvl6pPr indent="-317500" lvl="5" marL="2743200">
+            <a:lvl6pPr marL="2743200" lvl="5" indent="-317500">
               <a:spcBef>
                 <a:spcPts val="0"/>
               </a:spcBef>
@@ -6286,7 +6351,7 @@
                 </a:solidFill>
               </a:defRPr>
             </a:lvl6pPr>
-            <a:lvl7pPr indent="-317500" lvl="6" marL="3200400">
+            <a:lvl7pPr marL="3200400" lvl="6" indent="-317500">
               <a:spcBef>
                 <a:spcPts val="0"/>
               </a:spcBef>
@@ -6304,7 +6369,7 @@
                 </a:solidFill>
               </a:defRPr>
             </a:lvl7pPr>
-            <a:lvl8pPr indent="-317500" lvl="7" marL="3657600">
+            <a:lvl8pPr marL="3657600" lvl="7" indent="-317500">
               <a:spcBef>
                 <a:spcPts val="0"/>
               </a:spcBef>
@@ -6322,7 +6387,7 @@
                 </a:solidFill>
               </a:defRPr>
             </a:lvl8pPr>
-            <a:lvl9pPr indent="-317500" lvl="8" marL="4114800">
+            <a:lvl9pPr marL="4114800" lvl="8" indent="-317500">
               <a:spcBef>
                 <a:spcPts val="0"/>
               </a:spcBef>
@@ -6341,15 +6406,19 @@
               </a:defRPr>
             </a:lvl9pPr>
           </a:lstStyle>
-          <a:p/>
+          <a:p>
+            <a:endParaRPr/>
+          </a:p>
         </p:txBody>
       </p:sp>
       <p:sp>
         <p:nvSpPr>
           <p:cNvPr id="65" name="Google Shape;65;p9"/>
-          <p:cNvSpPr txBox="1"/>
+          <p:cNvSpPr txBox="1">
+            <a:spLocks noGrp="1"/>
+          </p:cNvSpPr>
           <p:nvPr>
-            <p:ph idx="12" type="sldNum"/>
+            <p:ph type="sldNum" idx="12"/>
           </p:nvPr>
         </p:nvSpPr>
         <p:spPr>
@@ -6362,7 +6431,7 @@
           </a:prstGeom>
         </p:spPr>
         <p:txBody>
-          <a:bodyPr anchorCtr="0" anchor="ctr" bIns="91425" lIns="91425" spcFirstLastPara="1" rIns="91425" wrap="square" tIns="91425">
+          <a:bodyPr spcFirstLastPara="1" wrap="square" lIns="91425" tIns="91425" rIns="91425" bIns="91425" anchor="ctr" anchorCtr="0">
             <a:normAutofit/>
           </a:bodyPr>
           <a:lstStyle>
@@ -6404,7 +6473,7 @@
             </a:lvl9pPr>
           </a:lstStyle>
           <a:p>
-            <a:pPr indent="0" lvl="0" marL="0" rtl="0" algn="r">
+            <a:pPr marL="0" lvl="0" indent="0" algn="r" rtl="0">
               <a:spcBef>
                 <a:spcPts val="0"/>
               </a:spcBef>
@@ -6415,7 +6484,7 @@
             </a:pPr>
             <a:fld id="{00000000-1234-1234-1234-123412341234}" type="slidenum">
               <a:rPr lang="es"/>
-              <a:t>‹#›</a:t>
+              <a:t>‹Nº›</a:t>
             </a:fld>
             <a:endParaRPr/>
           </a:p>
@@ -6430,11 +6499,11 @@
 </file>
 
 <file path=ppt/slideLayouts/slideLayout9.xml><?xml version="1.0" encoding="utf-8"?>
-<p:sldLayout xmlns:a="http://schemas.openxmlformats.org/drawingml/2006/main" xmlns:r="http://schemas.openxmlformats.org/officeDocument/2006/relationships" xmlns:mc="http://schemas.openxmlformats.org/markup-compatibility/2006" xmlns:mv="urn:schemas-microsoft-com:mac:vml" xmlns:p="http://schemas.openxmlformats.org/presentationml/2006/main" xmlns:c="http://schemas.openxmlformats.org/drawingml/2006/chart" xmlns:dgm="http://schemas.openxmlformats.org/drawingml/2006/diagram" xmlns:o="urn:schemas-microsoft-com:office:office" xmlns:v="urn:schemas-microsoft-com:vml" xmlns:pvml="urn:schemas-microsoft-com:office:powerpoint" xmlns:com="http://schemas.openxmlformats.org/drawingml/2006/compatibility" xmlns:p14="http://schemas.microsoft.com/office/powerpoint/2010/main" xmlns:p15="http://schemas.microsoft.com/office/powerpoint/2012/main" xmlns:ahyp="http://schemas.microsoft.com/office/drawing/2018/hyperlinkcolor" matchingName="Caption">
+<p:sldLayout xmlns:a="http://schemas.openxmlformats.org/drawingml/2006/main" xmlns:r="http://schemas.openxmlformats.org/officeDocument/2006/relationships" xmlns:p="http://schemas.openxmlformats.org/presentationml/2006/main" matchingName="Caption">
   <p:cSld name="CAPTION_ONLY">
     <p:spTree>
       <p:nvGrpSpPr>
-        <p:cNvPr id="66" name="Shape 66"/>
+        <p:cNvPr id="1" name="Shape 66"/>
         <p:cNvGrpSpPr/>
         <p:nvPr/>
       </p:nvGrpSpPr>
@@ -6449,9 +6518,11 @@
       <p:sp>
         <p:nvSpPr>
           <p:cNvPr id="67" name="Google Shape;67;p10"/>
-          <p:cNvSpPr txBox="1"/>
+          <p:cNvSpPr txBox="1">
+            <a:spLocks noGrp="1"/>
+          </p:cNvSpPr>
           <p:nvPr>
-            <p:ph idx="1" type="body"/>
+            <p:ph type="body" idx="1"/>
           </p:nvPr>
         </p:nvSpPr>
         <p:spPr>
@@ -6464,11 +6535,11 @@
           </a:prstGeom>
         </p:spPr>
         <p:txBody>
-          <a:bodyPr anchorCtr="0" anchor="ctr" bIns="91425" lIns="91425" spcFirstLastPara="1" rIns="91425" wrap="square" tIns="91425">
+          <a:bodyPr spcFirstLastPara="1" wrap="square" lIns="91425" tIns="91425" rIns="91425" bIns="91425" anchor="ctr" anchorCtr="0">
             <a:normAutofit/>
           </a:bodyPr>
           <a:lstStyle>
-            <a:lvl1pPr indent="-228600" lvl="0" marL="457200">
+            <a:lvl1pPr marL="457200" lvl="0" indent="-228600">
               <a:lnSpc>
                 <a:spcPct val="100000"/>
               </a:lnSpc>
@@ -6483,15 +6554,19 @@
               <a:defRPr/>
             </a:lvl1pPr>
           </a:lstStyle>
-          <a:p/>
+          <a:p>
+            <a:endParaRPr/>
+          </a:p>
         </p:txBody>
       </p:sp>
       <p:sp>
         <p:nvSpPr>
           <p:cNvPr id="68" name="Google Shape;68;p10"/>
-          <p:cNvSpPr txBox="1"/>
+          <p:cNvSpPr txBox="1">
+            <a:spLocks noGrp="1"/>
+          </p:cNvSpPr>
           <p:nvPr>
-            <p:ph idx="12" type="sldNum"/>
+            <p:ph type="sldNum" idx="12"/>
           </p:nvPr>
         </p:nvSpPr>
         <p:spPr>
@@ -6504,7 +6579,7 @@
           </a:prstGeom>
         </p:spPr>
         <p:txBody>
-          <a:bodyPr anchorCtr="0" anchor="ctr" bIns="91425" lIns="91425" spcFirstLastPara="1" rIns="91425" wrap="square" tIns="91425">
+          <a:bodyPr spcFirstLastPara="1" wrap="square" lIns="91425" tIns="91425" rIns="91425" bIns="91425" anchor="ctr" anchorCtr="0">
             <a:normAutofit/>
           </a:bodyPr>
           <a:lstStyle>
@@ -6582,7 +6657,7 @@
             </a:lvl9pPr>
           </a:lstStyle>
           <a:p>
-            <a:pPr indent="0" lvl="0" marL="0" rtl="0" algn="r">
+            <a:pPr marL="0" lvl="0" indent="0" algn="r" rtl="0">
               <a:spcBef>
                 <a:spcPts val="0"/>
               </a:spcBef>
@@ -6593,7 +6668,7 @@
             </a:pPr>
             <a:fld id="{00000000-1234-1234-1234-123412341234}" type="slidenum">
               <a:rPr lang="es"/>
-              <a:t>‹#›</a:t>
+              <a:t>‹Nº›</a:t>
             </a:fld>
             <a:endParaRPr/>
           </a:p>
@@ -6608,18 +6683,19 @@
 </file>
 
 <file path=ppt/slideMasters/slideMaster1.xml><?xml version="1.0" encoding="utf-8"?>
-<p:sldMaster xmlns:a="http://schemas.openxmlformats.org/drawingml/2006/main" xmlns:r="http://schemas.openxmlformats.org/officeDocument/2006/relationships" xmlns:mc="http://schemas.openxmlformats.org/markup-compatibility/2006" xmlns:mv="urn:schemas-microsoft-com:mac:vml" xmlns:p="http://schemas.openxmlformats.org/presentationml/2006/main" xmlns:c="http://schemas.openxmlformats.org/drawingml/2006/chart" xmlns:dgm="http://schemas.openxmlformats.org/drawingml/2006/diagram" xmlns:o="urn:schemas-microsoft-com:office:office" xmlns:v="urn:schemas-microsoft-com:vml" xmlns:pvml="urn:schemas-microsoft-com:office:powerpoint" xmlns:com="http://schemas.openxmlformats.org/drawingml/2006/compatibility" xmlns:p14="http://schemas.microsoft.com/office/powerpoint/2010/main" xmlns:p15="http://schemas.microsoft.com/office/powerpoint/2012/main" xmlns:ahyp="http://schemas.microsoft.com/office/drawing/2018/hyperlinkcolor">
+<p:sldMaster xmlns:a="http://schemas.openxmlformats.org/drawingml/2006/main" xmlns:r="http://schemas.openxmlformats.org/officeDocument/2006/relationships" xmlns:p="http://schemas.openxmlformats.org/presentationml/2006/main">
   <p:cSld name="geometric">
     <p:bg>
       <p:bgPr>
         <a:solidFill>
           <a:schemeClr val="lt1"/>
         </a:solidFill>
+        <a:effectLst/>
       </p:bgPr>
     </p:bg>
     <p:spTree>
       <p:nvGrpSpPr>
-        <p:cNvPr id="5" name="Shape 5"/>
+        <p:cNvPr id="1" name="Shape 5"/>
         <p:cNvGrpSpPr/>
         <p:nvPr/>
       </p:nvGrpSpPr>
@@ -6634,7 +6710,9 @@
       <p:sp>
         <p:nvSpPr>
           <p:cNvPr id="6" name="Google Shape;6;p1"/>
-          <p:cNvSpPr txBox="1"/>
+          <p:cNvSpPr txBox="1">
+            <a:spLocks noGrp="1"/>
+          </p:cNvSpPr>
           <p:nvPr>
             <p:ph type="title"/>
           </p:nvPr>
@@ -6653,7 +6731,7 @@
           </a:ln>
         </p:spPr>
         <p:txBody>
-          <a:bodyPr anchorCtr="0" anchor="t" bIns="91425" lIns="91425" spcFirstLastPara="1" rIns="91425" wrap="square" tIns="91425">
+          <a:bodyPr spcFirstLastPara="1" wrap="square" lIns="91425" tIns="91425" rIns="91425" bIns="91425" anchor="t" anchorCtr="0">
             <a:normAutofit/>
           </a:bodyPr>
           <a:lstStyle>
@@ -6865,15 +6943,19 @@
               </a:defRPr>
             </a:lvl9pPr>
           </a:lstStyle>
-          <a:p/>
+          <a:p>
+            <a:endParaRPr/>
+          </a:p>
         </p:txBody>
       </p:sp>
       <p:sp>
         <p:nvSpPr>
           <p:cNvPr id="7" name="Google Shape;7;p1"/>
-          <p:cNvSpPr txBox="1"/>
+          <p:cNvSpPr txBox="1">
+            <a:spLocks noGrp="1"/>
+          </p:cNvSpPr>
           <p:nvPr>
-            <p:ph idx="1" type="body"/>
+            <p:ph type="body" idx="1"/>
           </p:nvPr>
         </p:nvSpPr>
         <p:spPr>
@@ -6890,11 +6972,11 @@
           </a:ln>
         </p:spPr>
         <p:txBody>
-          <a:bodyPr anchorCtr="0" anchor="t" bIns="91425" lIns="91425" spcFirstLastPara="1" rIns="91425" wrap="square" tIns="91425">
+          <a:bodyPr spcFirstLastPara="1" wrap="square" lIns="91425" tIns="91425" rIns="91425" bIns="91425" anchor="t" anchorCtr="0">
             <a:normAutofit/>
           </a:bodyPr>
           <a:lstStyle>
-            <a:lvl1pPr indent="-342900" lvl="0" marL="457200">
+            <a:lvl1pPr marL="457200" lvl="0" indent="-342900">
               <a:lnSpc>
                 <a:spcPct val="115000"/>
               </a:lnSpc>
@@ -6920,7 +7002,7 @@
                 <a:sym typeface="Roboto"/>
               </a:defRPr>
             </a:lvl1pPr>
-            <a:lvl2pPr indent="-317500" lvl="1" marL="914400">
+            <a:lvl2pPr marL="914400" lvl="1" indent="-317500">
               <a:lnSpc>
                 <a:spcPct val="115000"/>
               </a:lnSpc>
@@ -6946,7 +7028,7 @@
                 <a:sym typeface="Roboto"/>
               </a:defRPr>
             </a:lvl2pPr>
-            <a:lvl3pPr indent="-317500" lvl="2" marL="1371600">
+            <a:lvl3pPr marL="1371600" lvl="2" indent="-317500">
               <a:lnSpc>
                 <a:spcPct val="115000"/>
               </a:lnSpc>
@@ -6972,7 +7054,7 @@
                 <a:sym typeface="Roboto"/>
               </a:defRPr>
             </a:lvl3pPr>
-            <a:lvl4pPr indent="-317500" lvl="3" marL="1828800">
+            <a:lvl4pPr marL="1828800" lvl="3" indent="-317500">
               <a:lnSpc>
                 <a:spcPct val="115000"/>
               </a:lnSpc>
@@ -6998,7 +7080,7 @@
                 <a:sym typeface="Roboto"/>
               </a:defRPr>
             </a:lvl4pPr>
-            <a:lvl5pPr indent="-317500" lvl="4" marL="2286000">
+            <a:lvl5pPr marL="2286000" lvl="4" indent="-317500">
               <a:lnSpc>
                 <a:spcPct val="115000"/>
               </a:lnSpc>
@@ -7024,7 +7106,7 @@
                 <a:sym typeface="Roboto"/>
               </a:defRPr>
             </a:lvl5pPr>
-            <a:lvl6pPr indent="-317500" lvl="5" marL="2743200">
+            <a:lvl6pPr marL="2743200" lvl="5" indent="-317500">
               <a:lnSpc>
                 <a:spcPct val="115000"/>
               </a:lnSpc>
@@ -7050,7 +7132,7 @@
                 <a:sym typeface="Roboto"/>
               </a:defRPr>
             </a:lvl6pPr>
-            <a:lvl7pPr indent="-317500" lvl="6" marL="3200400">
+            <a:lvl7pPr marL="3200400" lvl="6" indent="-317500">
               <a:lnSpc>
                 <a:spcPct val="115000"/>
               </a:lnSpc>
@@ -7076,7 +7158,7 @@
                 <a:sym typeface="Roboto"/>
               </a:defRPr>
             </a:lvl7pPr>
-            <a:lvl8pPr indent="-317500" lvl="7" marL="3657600">
+            <a:lvl8pPr marL="3657600" lvl="7" indent="-317500">
               <a:lnSpc>
                 <a:spcPct val="115000"/>
               </a:lnSpc>
@@ -7102,7 +7184,7 @@
                 <a:sym typeface="Roboto"/>
               </a:defRPr>
             </a:lvl8pPr>
-            <a:lvl9pPr indent="-317500" lvl="8" marL="4114800">
+            <a:lvl9pPr marL="4114800" lvl="8" indent="-317500">
               <a:lnSpc>
                 <a:spcPct val="115000"/>
               </a:lnSpc>
@@ -7129,15 +7211,19 @@
               </a:defRPr>
             </a:lvl9pPr>
           </a:lstStyle>
-          <a:p/>
+          <a:p>
+            <a:endParaRPr/>
+          </a:p>
         </p:txBody>
       </p:sp>
       <p:sp>
         <p:nvSpPr>
           <p:cNvPr id="8" name="Google Shape;8;p1"/>
-          <p:cNvSpPr txBox="1"/>
+          <p:cNvSpPr txBox="1">
+            <a:spLocks noGrp="1"/>
+          </p:cNvSpPr>
           <p:nvPr>
-            <p:ph idx="12" type="sldNum"/>
+            <p:ph type="sldNum" idx="12"/>
           </p:nvPr>
         </p:nvSpPr>
         <p:spPr>
@@ -7154,7 +7240,7 @@
           </a:ln>
         </p:spPr>
         <p:txBody>
-          <a:bodyPr anchorCtr="0" anchor="ctr" bIns="91425" lIns="91425" spcFirstLastPara="1" rIns="91425" wrap="square" tIns="91425">
+          <a:bodyPr spcFirstLastPara="1" wrap="square" lIns="91425" tIns="91425" rIns="91425" bIns="91425" anchor="ctr" anchorCtr="0">
             <a:normAutofit/>
           </a:bodyPr>
           <a:lstStyle>
@@ -7268,7 +7354,7 @@
             </a:lvl9pPr>
           </a:lstStyle>
           <a:p>
-            <a:pPr indent="0" lvl="0" marL="0" rtl="0" algn="r">
+            <a:pPr marL="0" lvl="0" indent="0" algn="r" rtl="0">
               <a:spcBef>
                 <a:spcPts val="0"/>
               </a:spcBef>
@@ -7279,7 +7365,7 @@
             </a:pPr>
             <a:fld id="{00000000-1234-1234-1234-123412341234}" type="slidenum">
               <a:rPr lang="es"/>
-              <a:t>‹#›</a:t>
+              <a:t>‹Nº›</a:t>
             </a:fld>
             <a:endParaRPr/>
           </a:p>
@@ -7287,7 +7373,7 @@
       </p:sp>
     </p:spTree>
   </p:cSld>
-  <p:clrMap accent1="accent1" accent2="accent2" accent3="accent3" accent4="accent4" accent5="accent5" accent6="accent6" bg1="lt1" bg2="dk2" tx1="dk1" tx2="lt2" folHlink="folHlink" hlink="hlink"/>
+  <p:clrMap bg1="lt1" tx1="dk1" bg2="dk2" tx2="lt2" accent1="accent1" accent2="accent2" accent3="accent3" accent4="accent4" accent5="accent5" accent6="accent6" hlink="hlink" folHlink="folHlink"/>
   <p:sldLayoutIdLst>
     <p:sldLayoutId id="2147483648" r:id="rId1"/>
     <p:sldLayoutId id="2147483649" r:id="rId2"/>
@@ -7301,10 +7387,10 @@
     <p:sldLayoutId id="2147483657" r:id="rId10"/>
     <p:sldLayoutId id="2147483658" r:id="rId11"/>
   </p:sldLayoutIdLst>
-  <p:hf dt="0" ftr="0" hdr="0" sldNum="0"/>
+  <p:hf sldNum="0" hdr="0" ftr="0" dt="0"/>
   <p:txStyles>
     <p:titleStyle>
-      <a:defPPr lvl="0" marR="0" rtl="0" algn="l">
+      <a:defPPr marR="0" lvl="0" algn="l" rtl="0">
         <a:lnSpc>
           <a:spcPct val="100000"/>
         </a:lnSpc>
@@ -7315,7 +7401,7 @@
           <a:spcPts val="0"/>
         </a:spcAft>
       </a:defPPr>
-      <a:lvl1pPr lvl="0" marR="0" rtl="0" algn="l">
+      <a:lvl1pPr marR="0" lvl="0" algn="l" rtl="0">
         <a:lnSpc>
           <a:spcPct val="100000"/>
         </a:lnSpc>
@@ -7329,7 +7415,7 @@
           <a:srgbClr val="000000"/>
         </a:buClr>
         <a:buFont typeface="Arial"/>
-        <a:defRPr b="0" i="0" sz="1400" u="none" cap="none" strike="noStrike">
+        <a:defRPr sz="1400" b="0" i="0" u="none" strike="noStrike" cap="none">
           <a:solidFill>
             <a:srgbClr val="000000"/>
           </a:solidFill>
@@ -7339,7 +7425,7 @@
           <a:sym typeface="Arial"/>
         </a:defRPr>
       </a:lvl1pPr>
-      <a:lvl2pPr lvl="1" marR="0" rtl="0" algn="l">
+      <a:lvl2pPr marR="0" lvl="1" algn="l" rtl="0">
         <a:lnSpc>
           <a:spcPct val="100000"/>
         </a:lnSpc>
@@ -7353,7 +7439,7 @@
           <a:srgbClr val="000000"/>
         </a:buClr>
         <a:buFont typeface="Arial"/>
-        <a:defRPr b="0" i="0" sz="1400" u="none" cap="none" strike="noStrike">
+        <a:defRPr sz="1400" b="0" i="0" u="none" strike="noStrike" cap="none">
           <a:solidFill>
             <a:srgbClr val="000000"/>
           </a:solidFill>
@@ -7363,7 +7449,7 @@
           <a:sym typeface="Arial"/>
         </a:defRPr>
       </a:lvl2pPr>
-      <a:lvl3pPr lvl="2" marR="0" rtl="0" algn="l">
+      <a:lvl3pPr marR="0" lvl="2" algn="l" rtl="0">
         <a:lnSpc>
           <a:spcPct val="100000"/>
         </a:lnSpc>
@@ -7377,7 +7463,7 @@
           <a:srgbClr val="000000"/>
         </a:buClr>
         <a:buFont typeface="Arial"/>
-        <a:defRPr b="0" i="0" sz="1400" u="none" cap="none" strike="noStrike">
+        <a:defRPr sz="1400" b="0" i="0" u="none" strike="noStrike" cap="none">
           <a:solidFill>
             <a:srgbClr val="000000"/>
           </a:solidFill>
@@ -7387,7 +7473,7 @@
           <a:sym typeface="Arial"/>
         </a:defRPr>
       </a:lvl3pPr>
-      <a:lvl4pPr lvl="3" marR="0" rtl="0" algn="l">
+      <a:lvl4pPr marR="0" lvl="3" algn="l" rtl="0">
         <a:lnSpc>
           <a:spcPct val="100000"/>
         </a:lnSpc>
@@ -7401,7 +7487,7 @@
           <a:srgbClr val="000000"/>
         </a:buClr>
         <a:buFont typeface="Arial"/>
-        <a:defRPr b="0" i="0" sz="1400" u="none" cap="none" strike="noStrike">
+        <a:defRPr sz="1400" b="0" i="0" u="none" strike="noStrike" cap="none">
           <a:solidFill>
             <a:srgbClr val="000000"/>
           </a:solidFill>
@@ -7411,7 +7497,7 @@
           <a:sym typeface="Arial"/>
         </a:defRPr>
       </a:lvl4pPr>
-      <a:lvl5pPr lvl="4" marR="0" rtl="0" algn="l">
+      <a:lvl5pPr marR="0" lvl="4" algn="l" rtl="0">
         <a:lnSpc>
           <a:spcPct val="100000"/>
         </a:lnSpc>
@@ -7425,7 +7511,7 @@
           <a:srgbClr val="000000"/>
         </a:buClr>
         <a:buFont typeface="Arial"/>
-        <a:defRPr b="0" i="0" sz="1400" u="none" cap="none" strike="noStrike">
+        <a:defRPr sz="1400" b="0" i="0" u="none" strike="noStrike" cap="none">
           <a:solidFill>
             <a:srgbClr val="000000"/>
           </a:solidFill>
@@ -7435,7 +7521,7 @@
           <a:sym typeface="Arial"/>
         </a:defRPr>
       </a:lvl5pPr>
-      <a:lvl6pPr lvl="5" marR="0" rtl="0" algn="l">
+      <a:lvl6pPr marR="0" lvl="5" algn="l" rtl="0">
         <a:lnSpc>
           <a:spcPct val="100000"/>
         </a:lnSpc>
@@ -7449,7 +7535,7 @@
           <a:srgbClr val="000000"/>
         </a:buClr>
         <a:buFont typeface="Arial"/>
-        <a:defRPr b="0" i="0" sz="1400" u="none" cap="none" strike="noStrike">
+        <a:defRPr sz="1400" b="0" i="0" u="none" strike="noStrike" cap="none">
           <a:solidFill>
             <a:srgbClr val="000000"/>
           </a:solidFill>
@@ -7459,7 +7545,7 @@
           <a:sym typeface="Arial"/>
         </a:defRPr>
       </a:lvl6pPr>
-      <a:lvl7pPr lvl="6" marR="0" rtl="0" algn="l">
+      <a:lvl7pPr marR="0" lvl="6" algn="l" rtl="0">
         <a:lnSpc>
           <a:spcPct val="100000"/>
         </a:lnSpc>
@@ -7473,7 +7559,7 @@
           <a:srgbClr val="000000"/>
         </a:buClr>
         <a:buFont typeface="Arial"/>
-        <a:defRPr b="0" i="0" sz="1400" u="none" cap="none" strike="noStrike">
+        <a:defRPr sz="1400" b="0" i="0" u="none" strike="noStrike" cap="none">
           <a:solidFill>
             <a:srgbClr val="000000"/>
           </a:solidFill>
@@ -7483,7 +7569,7 @@
           <a:sym typeface="Arial"/>
         </a:defRPr>
       </a:lvl7pPr>
-      <a:lvl8pPr lvl="7" marR="0" rtl="0" algn="l">
+      <a:lvl8pPr marR="0" lvl="7" algn="l" rtl="0">
         <a:lnSpc>
           <a:spcPct val="100000"/>
         </a:lnSpc>
@@ -7497,7 +7583,7 @@
           <a:srgbClr val="000000"/>
         </a:buClr>
         <a:buFont typeface="Arial"/>
-        <a:defRPr b="0" i="0" sz="1400" u="none" cap="none" strike="noStrike">
+        <a:defRPr sz="1400" b="0" i="0" u="none" strike="noStrike" cap="none">
           <a:solidFill>
             <a:srgbClr val="000000"/>
           </a:solidFill>
@@ -7507,7 +7593,7 @@
           <a:sym typeface="Arial"/>
         </a:defRPr>
       </a:lvl8pPr>
-      <a:lvl9pPr lvl="8" marR="0" rtl="0" algn="l">
+      <a:lvl9pPr marR="0" lvl="8" algn="l" rtl="0">
         <a:lnSpc>
           <a:spcPct val="100000"/>
         </a:lnSpc>
@@ -7521,7 +7607,7 @@
           <a:srgbClr val="000000"/>
         </a:buClr>
         <a:buFont typeface="Arial"/>
-        <a:defRPr b="0" i="0" sz="1400" u="none" cap="none" strike="noStrike">
+        <a:defRPr sz="1400" b="0" i="0" u="none" strike="noStrike" cap="none">
           <a:solidFill>
             <a:srgbClr val="000000"/>
           </a:solidFill>
@@ -7533,7 +7619,7 @@
       </a:lvl9pPr>
     </p:titleStyle>
     <p:bodyStyle>
-      <a:defPPr lvl="0" marR="0" rtl="0" algn="l">
+      <a:defPPr marR="0" lvl="0" algn="l" rtl="0">
         <a:lnSpc>
           <a:spcPct val="100000"/>
         </a:lnSpc>
@@ -7544,7 +7630,7 @@
           <a:spcPts val="0"/>
         </a:spcAft>
       </a:defPPr>
-      <a:lvl1pPr lvl="0" marR="0" rtl="0" algn="l">
+      <a:lvl1pPr marR="0" lvl="0" algn="l" rtl="0">
         <a:lnSpc>
           <a:spcPct val="100000"/>
         </a:lnSpc>
@@ -7558,7 +7644,7 @@
           <a:srgbClr val="000000"/>
         </a:buClr>
         <a:buFont typeface="Arial"/>
-        <a:defRPr b="0" i="0" sz="1400" u="none" cap="none" strike="noStrike">
+        <a:defRPr sz="1400" b="0" i="0" u="none" strike="noStrike" cap="none">
           <a:solidFill>
             <a:srgbClr val="000000"/>
           </a:solidFill>
@@ -7568,7 +7654,7 @@
           <a:sym typeface="Arial"/>
         </a:defRPr>
       </a:lvl1pPr>
-      <a:lvl2pPr lvl="1" marR="0" rtl="0" algn="l">
+      <a:lvl2pPr marR="0" lvl="1" algn="l" rtl="0">
         <a:lnSpc>
           <a:spcPct val="100000"/>
         </a:lnSpc>
@@ -7582,7 +7668,7 @@
           <a:srgbClr val="000000"/>
         </a:buClr>
         <a:buFont typeface="Arial"/>
-        <a:defRPr b="0" i="0" sz="1400" u="none" cap="none" strike="noStrike">
+        <a:defRPr sz="1400" b="0" i="0" u="none" strike="noStrike" cap="none">
           <a:solidFill>
             <a:srgbClr val="000000"/>
           </a:solidFill>
@@ -7592,7 +7678,7 @@
           <a:sym typeface="Arial"/>
         </a:defRPr>
       </a:lvl2pPr>
-      <a:lvl3pPr lvl="2" marR="0" rtl="0" algn="l">
+      <a:lvl3pPr marR="0" lvl="2" algn="l" rtl="0">
         <a:lnSpc>
           <a:spcPct val="100000"/>
         </a:lnSpc>
@@ -7606,7 +7692,7 @@
           <a:srgbClr val="000000"/>
         </a:buClr>
         <a:buFont typeface="Arial"/>
-        <a:defRPr b="0" i="0" sz="1400" u="none" cap="none" strike="noStrike">
+        <a:defRPr sz="1400" b="0" i="0" u="none" strike="noStrike" cap="none">
           <a:solidFill>
             <a:srgbClr val="000000"/>
           </a:solidFill>
@@ -7616,7 +7702,7 @@
           <a:sym typeface="Arial"/>
         </a:defRPr>
       </a:lvl3pPr>
-      <a:lvl4pPr lvl="3" marR="0" rtl="0" algn="l">
+      <a:lvl4pPr marR="0" lvl="3" algn="l" rtl="0">
         <a:lnSpc>
           <a:spcPct val="100000"/>
         </a:lnSpc>
@@ -7630,7 +7716,7 @@
           <a:srgbClr val="000000"/>
         </a:buClr>
         <a:buFont typeface="Arial"/>
-        <a:defRPr b="0" i="0" sz="1400" u="none" cap="none" strike="noStrike">
+        <a:defRPr sz="1400" b="0" i="0" u="none" strike="noStrike" cap="none">
           <a:solidFill>
             <a:srgbClr val="000000"/>
           </a:solidFill>
@@ -7640,7 +7726,7 @@
           <a:sym typeface="Arial"/>
         </a:defRPr>
       </a:lvl4pPr>
-      <a:lvl5pPr lvl="4" marR="0" rtl="0" algn="l">
+      <a:lvl5pPr marR="0" lvl="4" algn="l" rtl="0">
         <a:lnSpc>
           <a:spcPct val="100000"/>
         </a:lnSpc>
@@ -7654,7 +7740,7 @@
           <a:srgbClr val="000000"/>
         </a:buClr>
         <a:buFont typeface="Arial"/>
-        <a:defRPr b="0" i="0" sz="1400" u="none" cap="none" strike="noStrike">
+        <a:defRPr sz="1400" b="0" i="0" u="none" strike="noStrike" cap="none">
           <a:solidFill>
             <a:srgbClr val="000000"/>
           </a:solidFill>
@@ -7664,7 +7750,7 @@
           <a:sym typeface="Arial"/>
         </a:defRPr>
       </a:lvl5pPr>
-      <a:lvl6pPr lvl="5" marR="0" rtl="0" algn="l">
+      <a:lvl6pPr marR="0" lvl="5" algn="l" rtl="0">
         <a:lnSpc>
           <a:spcPct val="100000"/>
         </a:lnSpc>
@@ -7678,7 +7764,7 @@
           <a:srgbClr val="000000"/>
         </a:buClr>
         <a:buFont typeface="Arial"/>
-        <a:defRPr b="0" i="0" sz="1400" u="none" cap="none" strike="noStrike">
+        <a:defRPr sz="1400" b="0" i="0" u="none" strike="noStrike" cap="none">
           <a:solidFill>
             <a:srgbClr val="000000"/>
           </a:solidFill>
@@ -7688,7 +7774,7 @@
           <a:sym typeface="Arial"/>
         </a:defRPr>
       </a:lvl6pPr>
-      <a:lvl7pPr lvl="6" marR="0" rtl="0" algn="l">
+      <a:lvl7pPr marR="0" lvl="6" algn="l" rtl="0">
         <a:lnSpc>
           <a:spcPct val="100000"/>
         </a:lnSpc>
@@ -7702,7 +7788,7 @@
           <a:srgbClr val="000000"/>
         </a:buClr>
         <a:buFont typeface="Arial"/>
-        <a:defRPr b="0" i="0" sz="1400" u="none" cap="none" strike="noStrike">
+        <a:defRPr sz="1400" b="0" i="0" u="none" strike="noStrike" cap="none">
           <a:solidFill>
             <a:srgbClr val="000000"/>
           </a:solidFill>
@@ -7712,7 +7798,7 @@
           <a:sym typeface="Arial"/>
         </a:defRPr>
       </a:lvl7pPr>
-      <a:lvl8pPr lvl="7" marR="0" rtl="0" algn="l">
+      <a:lvl8pPr marR="0" lvl="7" algn="l" rtl="0">
         <a:lnSpc>
           <a:spcPct val="100000"/>
         </a:lnSpc>
@@ -7726,7 +7812,7 @@
           <a:srgbClr val="000000"/>
         </a:buClr>
         <a:buFont typeface="Arial"/>
-        <a:defRPr b="0" i="0" sz="1400" u="none" cap="none" strike="noStrike">
+        <a:defRPr sz="1400" b="0" i="0" u="none" strike="noStrike" cap="none">
           <a:solidFill>
             <a:srgbClr val="000000"/>
           </a:solidFill>
@@ -7736,7 +7822,7 @@
           <a:sym typeface="Arial"/>
         </a:defRPr>
       </a:lvl8pPr>
-      <a:lvl9pPr lvl="8" marR="0" rtl="0" algn="l">
+      <a:lvl9pPr marR="0" lvl="8" algn="l" rtl="0">
         <a:lnSpc>
           <a:spcPct val="100000"/>
         </a:lnSpc>
@@ -7750,7 +7836,7 @@
           <a:srgbClr val="000000"/>
         </a:buClr>
         <a:buFont typeface="Arial"/>
-        <a:defRPr b="0" i="0" sz="1400" u="none" cap="none" strike="noStrike">
+        <a:defRPr sz="1400" b="0" i="0" u="none" strike="noStrike" cap="none">
           <a:solidFill>
             <a:srgbClr val="000000"/>
           </a:solidFill>
@@ -7762,7 +7848,7 @@
       </a:lvl9pPr>
     </p:bodyStyle>
     <p:otherStyle>
-      <a:defPPr lvl="0" marR="0" rtl="0" algn="l">
+      <a:defPPr marR="0" lvl="0" algn="l" rtl="0">
         <a:lnSpc>
           <a:spcPct val="100000"/>
         </a:lnSpc>
@@ -7773,7 +7859,7 @@
           <a:spcPts val="0"/>
         </a:spcAft>
       </a:defPPr>
-      <a:lvl1pPr lvl="0" marR="0" rtl="0" algn="l">
+      <a:lvl1pPr marR="0" lvl="0" algn="l" rtl="0">
         <a:lnSpc>
           <a:spcPct val="100000"/>
         </a:lnSpc>
@@ -7787,7 +7873,7 @@
           <a:srgbClr val="000000"/>
         </a:buClr>
         <a:buFont typeface="Arial"/>
-        <a:defRPr b="0" i="0" sz="1400" u="none" cap="none" strike="noStrike">
+        <a:defRPr sz="1400" b="0" i="0" u="none" strike="noStrike" cap="none">
           <a:solidFill>
             <a:srgbClr val="000000"/>
           </a:solidFill>
@@ -7797,7 +7883,7 @@
           <a:sym typeface="Arial"/>
         </a:defRPr>
       </a:lvl1pPr>
-      <a:lvl2pPr lvl="1" marR="0" rtl="0" algn="l">
+      <a:lvl2pPr marR="0" lvl="1" algn="l" rtl="0">
         <a:lnSpc>
           <a:spcPct val="100000"/>
         </a:lnSpc>
@@ -7811,7 +7897,7 @@
           <a:srgbClr val="000000"/>
         </a:buClr>
         <a:buFont typeface="Arial"/>
-        <a:defRPr b="0" i="0" sz="1400" u="none" cap="none" strike="noStrike">
+        <a:defRPr sz="1400" b="0" i="0" u="none" strike="noStrike" cap="none">
           <a:solidFill>
             <a:srgbClr val="000000"/>
           </a:solidFill>
@@ -7821,7 +7907,7 @@
           <a:sym typeface="Arial"/>
         </a:defRPr>
       </a:lvl2pPr>
-      <a:lvl3pPr lvl="2" marR="0" rtl="0" algn="l">
+      <a:lvl3pPr marR="0" lvl="2" algn="l" rtl="0">
         <a:lnSpc>
           <a:spcPct val="100000"/>
         </a:lnSpc>
@@ -7835,7 +7921,7 @@
           <a:srgbClr val="000000"/>
         </a:buClr>
         <a:buFont typeface="Arial"/>
-        <a:defRPr b="0" i="0" sz="1400" u="none" cap="none" strike="noStrike">
+        <a:defRPr sz="1400" b="0" i="0" u="none" strike="noStrike" cap="none">
           <a:solidFill>
             <a:srgbClr val="000000"/>
           </a:solidFill>
@@ -7845,7 +7931,7 @@
           <a:sym typeface="Arial"/>
         </a:defRPr>
       </a:lvl3pPr>
-      <a:lvl4pPr lvl="3" marR="0" rtl="0" algn="l">
+      <a:lvl4pPr marR="0" lvl="3" algn="l" rtl="0">
         <a:lnSpc>
           <a:spcPct val="100000"/>
         </a:lnSpc>
@@ -7859,7 +7945,7 @@
           <a:srgbClr val="000000"/>
         </a:buClr>
         <a:buFont typeface="Arial"/>
-        <a:defRPr b="0" i="0" sz="1400" u="none" cap="none" strike="noStrike">
+        <a:defRPr sz="1400" b="0" i="0" u="none" strike="noStrike" cap="none">
           <a:solidFill>
             <a:srgbClr val="000000"/>
           </a:solidFill>
@@ -7869,7 +7955,7 @@
           <a:sym typeface="Arial"/>
         </a:defRPr>
       </a:lvl4pPr>
-      <a:lvl5pPr lvl="4" marR="0" rtl="0" algn="l">
+      <a:lvl5pPr marR="0" lvl="4" algn="l" rtl="0">
         <a:lnSpc>
           <a:spcPct val="100000"/>
         </a:lnSpc>
@@ -7883,7 +7969,7 @@
           <a:srgbClr val="000000"/>
         </a:buClr>
         <a:buFont typeface="Arial"/>
-        <a:defRPr b="0" i="0" sz="1400" u="none" cap="none" strike="noStrike">
+        <a:defRPr sz="1400" b="0" i="0" u="none" strike="noStrike" cap="none">
           <a:solidFill>
             <a:srgbClr val="000000"/>
           </a:solidFill>
@@ -7893,7 +7979,7 @@
           <a:sym typeface="Arial"/>
         </a:defRPr>
       </a:lvl5pPr>
-      <a:lvl6pPr lvl="5" marR="0" rtl="0" algn="l">
+      <a:lvl6pPr marR="0" lvl="5" algn="l" rtl="0">
         <a:lnSpc>
           <a:spcPct val="100000"/>
         </a:lnSpc>
@@ -7907,7 +7993,7 @@
           <a:srgbClr val="000000"/>
         </a:buClr>
         <a:buFont typeface="Arial"/>
-        <a:defRPr b="0" i="0" sz="1400" u="none" cap="none" strike="noStrike">
+        <a:defRPr sz="1400" b="0" i="0" u="none" strike="noStrike" cap="none">
           <a:solidFill>
             <a:srgbClr val="000000"/>
           </a:solidFill>
@@ -7917,7 +8003,7 @@
           <a:sym typeface="Arial"/>
         </a:defRPr>
       </a:lvl6pPr>
-      <a:lvl7pPr lvl="6" marR="0" rtl="0" algn="l">
+      <a:lvl7pPr marR="0" lvl="6" algn="l" rtl="0">
         <a:lnSpc>
           <a:spcPct val="100000"/>
         </a:lnSpc>
@@ -7931,7 +8017,7 @@
           <a:srgbClr val="000000"/>
         </a:buClr>
         <a:buFont typeface="Arial"/>
-        <a:defRPr b="0" i="0" sz="1400" u="none" cap="none" strike="noStrike">
+        <a:defRPr sz="1400" b="0" i="0" u="none" strike="noStrike" cap="none">
           <a:solidFill>
             <a:srgbClr val="000000"/>
           </a:solidFill>
@@ -7941,7 +8027,7 @@
           <a:sym typeface="Arial"/>
         </a:defRPr>
       </a:lvl7pPr>
-      <a:lvl8pPr lvl="7" marR="0" rtl="0" algn="l">
+      <a:lvl8pPr marR="0" lvl="7" algn="l" rtl="0">
         <a:lnSpc>
           <a:spcPct val="100000"/>
         </a:lnSpc>
@@ -7955,7 +8041,7 @@
           <a:srgbClr val="000000"/>
         </a:buClr>
         <a:buFont typeface="Arial"/>
-        <a:defRPr b="0" i="0" sz="1400" u="none" cap="none" strike="noStrike">
+        <a:defRPr sz="1400" b="0" i="0" u="none" strike="noStrike" cap="none">
           <a:solidFill>
             <a:srgbClr val="000000"/>
           </a:solidFill>
@@ -7965,7 +8051,7 @@
           <a:sym typeface="Arial"/>
         </a:defRPr>
       </a:lvl8pPr>
-      <a:lvl9pPr lvl="8" marR="0" rtl="0" algn="l">
+      <a:lvl9pPr marR="0" lvl="8" algn="l" rtl="0">
         <a:lnSpc>
           <a:spcPct val="100000"/>
         </a:lnSpc>
@@ -7979,7 +8065,7 @@
           <a:srgbClr val="000000"/>
         </a:buClr>
         <a:buFont typeface="Arial"/>
-        <a:defRPr b="0" i="0" sz="1400" u="none" cap="none" strike="noStrike">
+        <a:defRPr sz="1400" b="0" i="0" u="none" strike="noStrike" cap="none">
           <a:solidFill>
             <a:srgbClr val="000000"/>
           </a:solidFill>
@@ -7995,11 +8081,11 @@
 </file>
 
 <file path=ppt/slides/slide1.xml><?xml version="1.0" encoding="utf-8"?>
-<p:sld xmlns:a="http://schemas.openxmlformats.org/drawingml/2006/main" xmlns:r="http://schemas.openxmlformats.org/officeDocument/2006/relationships" xmlns:mc="http://schemas.openxmlformats.org/markup-compatibility/2006" xmlns:mv="urn:schemas-microsoft-com:mac:vml" xmlns:p="http://schemas.openxmlformats.org/presentationml/2006/main" xmlns:c="http://schemas.openxmlformats.org/drawingml/2006/chart" xmlns:dgm="http://schemas.openxmlformats.org/drawingml/2006/diagram" xmlns:o="urn:schemas-microsoft-com:office:office" xmlns:v="urn:schemas-microsoft-com:vml" xmlns:pvml="urn:schemas-microsoft-com:office:powerpoint" xmlns:com="http://schemas.openxmlformats.org/drawingml/2006/compatibility" xmlns:p14="http://schemas.microsoft.com/office/powerpoint/2010/main" xmlns:p15="http://schemas.microsoft.com/office/powerpoint/2012/main" xmlns:ahyp="http://schemas.microsoft.com/office/drawing/2018/hyperlinkcolor">
+<p:sld xmlns:a="http://schemas.openxmlformats.org/drawingml/2006/main" xmlns:r="http://schemas.openxmlformats.org/officeDocument/2006/relationships" xmlns:p="http://schemas.openxmlformats.org/presentationml/2006/main">
   <p:cSld>
     <p:spTree>
       <p:nvGrpSpPr>
-        <p:cNvPr id="84" name="Shape 84"/>
+        <p:cNvPr id="1" name="Shape 84"/>
         <p:cNvGrpSpPr/>
         <p:nvPr/>
       </p:nvGrpSpPr>
@@ -8014,7 +8100,9 @@
       <p:sp>
         <p:nvSpPr>
           <p:cNvPr id="85" name="Google Shape;85;p13"/>
-          <p:cNvSpPr txBox="1"/>
+          <p:cNvSpPr txBox="1">
+            <a:spLocks noGrp="1"/>
+          </p:cNvSpPr>
           <p:nvPr>
             <p:ph type="ctrTitle"/>
           </p:nvPr>
@@ -8029,12 +8117,12 @@
           </a:prstGeom>
         </p:spPr>
         <p:txBody>
-          <a:bodyPr anchorCtr="0" anchor="b" bIns="91425" lIns="91425" spcFirstLastPara="1" rIns="91425" wrap="square" tIns="91425">
+          <a:bodyPr spcFirstLastPara="1" wrap="square" lIns="91425" tIns="91425" rIns="91425" bIns="91425" anchor="b" anchorCtr="0">
             <a:normAutofit/>
           </a:bodyPr>
           <a:lstStyle/>
           <a:p>
-            <a:pPr indent="0" lvl="0" marL="0" rtl="0" algn="l">
+            <a:pPr marL="0" lvl="0" indent="0" algn="l" rtl="0">
               <a:spcBef>
                 <a:spcPts val="0"/>
               </a:spcBef>
@@ -8045,18 +8133,28 @@
             </a:pPr>
             <a:r>
               <a:rPr lang="es"/>
-              <a:t>Mezcla Natura	</a:t>
+              <a:t>Mezcla </a:t>
             </a:r>
-            <a:endParaRPr/>
+            <a:r>
+              <a:rPr lang="es" smtClean="0"/>
+              <a:t>Natural</a:t>
+            </a:r>
+            <a:r>
+              <a:rPr lang="es"/>
+              <a:t>	</a:t>
+            </a:r>
+            <a:endParaRPr dirty="0"/>
           </a:p>
         </p:txBody>
       </p:sp>
       <p:sp>
         <p:nvSpPr>
           <p:cNvPr id="86" name="Google Shape;86;p13"/>
-          <p:cNvSpPr txBox="1"/>
+          <p:cNvSpPr txBox="1">
+            <a:spLocks noGrp="1"/>
+          </p:cNvSpPr>
           <p:nvPr>
-            <p:ph idx="1" type="subTitle"/>
+            <p:ph type="subTitle" idx="1"/>
           </p:nvPr>
         </p:nvSpPr>
         <p:spPr>
@@ -8069,12 +8167,12 @@
           </a:prstGeom>
         </p:spPr>
         <p:txBody>
-          <a:bodyPr anchorCtr="0" anchor="t" bIns="91425" lIns="91425" spcFirstLastPara="1" rIns="91425" wrap="square" tIns="91425">
-            <a:normAutofit lnSpcReduction="10000"/>
+          <a:bodyPr spcFirstLastPara="1" wrap="square" lIns="91425" tIns="91425" rIns="91425" bIns="91425" anchor="t" anchorCtr="0">
+            <a:normAutofit/>
           </a:bodyPr>
           <a:lstStyle/>
           <a:p>
-            <a:pPr indent="0" lvl="0" marL="0" rtl="0" algn="l">
+            <a:pPr marL="0" lvl="0" indent="0" algn="l" rtl="0">
               <a:spcBef>
                 <a:spcPts val="0"/>
               </a:spcBef>
@@ -8090,7 +8188,7 @@
             <a:endParaRPr/>
           </a:p>
           <a:p>
-            <a:pPr indent="0" lvl="0" marL="0" rtl="0" algn="l">
+            <a:pPr marL="0" lvl="0" indent="0" algn="l" rtl="0">
               <a:spcBef>
                 <a:spcPts val="0"/>
               </a:spcBef>
@@ -8106,7 +8204,7 @@
             <a:endParaRPr/>
           </a:p>
           <a:p>
-            <a:pPr indent="0" lvl="0" marL="0" rtl="0" algn="l">
+            <a:pPr marL="0" lvl="0" indent="0" algn="l" rtl="0">
               <a:spcBef>
                 <a:spcPts val="0"/>
               </a:spcBef>
@@ -8122,7 +8220,7 @@
             <a:endParaRPr/>
           </a:p>
           <a:p>
-            <a:pPr indent="0" lvl="0" marL="0" rtl="0" algn="l">
+            <a:pPr marL="0" lvl="0" indent="0" algn="l" rtl="0">
               <a:spcBef>
                 <a:spcPts val="0"/>
               </a:spcBef>
@@ -8138,7 +8236,7 @@
             <a:endParaRPr/>
           </a:p>
           <a:p>
-            <a:pPr indent="0" lvl="0" marL="0" rtl="0" algn="l">
+            <a:pPr marL="0" lvl="0" indent="0" algn="l" rtl="0">
               <a:spcBef>
                 <a:spcPts val="0"/>
               </a:spcBef>
@@ -8147,9 +8245,6 @@
               </a:spcAft>
               <a:buNone/>
             </a:pPr>
-            <a:r>
-              <a:t/>
-            </a:r>
             <a:endParaRPr/>
           </a:p>
         </p:txBody>
@@ -8163,11 +8258,11 @@
 </file>
 
 <file path=ppt/slides/slide2.xml><?xml version="1.0" encoding="utf-8"?>
-<p:sld xmlns:a="http://schemas.openxmlformats.org/drawingml/2006/main" xmlns:r="http://schemas.openxmlformats.org/officeDocument/2006/relationships" xmlns:mc="http://schemas.openxmlformats.org/markup-compatibility/2006" xmlns:mv="urn:schemas-microsoft-com:mac:vml" xmlns:p="http://schemas.openxmlformats.org/presentationml/2006/main" xmlns:c="http://schemas.openxmlformats.org/drawingml/2006/chart" xmlns:dgm="http://schemas.openxmlformats.org/drawingml/2006/diagram" xmlns:o="urn:schemas-microsoft-com:office:office" xmlns:v="urn:schemas-microsoft-com:vml" xmlns:pvml="urn:schemas-microsoft-com:office:powerpoint" xmlns:com="http://schemas.openxmlformats.org/drawingml/2006/compatibility" xmlns:p14="http://schemas.microsoft.com/office/powerpoint/2010/main" xmlns:p15="http://schemas.microsoft.com/office/powerpoint/2012/main" xmlns:ahyp="http://schemas.microsoft.com/office/drawing/2018/hyperlinkcolor">
+<p:sld xmlns:a="http://schemas.openxmlformats.org/drawingml/2006/main" xmlns:r="http://schemas.openxmlformats.org/officeDocument/2006/relationships" xmlns:p="http://schemas.openxmlformats.org/presentationml/2006/main">
   <p:cSld>
     <p:spTree>
       <p:nvGrpSpPr>
-        <p:cNvPr id="90" name="Shape 90"/>
+        <p:cNvPr id="1" name="Shape 90"/>
         <p:cNvGrpSpPr/>
         <p:nvPr/>
       </p:nvGrpSpPr>
@@ -8182,7 +8277,9 @@
       <p:sp>
         <p:nvSpPr>
           <p:cNvPr id="91" name="Google Shape;91;p14"/>
-          <p:cNvSpPr txBox="1"/>
+          <p:cNvSpPr txBox="1">
+            <a:spLocks noGrp="1"/>
+          </p:cNvSpPr>
           <p:nvPr>
             <p:ph type="title"/>
           </p:nvPr>
@@ -8197,12 +8294,12 @@
           </a:prstGeom>
         </p:spPr>
         <p:txBody>
-          <a:bodyPr anchorCtr="0" anchor="t" bIns="91425" lIns="91425" spcFirstLastPara="1" rIns="91425" wrap="square" tIns="91425">
+          <a:bodyPr spcFirstLastPara="1" wrap="square" lIns="91425" tIns="91425" rIns="91425" bIns="91425" anchor="t" anchorCtr="0">
             <a:normAutofit fontScale="90000"/>
           </a:bodyPr>
           <a:lstStyle/>
           <a:p>
-            <a:pPr indent="0" lvl="0" marL="0" rtl="0" algn="l">
+            <a:pPr marL="0" lvl="0" indent="0" algn="l" rtl="0">
               <a:spcBef>
                 <a:spcPts val="0"/>
               </a:spcBef>
@@ -8222,9 +8319,11 @@
       <p:sp>
         <p:nvSpPr>
           <p:cNvPr id="92" name="Google Shape;92;p14"/>
-          <p:cNvSpPr txBox="1"/>
+          <p:cNvSpPr txBox="1">
+            <a:spLocks noGrp="1"/>
+          </p:cNvSpPr>
           <p:nvPr>
-            <p:ph idx="1" type="body"/>
+            <p:ph type="body" idx="1"/>
           </p:nvPr>
         </p:nvSpPr>
         <p:spPr>
@@ -8237,12 +8336,12 @@
           </a:prstGeom>
         </p:spPr>
         <p:txBody>
-          <a:bodyPr anchorCtr="0" anchor="t" bIns="91425" lIns="91425" spcFirstLastPara="1" rIns="91425" wrap="square" tIns="91425">
+          <a:bodyPr spcFirstLastPara="1" wrap="square" lIns="91425" tIns="91425" rIns="91425" bIns="91425" anchor="t" anchorCtr="0">
             <a:normAutofit/>
           </a:bodyPr>
           <a:lstStyle/>
           <a:p>
-            <a:pPr indent="0" lvl="0" marL="0" rtl="0" algn="l">
+            <a:pPr marL="0" lvl="0" indent="0" algn="l" rtl="0">
               <a:lnSpc>
                 <a:spcPct val="90000"/>
               </a:lnSpc>
@@ -8289,7 +8388,7 @@
             </a:endParaRPr>
           </a:p>
           <a:p>
-            <a:pPr indent="0" lvl="0" marL="0" rtl="0" algn="l">
+            <a:pPr marL="0" lvl="0" indent="0" algn="l" rtl="0">
               <a:spcBef>
                 <a:spcPts val="0"/>
               </a:spcBef>
@@ -8298,9 +8397,6 @@
               </a:spcAft>
               <a:buNone/>
             </a:pPr>
-            <a:r>
-              <a:t/>
-            </a:r>
             <a:endParaRPr/>
           </a:p>
         </p:txBody>
@@ -8314,11 +8410,11 @@
 </file>
 
 <file path=ppt/slides/slide3.xml><?xml version="1.0" encoding="utf-8"?>
-<p:sld xmlns:a="http://schemas.openxmlformats.org/drawingml/2006/main" xmlns:r="http://schemas.openxmlformats.org/officeDocument/2006/relationships" xmlns:mc="http://schemas.openxmlformats.org/markup-compatibility/2006" xmlns:mv="urn:schemas-microsoft-com:mac:vml" xmlns:p="http://schemas.openxmlformats.org/presentationml/2006/main" xmlns:c="http://schemas.openxmlformats.org/drawingml/2006/chart" xmlns:dgm="http://schemas.openxmlformats.org/drawingml/2006/diagram" xmlns:o="urn:schemas-microsoft-com:office:office" xmlns:v="urn:schemas-microsoft-com:vml" xmlns:pvml="urn:schemas-microsoft-com:office:powerpoint" xmlns:com="http://schemas.openxmlformats.org/drawingml/2006/compatibility" xmlns:p14="http://schemas.microsoft.com/office/powerpoint/2010/main" xmlns:p15="http://schemas.microsoft.com/office/powerpoint/2012/main" xmlns:ahyp="http://schemas.microsoft.com/office/drawing/2018/hyperlinkcolor">
+<p:sld xmlns:a="http://schemas.openxmlformats.org/drawingml/2006/main" xmlns:r="http://schemas.openxmlformats.org/officeDocument/2006/relationships" xmlns:p="http://schemas.openxmlformats.org/presentationml/2006/main">
   <p:cSld>
     <p:spTree>
       <p:nvGrpSpPr>
-        <p:cNvPr id="96" name="Shape 96"/>
+        <p:cNvPr id="1" name="Shape 96"/>
         <p:cNvGrpSpPr/>
         <p:nvPr/>
       </p:nvGrpSpPr>
@@ -8333,7 +8429,9 @@
       <p:sp>
         <p:nvSpPr>
           <p:cNvPr id="97" name="Google Shape;97;p15"/>
-          <p:cNvSpPr txBox="1"/>
+          <p:cNvSpPr txBox="1">
+            <a:spLocks noGrp="1"/>
+          </p:cNvSpPr>
           <p:nvPr>
             <p:ph type="title"/>
           </p:nvPr>
@@ -8348,12 +8446,12 @@
           </a:prstGeom>
         </p:spPr>
         <p:txBody>
-          <a:bodyPr anchorCtr="0" anchor="t" bIns="91425" lIns="91425" spcFirstLastPara="1" rIns="91425" wrap="square" tIns="91425">
+          <a:bodyPr spcFirstLastPara="1" wrap="square" lIns="91425" tIns="91425" rIns="91425" bIns="91425" anchor="t" anchorCtr="0">
             <a:normAutofit fontScale="90000"/>
           </a:bodyPr>
           <a:lstStyle/>
           <a:p>
-            <a:pPr indent="0" lvl="0" marL="0" rtl="0" algn="l">
+            <a:pPr marL="0" lvl="0" indent="0" algn="l" rtl="0">
               <a:spcBef>
                 <a:spcPts val="0"/>
               </a:spcBef>
@@ -8373,9 +8471,11 @@
       <p:sp>
         <p:nvSpPr>
           <p:cNvPr id="98" name="Google Shape;98;p15"/>
-          <p:cNvSpPr txBox="1"/>
+          <p:cNvSpPr txBox="1">
+            <a:spLocks noGrp="1"/>
+          </p:cNvSpPr>
           <p:nvPr>
-            <p:ph idx="1" type="body"/>
+            <p:ph type="body" idx="1"/>
           </p:nvPr>
         </p:nvSpPr>
         <p:spPr>
@@ -8388,12 +8488,12 @@
           </a:prstGeom>
         </p:spPr>
         <p:txBody>
-          <a:bodyPr anchorCtr="0" anchor="t" bIns="91425" lIns="91425" spcFirstLastPara="1" rIns="91425" wrap="square" tIns="91425">
+          <a:bodyPr spcFirstLastPara="1" wrap="square" lIns="91425" tIns="91425" rIns="91425" bIns="91425" anchor="t" anchorCtr="0">
             <a:normAutofit/>
           </a:bodyPr>
           <a:lstStyle/>
           <a:p>
-            <a:pPr indent="0" lvl="0" marL="0" rtl="0" algn="l">
+            <a:pPr marL="0" lvl="0" indent="0" algn="l" rtl="0">
               <a:spcBef>
                 <a:spcPts val="0"/>
               </a:spcBef>
@@ -8409,7 +8509,7 @@
             <a:endParaRPr/>
           </a:p>
           <a:p>
-            <a:pPr indent="0" lvl="0" marL="0" rtl="0" algn="l">
+            <a:pPr marL="0" lvl="0" indent="0" algn="l" rtl="0">
               <a:spcBef>
                 <a:spcPts val="1200"/>
               </a:spcBef>
@@ -8435,11 +8535,11 @@
 </file>
 
 <file path=ppt/slides/slide4.xml><?xml version="1.0" encoding="utf-8"?>
-<p:sld xmlns:a="http://schemas.openxmlformats.org/drawingml/2006/main" xmlns:r="http://schemas.openxmlformats.org/officeDocument/2006/relationships" xmlns:mc="http://schemas.openxmlformats.org/markup-compatibility/2006" xmlns:mv="urn:schemas-microsoft-com:mac:vml" xmlns:p="http://schemas.openxmlformats.org/presentationml/2006/main" xmlns:c="http://schemas.openxmlformats.org/drawingml/2006/chart" xmlns:dgm="http://schemas.openxmlformats.org/drawingml/2006/diagram" xmlns:o="urn:schemas-microsoft-com:office:office" xmlns:v="urn:schemas-microsoft-com:vml" xmlns:pvml="urn:schemas-microsoft-com:office:powerpoint" xmlns:com="http://schemas.openxmlformats.org/drawingml/2006/compatibility" xmlns:p14="http://schemas.microsoft.com/office/powerpoint/2010/main" xmlns:p15="http://schemas.microsoft.com/office/powerpoint/2012/main" xmlns:ahyp="http://schemas.microsoft.com/office/drawing/2018/hyperlinkcolor">
+<p:sld xmlns:a="http://schemas.openxmlformats.org/drawingml/2006/main" xmlns:r="http://schemas.openxmlformats.org/officeDocument/2006/relationships" xmlns:p="http://schemas.openxmlformats.org/presentationml/2006/main">
   <p:cSld>
     <p:spTree>
       <p:nvGrpSpPr>
-        <p:cNvPr id="102" name="Shape 102"/>
+        <p:cNvPr id="1" name="Shape 102"/>
         <p:cNvGrpSpPr/>
         <p:nvPr/>
       </p:nvGrpSpPr>
@@ -8454,7 +8554,9 @@
       <p:sp>
         <p:nvSpPr>
           <p:cNvPr id="103" name="Google Shape;103;p16"/>
-          <p:cNvSpPr txBox="1"/>
+          <p:cNvSpPr txBox="1">
+            <a:spLocks noGrp="1"/>
+          </p:cNvSpPr>
           <p:nvPr>
             <p:ph type="title"/>
           </p:nvPr>
@@ -8469,12 +8571,12 @@
           </a:prstGeom>
         </p:spPr>
         <p:txBody>
-          <a:bodyPr anchorCtr="0" anchor="t" bIns="91425" lIns="91425" spcFirstLastPara="1" rIns="91425" wrap="square" tIns="91425">
+          <a:bodyPr spcFirstLastPara="1" wrap="square" lIns="91425" tIns="91425" rIns="91425" bIns="91425" anchor="t" anchorCtr="0">
             <a:normAutofit fontScale="90000"/>
           </a:bodyPr>
           <a:lstStyle/>
           <a:p>
-            <a:pPr indent="0" lvl="0" marL="0" rtl="0" algn="l">
+            <a:pPr marL="0" lvl="0" indent="0" algn="l" rtl="0">
               <a:spcBef>
                 <a:spcPts val="0"/>
               </a:spcBef>
@@ -8494,9 +8596,11 @@
       <p:sp>
         <p:nvSpPr>
           <p:cNvPr id="104" name="Google Shape;104;p16"/>
-          <p:cNvSpPr txBox="1"/>
+          <p:cNvSpPr txBox="1">
+            <a:spLocks noGrp="1"/>
+          </p:cNvSpPr>
           <p:nvPr>
-            <p:ph idx="1" type="body"/>
+            <p:ph type="body" idx="1"/>
           </p:nvPr>
         </p:nvSpPr>
         <p:spPr>
@@ -8509,12 +8613,12 @@
           </a:prstGeom>
         </p:spPr>
         <p:txBody>
-          <a:bodyPr anchorCtr="0" anchor="t" bIns="91425" lIns="91425" spcFirstLastPara="1" rIns="91425" wrap="square" tIns="91425">
+          <a:bodyPr spcFirstLastPara="1" wrap="square" lIns="91425" tIns="91425" rIns="91425" bIns="91425" anchor="t" anchorCtr="0">
             <a:normAutofit/>
           </a:bodyPr>
           <a:lstStyle/>
           <a:p>
-            <a:pPr indent="0" lvl="0" marL="0" rtl="0" algn="l">
+            <a:pPr marL="0" lvl="0" indent="0" algn="l" rtl="0">
               <a:spcBef>
                 <a:spcPts val="0"/>
               </a:spcBef>
@@ -8530,7 +8634,7 @@
             <a:endParaRPr sz="2500"/>
           </a:p>
           <a:p>
-            <a:pPr indent="-381000" lvl="0" marL="457200" rtl="0" algn="l">
+            <a:pPr marL="457200" lvl="0" indent="-381000" algn="l" rtl="0">
               <a:spcBef>
                 <a:spcPts val="1200"/>
               </a:spcBef>
@@ -8542,20 +8646,12 @@
             </a:pPr>
             <a:r>
               <a:rPr lang="es" sz="2400"/>
-              <a:t>Se tiene un archivo original, donde </a:t>
-            </a:r>
-            <a:r>
-              <a:rPr lang="es" sz="2400"/>
-              <a:t>ocurrirá</a:t>
-            </a:r>
-            <a:r>
-              <a:rPr lang="es" sz="2400"/>
-              <a:t> el ordenamiento.</a:t>
+              <a:t>Se tiene un archivo original, donde ocurrirá el ordenamiento.</a:t>
             </a:r>
             <a:endParaRPr sz="2400"/>
           </a:p>
           <a:p>
-            <a:pPr indent="-381000" lvl="0" marL="457200" rtl="0" algn="l">
+            <a:pPr marL="457200" lvl="0" indent="-381000" algn="l" rtl="0">
               <a:spcBef>
                 <a:spcPts val="0"/>
               </a:spcBef>
@@ -8572,7 +8668,7 @@
             <a:endParaRPr sz="2400"/>
           </a:p>
           <a:p>
-            <a:pPr indent="0" lvl="0" marL="457200" rtl="0" algn="l">
+            <a:pPr marL="457200" lvl="0" indent="0" algn="l" rtl="0">
               <a:spcBef>
                 <a:spcPts val="1200"/>
               </a:spcBef>
@@ -8581,9 +8677,6 @@
               </a:spcAft>
               <a:buNone/>
             </a:pPr>
-            <a:r>
-              <a:t/>
-            </a:r>
             <a:endParaRPr/>
           </a:p>
         </p:txBody>
@@ -8597,11 +8690,11 @@
 </file>
 
 <file path=ppt/slides/slide5.xml><?xml version="1.0" encoding="utf-8"?>
-<p:sld xmlns:a="http://schemas.openxmlformats.org/drawingml/2006/main" xmlns:r="http://schemas.openxmlformats.org/officeDocument/2006/relationships" xmlns:mc="http://schemas.openxmlformats.org/markup-compatibility/2006" xmlns:mv="urn:schemas-microsoft-com:mac:vml" xmlns:p="http://schemas.openxmlformats.org/presentationml/2006/main" xmlns:c="http://schemas.openxmlformats.org/drawingml/2006/chart" xmlns:dgm="http://schemas.openxmlformats.org/drawingml/2006/diagram" xmlns:o="urn:schemas-microsoft-com:office:office" xmlns:v="urn:schemas-microsoft-com:vml" xmlns:pvml="urn:schemas-microsoft-com:office:powerpoint" xmlns:com="http://schemas.openxmlformats.org/drawingml/2006/compatibility" xmlns:p14="http://schemas.microsoft.com/office/powerpoint/2010/main" xmlns:p15="http://schemas.microsoft.com/office/powerpoint/2012/main" xmlns:ahyp="http://schemas.microsoft.com/office/drawing/2018/hyperlinkcolor">
+<p:sld xmlns:a="http://schemas.openxmlformats.org/drawingml/2006/main" xmlns:r="http://schemas.openxmlformats.org/officeDocument/2006/relationships" xmlns:p="http://schemas.openxmlformats.org/presentationml/2006/main">
   <p:cSld>
     <p:spTree>
       <p:nvGrpSpPr>
-        <p:cNvPr id="108" name="Shape 108"/>
+        <p:cNvPr id="1" name="Shape 108"/>
         <p:cNvGrpSpPr/>
         <p:nvPr/>
       </p:nvGrpSpPr>
@@ -8616,7 +8709,9 @@
       <p:sp>
         <p:nvSpPr>
           <p:cNvPr id="109" name="Google Shape;109;p17"/>
-          <p:cNvSpPr txBox="1"/>
+          <p:cNvSpPr txBox="1">
+            <a:spLocks noGrp="1"/>
+          </p:cNvSpPr>
           <p:nvPr>
             <p:ph type="title"/>
           </p:nvPr>
@@ -8631,12 +8726,12 @@
           </a:prstGeom>
         </p:spPr>
         <p:txBody>
-          <a:bodyPr anchorCtr="0" anchor="t" bIns="91425" lIns="91425" spcFirstLastPara="1" rIns="91425" wrap="square" tIns="91425">
+          <a:bodyPr spcFirstLastPara="1" wrap="square" lIns="91425" tIns="91425" rIns="91425" bIns="91425" anchor="t" anchorCtr="0">
             <a:normAutofit fontScale="90000"/>
           </a:bodyPr>
           <a:lstStyle/>
           <a:p>
-            <a:pPr indent="0" lvl="0" marL="0" rtl="0" algn="l">
+            <a:pPr marL="0" lvl="0" indent="0" algn="l" rtl="0">
               <a:spcBef>
                 <a:spcPts val="0"/>
               </a:spcBef>
@@ -8671,16 +8766,76 @@
                 <a:tableStyleId>{9DF97228-CEB7-406B-BFAD-99834FFBF28A}</a:tableStyleId>
               </a:tblPr>
               <a:tblGrid>
-                <a:gridCol w="723125"/>
-                <a:gridCol w="723125"/>
-                <a:gridCol w="723125"/>
-                <a:gridCol w="723125"/>
-                <a:gridCol w="723125"/>
-                <a:gridCol w="723125"/>
-                <a:gridCol w="723125"/>
-                <a:gridCol w="723125"/>
-                <a:gridCol w="723125"/>
-                <a:gridCol w="723125"/>
+                <a:gridCol w="723125">
+                  <a:extLst>
+                    <a:ext uri="{9D8B030D-6E8A-4147-A177-3AD203B41FA5}">
+                      <a16:colId xmlns:a16="http://schemas.microsoft.com/office/drawing/2014/main" val="20000"/>
+                    </a:ext>
+                  </a:extLst>
+                </a:gridCol>
+                <a:gridCol w="723125">
+                  <a:extLst>
+                    <a:ext uri="{9D8B030D-6E8A-4147-A177-3AD203B41FA5}">
+                      <a16:colId xmlns:a16="http://schemas.microsoft.com/office/drawing/2014/main" val="20001"/>
+                    </a:ext>
+                  </a:extLst>
+                </a:gridCol>
+                <a:gridCol w="723125">
+                  <a:extLst>
+                    <a:ext uri="{9D8B030D-6E8A-4147-A177-3AD203B41FA5}">
+                      <a16:colId xmlns:a16="http://schemas.microsoft.com/office/drawing/2014/main" val="20002"/>
+                    </a:ext>
+                  </a:extLst>
+                </a:gridCol>
+                <a:gridCol w="723125">
+                  <a:extLst>
+                    <a:ext uri="{9D8B030D-6E8A-4147-A177-3AD203B41FA5}">
+                      <a16:colId xmlns:a16="http://schemas.microsoft.com/office/drawing/2014/main" val="20003"/>
+                    </a:ext>
+                  </a:extLst>
+                </a:gridCol>
+                <a:gridCol w="723125">
+                  <a:extLst>
+                    <a:ext uri="{9D8B030D-6E8A-4147-A177-3AD203B41FA5}">
+                      <a16:colId xmlns:a16="http://schemas.microsoft.com/office/drawing/2014/main" val="20004"/>
+                    </a:ext>
+                  </a:extLst>
+                </a:gridCol>
+                <a:gridCol w="723125">
+                  <a:extLst>
+                    <a:ext uri="{9D8B030D-6E8A-4147-A177-3AD203B41FA5}">
+                      <a16:colId xmlns:a16="http://schemas.microsoft.com/office/drawing/2014/main" val="20005"/>
+                    </a:ext>
+                  </a:extLst>
+                </a:gridCol>
+                <a:gridCol w="723125">
+                  <a:extLst>
+                    <a:ext uri="{9D8B030D-6E8A-4147-A177-3AD203B41FA5}">
+                      <a16:colId xmlns:a16="http://schemas.microsoft.com/office/drawing/2014/main" val="20006"/>
+                    </a:ext>
+                  </a:extLst>
+                </a:gridCol>
+                <a:gridCol w="723125">
+                  <a:extLst>
+                    <a:ext uri="{9D8B030D-6E8A-4147-A177-3AD203B41FA5}">
+                      <a16:colId xmlns:a16="http://schemas.microsoft.com/office/drawing/2014/main" val="20007"/>
+                    </a:ext>
+                  </a:extLst>
+                </a:gridCol>
+                <a:gridCol w="723125">
+                  <a:extLst>
+                    <a:ext uri="{9D8B030D-6E8A-4147-A177-3AD203B41FA5}">
+                      <a16:colId xmlns:a16="http://schemas.microsoft.com/office/drawing/2014/main" val="20008"/>
+                    </a:ext>
+                  </a:extLst>
+                </a:gridCol>
+                <a:gridCol w="723125">
+                  <a:extLst>
+                    <a:ext uri="{9D8B030D-6E8A-4147-A177-3AD203B41FA5}">
+                      <a16:colId xmlns:a16="http://schemas.microsoft.com/office/drawing/2014/main" val="20009"/>
+                    </a:ext>
+                  </a:extLst>
+                </a:gridCol>
               </a:tblGrid>
               <a:tr h="415275">
                 <a:tc>
@@ -8688,7 +8843,7 @@
                     <a:bodyPr/>
                     <a:lstStyle/>
                     <a:p>
-                      <a:pPr indent="0" lvl="0" marL="0" rtl="0" algn="l">
+                      <a:pPr marL="0" lvl="0" indent="0" algn="l" rtl="0">
                         <a:spcBef>
                           <a:spcPts val="0"/>
                         </a:spcBef>
@@ -8704,14 +8859,14 @@
                       <a:endParaRPr/>
                     </a:p>
                   </a:txBody>
-                  <a:tcPr marT="91425" marB="91425" marR="91425" marL="91425"/>
+                  <a:tcPr marL="91425" marR="91425" marT="91425" marB="91425"/>
                 </a:tc>
                 <a:tc>
                   <a:txBody>
                     <a:bodyPr/>
                     <a:lstStyle/>
                     <a:p>
-                      <a:pPr indent="0" lvl="0" marL="0" rtl="0" algn="l">
+                      <a:pPr marL="0" lvl="0" indent="0" algn="l" rtl="0">
                         <a:spcBef>
                           <a:spcPts val="0"/>
                         </a:spcBef>
@@ -8727,14 +8882,14 @@
                       <a:endParaRPr/>
                     </a:p>
                   </a:txBody>
-                  <a:tcPr marT="91425" marB="91425" marR="91425" marL="91425"/>
+                  <a:tcPr marL="91425" marR="91425" marT="91425" marB="91425"/>
                 </a:tc>
                 <a:tc>
                   <a:txBody>
                     <a:bodyPr/>
                     <a:lstStyle/>
                     <a:p>
-                      <a:pPr indent="0" lvl="0" marL="0" rtl="0" algn="l">
+                      <a:pPr marL="0" lvl="0" indent="0" algn="l" rtl="0">
                         <a:spcBef>
                           <a:spcPts val="0"/>
                         </a:spcBef>
@@ -8750,14 +8905,14 @@
                       <a:endParaRPr/>
                     </a:p>
                   </a:txBody>
-                  <a:tcPr marT="91425" marB="91425" marR="91425" marL="91425"/>
+                  <a:tcPr marL="91425" marR="91425" marT="91425" marB="91425"/>
                 </a:tc>
                 <a:tc>
                   <a:txBody>
                     <a:bodyPr/>
                     <a:lstStyle/>
                     <a:p>
-                      <a:pPr indent="0" lvl="0" marL="0" rtl="0" algn="l">
+                      <a:pPr marL="0" lvl="0" indent="0" algn="l" rtl="0">
                         <a:spcBef>
                           <a:spcPts val="0"/>
                         </a:spcBef>
@@ -8773,14 +8928,14 @@
                       <a:endParaRPr/>
                     </a:p>
                   </a:txBody>
-                  <a:tcPr marT="91425" marB="91425" marR="91425" marL="91425"/>
+                  <a:tcPr marL="91425" marR="91425" marT="91425" marB="91425"/>
                 </a:tc>
                 <a:tc>
                   <a:txBody>
                     <a:bodyPr/>
                     <a:lstStyle/>
                     <a:p>
-                      <a:pPr indent="0" lvl="0" marL="0" rtl="0" algn="l">
+                      <a:pPr marL="0" lvl="0" indent="0" algn="l" rtl="0">
                         <a:spcBef>
                           <a:spcPts val="0"/>
                         </a:spcBef>
@@ -8796,14 +8951,14 @@
                       <a:endParaRPr/>
                     </a:p>
                   </a:txBody>
-                  <a:tcPr marT="91425" marB="91425" marR="91425" marL="91425"/>
+                  <a:tcPr marL="91425" marR="91425" marT="91425" marB="91425"/>
                 </a:tc>
                 <a:tc>
                   <a:txBody>
                     <a:bodyPr/>
                     <a:lstStyle/>
                     <a:p>
-                      <a:pPr indent="0" lvl="0" marL="0" rtl="0" algn="l">
+                      <a:pPr marL="0" lvl="0" indent="0" algn="l" rtl="0">
                         <a:spcBef>
                           <a:spcPts val="0"/>
                         </a:spcBef>
@@ -8819,14 +8974,14 @@
                       <a:endParaRPr/>
                     </a:p>
                   </a:txBody>
-                  <a:tcPr marT="91425" marB="91425" marR="91425" marL="91425"/>
+                  <a:tcPr marL="91425" marR="91425" marT="91425" marB="91425"/>
                 </a:tc>
                 <a:tc>
                   <a:txBody>
                     <a:bodyPr/>
                     <a:lstStyle/>
                     <a:p>
-                      <a:pPr indent="0" lvl="0" marL="0" rtl="0" algn="l">
+                      <a:pPr marL="0" lvl="0" indent="0" algn="l" rtl="0">
                         <a:spcBef>
                           <a:spcPts val="0"/>
                         </a:spcBef>
@@ -8842,14 +8997,14 @@
                       <a:endParaRPr/>
                     </a:p>
                   </a:txBody>
-                  <a:tcPr marT="91425" marB="91425" marR="91425" marL="91425"/>
+                  <a:tcPr marL="91425" marR="91425" marT="91425" marB="91425"/>
                 </a:tc>
                 <a:tc>
                   <a:txBody>
                     <a:bodyPr/>
                     <a:lstStyle/>
                     <a:p>
-                      <a:pPr indent="0" lvl="0" marL="0" rtl="0" algn="l">
+                      <a:pPr marL="0" lvl="0" indent="0" algn="l" rtl="0">
                         <a:spcBef>
                           <a:spcPts val="0"/>
                         </a:spcBef>
@@ -8865,14 +9020,14 @@
                       <a:endParaRPr/>
                     </a:p>
                   </a:txBody>
-                  <a:tcPr marT="91425" marB="91425" marR="91425" marL="91425"/>
+                  <a:tcPr marL="91425" marR="91425" marT="91425" marB="91425"/>
                 </a:tc>
                 <a:tc>
                   <a:txBody>
                     <a:bodyPr/>
                     <a:lstStyle/>
                     <a:p>
-                      <a:pPr indent="0" lvl="0" marL="0" rtl="0" algn="l">
+                      <a:pPr marL="0" lvl="0" indent="0" algn="l" rtl="0">
                         <a:spcBef>
                           <a:spcPts val="0"/>
                         </a:spcBef>
@@ -8888,14 +9043,14 @@
                       <a:endParaRPr/>
                     </a:p>
                   </a:txBody>
-                  <a:tcPr marT="91425" marB="91425" marR="91425" marL="91425"/>
+                  <a:tcPr marL="91425" marR="91425" marT="91425" marB="91425"/>
                 </a:tc>
                 <a:tc>
                   <a:txBody>
                     <a:bodyPr/>
                     <a:lstStyle/>
                     <a:p>
-                      <a:pPr indent="0" lvl="0" marL="0" rtl="0" algn="l">
+                      <a:pPr marL="0" lvl="0" indent="0" algn="l" rtl="0">
                         <a:spcBef>
                           <a:spcPts val="0"/>
                         </a:spcBef>
@@ -8911,8 +9066,13 @@
                       <a:endParaRPr/>
                     </a:p>
                   </a:txBody>
-                  <a:tcPr marT="91425" marB="91425" marR="91425" marL="91425"/>
+                  <a:tcPr marL="91425" marR="91425" marT="91425" marB="91425"/>
                 </a:tc>
+                <a:extLst>
+                  <a:ext uri="{0D108BD9-81ED-4DB2-BD59-A6C34878D82A}">
+                    <a16:rowId xmlns:a16="http://schemas.microsoft.com/office/drawing/2014/main" val="10000"/>
+                  </a:ext>
+                </a:extLst>
               </a:tr>
             </a:tbl>
           </a:graphicData>
@@ -8938,12 +9098,12 @@
           </a:ln>
         </p:spPr>
         <p:txBody>
-          <a:bodyPr anchorCtr="0" anchor="t" bIns="91425" lIns="91425" spcFirstLastPara="1" rIns="91425" wrap="square" tIns="91425">
+          <a:bodyPr spcFirstLastPara="1" wrap="square" lIns="91425" tIns="91425" rIns="91425" bIns="91425" anchor="t" anchorCtr="0">
             <a:spAutoFit/>
           </a:bodyPr>
           <a:lstStyle/>
           <a:p>
-            <a:pPr indent="0" lvl="0" marL="0" rtl="0" algn="l">
+            <a:pPr marL="0" lvl="0" indent="0" algn="l" rtl="0">
               <a:spcBef>
                 <a:spcPts val="0"/>
               </a:spcBef>
@@ -8990,12 +9150,12 @@
           </a:ln>
         </p:spPr>
         <p:txBody>
-          <a:bodyPr anchorCtr="0" anchor="t" bIns="91425" lIns="91425" spcFirstLastPara="1" rIns="91425" wrap="square" tIns="91425">
+          <a:bodyPr spcFirstLastPara="1" wrap="square" lIns="91425" tIns="91425" rIns="91425" bIns="91425" anchor="t" anchorCtr="0">
             <a:spAutoFit/>
           </a:bodyPr>
           <a:lstStyle/>
           <a:p>
-            <a:pPr indent="0" lvl="0" marL="0" rtl="0" algn="l">
+            <a:pPr marL="0" lvl="0" indent="0" algn="l" rtl="0">
               <a:spcBef>
                 <a:spcPts val="0"/>
               </a:spcBef>
@@ -9042,12 +9202,12 @@
           </a:ln>
         </p:spPr>
         <p:txBody>
-          <a:bodyPr anchorCtr="0" anchor="t" bIns="91425" lIns="91425" spcFirstLastPara="1" rIns="91425" wrap="square" tIns="91425">
+          <a:bodyPr spcFirstLastPara="1" wrap="square" lIns="91425" tIns="91425" rIns="91425" bIns="91425" anchor="t" anchorCtr="0">
             <a:spAutoFit/>
           </a:bodyPr>
           <a:lstStyle/>
           <a:p>
-            <a:pPr indent="0" lvl="0" marL="0" rtl="0" algn="l">
+            <a:pPr marL="0" lvl="0" indent="0" algn="l" rtl="0">
               <a:spcBef>
                 <a:spcPts val="0"/>
               </a:spcBef>
@@ -9092,16 +9252,76 @@
                 <a:tableStyleId>{9DF97228-CEB7-406B-BFAD-99834FFBF28A}</a:tableStyleId>
               </a:tblPr>
               <a:tblGrid>
-                <a:gridCol w="723125"/>
-                <a:gridCol w="723125"/>
-                <a:gridCol w="723125"/>
-                <a:gridCol w="723125"/>
-                <a:gridCol w="723125"/>
-                <a:gridCol w="723125"/>
-                <a:gridCol w="723125"/>
-                <a:gridCol w="723125"/>
-                <a:gridCol w="723125"/>
-                <a:gridCol w="723125"/>
+                <a:gridCol w="723125">
+                  <a:extLst>
+                    <a:ext uri="{9D8B030D-6E8A-4147-A177-3AD203B41FA5}">
+                      <a16:colId xmlns:a16="http://schemas.microsoft.com/office/drawing/2014/main" val="20000"/>
+                    </a:ext>
+                  </a:extLst>
+                </a:gridCol>
+                <a:gridCol w="723125">
+                  <a:extLst>
+                    <a:ext uri="{9D8B030D-6E8A-4147-A177-3AD203B41FA5}">
+                      <a16:colId xmlns:a16="http://schemas.microsoft.com/office/drawing/2014/main" val="20001"/>
+                    </a:ext>
+                  </a:extLst>
+                </a:gridCol>
+                <a:gridCol w="723125">
+                  <a:extLst>
+                    <a:ext uri="{9D8B030D-6E8A-4147-A177-3AD203B41FA5}">
+                      <a16:colId xmlns:a16="http://schemas.microsoft.com/office/drawing/2014/main" val="20002"/>
+                    </a:ext>
+                  </a:extLst>
+                </a:gridCol>
+                <a:gridCol w="723125">
+                  <a:extLst>
+                    <a:ext uri="{9D8B030D-6E8A-4147-A177-3AD203B41FA5}">
+                      <a16:colId xmlns:a16="http://schemas.microsoft.com/office/drawing/2014/main" val="20003"/>
+                    </a:ext>
+                  </a:extLst>
+                </a:gridCol>
+                <a:gridCol w="723125">
+                  <a:extLst>
+                    <a:ext uri="{9D8B030D-6E8A-4147-A177-3AD203B41FA5}">
+                      <a16:colId xmlns:a16="http://schemas.microsoft.com/office/drawing/2014/main" val="20004"/>
+                    </a:ext>
+                  </a:extLst>
+                </a:gridCol>
+                <a:gridCol w="723125">
+                  <a:extLst>
+                    <a:ext uri="{9D8B030D-6E8A-4147-A177-3AD203B41FA5}">
+                      <a16:colId xmlns:a16="http://schemas.microsoft.com/office/drawing/2014/main" val="20005"/>
+                    </a:ext>
+                  </a:extLst>
+                </a:gridCol>
+                <a:gridCol w="723125">
+                  <a:extLst>
+                    <a:ext uri="{9D8B030D-6E8A-4147-A177-3AD203B41FA5}">
+                      <a16:colId xmlns:a16="http://schemas.microsoft.com/office/drawing/2014/main" val="20006"/>
+                    </a:ext>
+                  </a:extLst>
+                </a:gridCol>
+                <a:gridCol w="723125">
+                  <a:extLst>
+                    <a:ext uri="{9D8B030D-6E8A-4147-A177-3AD203B41FA5}">
+                      <a16:colId xmlns:a16="http://schemas.microsoft.com/office/drawing/2014/main" val="20007"/>
+                    </a:ext>
+                  </a:extLst>
+                </a:gridCol>
+                <a:gridCol w="723125">
+                  <a:extLst>
+                    <a:ext uri="{9D8B030D-6E8A-4147-A177-3AD203B41FA5}">
+                      <a16:colId xmlns:a16="http://schemas.microsoft.com/office/drawing/2014/main" val="20008"/>
+                    </a:ext>
+                  </a:extLst>
+                </a:gridCol>
+                <a:gridCol w="723125">
+                  <a:extLst>
+                    <a:ext uri="{9D8B030D-6E8A-4147-A177-3AD203B41FA5}">
+                      <a16:colId xmlns:a16="http://schemas.microsoft.com/office/drawing/2014/main" val="20009"/>
+                    </a:ext>
+                  </a:extLst>
+                </a:gridCol>
               </a:tblGrid>
               <a:tr h="400200">
                 <a:tc>
@@ -9109,7 +9329,7 @@
                     <a:bodyPr/>
                     <a:lstStyle/>
                     <a:p>
-                      <a:pPr indent="0" lvl="0" marL="0" rtl="0" algn="l">
+                      <a:pPr marL="0" lvl="0" indent="0" algn="l" rtl="0">
                         <a:spcBef>
                           <a:spcPts val="0"/>
                         </a:spcBef>
@@ -9125,7 +9345,7 @@
                       <a:endParaRPr/>
                     </a:p>
                   </a:txBody>
-                  <a:tcPr marT="91425" marB="91425" marR="91425" marL="91425">
+                  <a:tcPr marL="91425" marR="91425" marT="91425" marB="91425">
                     <a:solidFill>
                       <a:srgbClr val="FFFF00"/>
                     </a:solidFill>
@@ -9136,7 +9356,7 @@
                     <a:bodyPr/>
                     <a:lstStyle/>
                     <a:p>
-                      <a:pPr indent="0" lvl="0" marL="0" rtl="0" algn="l">
+                      <a:pPr marL="0" lvl="0" indent="0" algn="l" rtl="0">
                         <a:spcBef>
                           <a:spcPts val="0"/>
                         </a:spcBef>
@@ -9152,7 +9372,7 @@
                       <a:endParaRPr/>
                     </a:p>
                   </a:txBody>
-                  <a:tcPr marT="91425" marB="91425" marR="91425" marL="91425">
+                  <a:tcPr marL="91425" marR="91425" marT="91425" marB="91425">
                     <a:solidFill>
                       <a:srgbClr val="FFFF00"/>
                     </a:solidFill>
@@ -9163,7 +9383,7 @@
                     <a:bodyPr/>
                     <a:lstStyle/>
                     <a:p>
-                      <a:pPr indent="0" lvl="0" marL="0" rtl="0" algn="l">
+                      <a:pPr marL="0" lvl="0" indent="0" algn="l" rtl="0">
                         <a:spcBef>
                           <a:spcPts val="0"/>
                         </a:spcBef>
@@ -9179,7 +9399,7 @@
                       <a:endParaRPr/>
                     </a:p>
                   </a:txBody>
-                  <a:tcPr marT="91425" marB="91425" marR="91425" marL="91425">
+                  <a:tcPr marL="91425" marR="91425" marT="91425" marB="91425">
                     <a:solidFill>
                       <a:srgbClr val="FFFF00"/>
                     </a:solidFill>
@@ -9190,7 +9410,7 @@
                     <a:bodyPr/>
                     <a:lstStyle/>
                     <a:p>
-                      <a:pPr indent="0" lvl="0" marL="0" rtl="0" algn="l">
+                      <a:pPr marL="0" lvl="0" indent="0" algn="l" rtl="0">
                         <a:spcBef>
                           <a:spcPts val="0"/>
                         </a:spcBef>
@@ -9206,7 +9426,7 @@
                       <a:endParaRPr/>
                     </a:p>
                   </a:txBody>
-                  <a:tcPr marT="91425" marB="91425" marR="91425" marL="91425">
+                  <a:tcPr marL="91425" marR="91425" marT="91425" marB="91425">
                     <a:solidFill>
                       <a:srgbClr val="FFFF00"/>
                     </a:solidFill>
@@ -9217,7 +9437,7 @@
                     <a:bodyPr/>
                     <a:lstStyle/>
                     <a:p>
-                      <a:pPr indent="0" lvl="0" marL="0" rtl="0" algn="l">
+                      <a:pPr marL="0" lvl="0" indent="0" algn="l" rtl="0">
                         <a:spcBef>
                           <a:spcPts val="0"/>
                         </a:spcBef>
@@ -9233,7 +9453,7 @@
                       <a:endParaRPr/>
                     </a:p>
                   </a:txBody>
-                  <a:tcPr marT="91425" marB="91425" marR="91425" marL="91425">
+                  <a:tcPr marL="91425" marR="91425" marT="91425" marB="91425">
                     <a:solidFill>
                       <a:srgbClr val="00FF00"/>
                     </a:solidFill>
@@ -9244,7 +9464,7 @@
                     <a:bodyPr/>
                     <a:lstStyle/>
                     <a:p>
-                      <a:pPr indent="0" lvl="0" marL="0" rtl="0" algn="l">
+                      <a:pPr marL="0" lvl="0" indent="0" algn="l" rtl="0">
                         <a:spcBef>
                           <a:spcPts val="0"/>
                         </a:spcBef>
@@ -9260,7 +9480,7 @@
                       <a:endParaRPr/>
                     </a:p>
                   </a:txBody>
-                  <a:tcPr marT="91425" marB="91425" marR="91425" marL="91425">
+                  <a:tcPr marL="91425" marR="91425" marT="91425" marB="91425">
                     <a:solidFill>
                       <a:srgbClr val="00FF00"/>
                     </a:solidFill>
@@ -9271,7 +9491,7 @@
                     <a:bodyPr/>
                     <a:lstStyle/>
                     <a:p>
-                      <a:pPr indent="0" lvl="0" marL="0" rtl="0" algn="l">
+                      <a:pPr marL="0" lvl="0" indent="0" algn="l" rtl="0">
                         <a:spcBef>
                           <a:spcPts val="0"/>
                         </a:spcBef>
@@ -9287,7 +9507,7 @@
                       <a:endParaRPr/>
                     </a:p>
                   </a:txBody>
-                  <a:tcPr marT="91425" marB="91425" marR="91425" marL="91425">
+                  <a:tcPr marL="91425" marR="91425" marT="91425" marB="91425">
                     <a:solidFill>
                       <a:srgbClr val="00FF00"/>
                     </a:solidFill>
@@ -9298,7 +9518,7 @@
                     <a:bodyPr/>
                     <a:lstStyle/>
                     <a:p>
-                      <a:pPr indent="0" lvl="0" marL="0" rtl="0" algn="l">
+                      <a:pPr marL="0" lvl="0" indent="0" algn="l" rtl="0">
                         <a:spcBef>
                           <a:spcPts val="0"/>
                         </a:spcBef>
@@ -9307,20 +9527,17 @@
                         </a:spcAft>
                         <a:buNone/>
                       </a:pPr>
-                      <a:r>
-                        <a:t/>
-                      </a:r>
                       <a:endParaRPr/>
                     </a:p>
                   </a:txBody>
-                  <a:tcPr marT="91425" marB="91425" marR="91425" marL="91425"/>
+                  <a:tcPr marL="91425" marR="91425" marT="91425" marB="91425"/>
                 </a:tc>
                 <a:tc>
                   <a:txBody>
                     <a:bodyPr/>
                     <a:lstStyle/>
                     <a:p>
-                      <a:pPr indent="0" lvl="0" marL="0" rtl="0" algn="l">
+                      <a:pPr marL="0" lvl="0" indent="0" algn="l" rtl="0">
                         <a:spcBef>
                           <a:spcPts val="0"/>
                         </a:spcBef>
@@ -9329,20 +9546,17 @@
                         </a:spcAft>
                         <a:buNone/>
                       </a:pPr>
-                      <a:r>
-                        <a:t/>
-                      </a:r>
                       <a:endParaRPr/>
                     </a:p>
                   </a:txBody>
-                  <a:tcPr marT="91425" marB="91425" marR="91425" marL="91425"/>
+                  <a:tcPr marL="91425" marR="91425" marT="91425" marB="91425"/>
                 </a:tc>
                 <a:tc>
                   <a:txBody>
                     <a:bodyPr/>
                     <a:lstStyle/>
                     <a:p>
-                      <a:pPr indent="0" lvl="0" marL="0" rtl="0" algn="l">
+                      <a:pPr marL="0" lvl="0" indent="0" algn="l" rtl="0">
                         <a:spcBef>
                           <a:spcPts val="0"/>
                         </a:spcBef>
@@ -9351,14 +9565,16 @@
                         </a:spcAft>
                         <a:buNone/>
                       </a:pPr>
-                      <a:r>
-                        <a:t/>
-                      </a:r>
                       <a:endParaRPr/>
                     </a:p>
                   </a:txBody>
-                  <a:tcPr marT="91425" marB="91425" marR="91425" marL="91425"/>
+                  <a:tcPr marL="91425" marR="91425" marT="91425" marB="91425"/>
                 </a:tc>
+                <a:extLst>
+                  <a:ext uri="{0D108BD9-81ED-4DB2-BD59-A6C34878D82A}">
+                    <a16:rowId xmlns:a16="http://schemas.microsoft.com/office/drawing/2014/main" val="10000"/>
+                  </a:ext>
+                </a:extLst>
               </a:tr>
             </a:tbl>
           </a:graphicData>
@@ -9382,16 +9598,76 @@
                 <a:tableStyleId>{9DF97228-CEB7-406B-BFAD-99834FFBF28A}</a:tableStyleId>
               </a:tblPr>
               <a:tblGrid>
-                <a:gridCol w="723125"/>
-                <a:gridCol w="723125"/>
-                <a:gridCol w="723125"/>
-                <a:gridCol w="723125"/>
-                <a:gridCol w="723125"/>
-                <a:gridCol w="723125"/>
-                <a:gridCol w="723125"/>
-                <a:gridCol w="723125"/>
-                <a:gridCol w="723125"/>
-                <a:gridCol w="723125"/>
+                <a:gridCol w="723125">
+                  <a:extLst>
+                    <a:ext uri="{9D8B030D-6E8A-4147-A177-3AD203B41FA5}">
+                      <a16:colId xmlns:a16="http://schemas.microsoft.com/office/drawing/2014/main" val="20000"/>
+                    </a:ext>
+                  </a:extLst>
+                </a:gridCol>
+                <a:gridCol w="723125">
+                  <a:extLst>
+                    <a:ext uri="{9D8B030D-6E8A-4147-A177-3AD203B41FA5}">
+                      <a16:colId xmlns:a16="http://schemas.microsoft.com/office/drawing/2014/main" val="20001"/>
+                    </a:ext>
+                  </a:extLst>
+                </a:gridCol>
+                <a:gridCol w="723125">
+                  <a:extLst>
+                    <a:ext uri="{9D8B030D-6E8A-4147-A177-3AD203B41FA5}">
+                      <a16:colId xmlns:a16="http://schemas.microsoft.com/office/drawing/2014/main" val="20002"/>
+                    </a:ext>
+                  </a:extLst>
+                </a:gridCol>
+                <a:gridCol w="723125">
+                  <a:extLst>
+                    <a:ext uri="{9D8B030D-6E8A-4147-A177-3AD203B41FA5}">
+                      <a16:colId xmlns:a16="http://schemas.microsoft.com/office/drawing/2014/main" val="20003"/>
+                    </a:ext>
+                  </a:extLst>
+                </a:gridCol>
+                <a:gridCol w="723125">
+                  <a:extLst>
+                    <a:ext uri="{9D8B030D-6E8A-4147-A177-3AD203B41FA5}">
+                      <a16:colId xmlns:a16="http://schemas.microsoft.com/office/drawing/2014/main" val="20004"/>
+                    </a:ext>
+                  </a:extLst>
+                </a:gridCol>
+                <a:gridCol w="723125">
+                  <a:extLst>
+                    <a:ext uri="{9D8B030D-6E8A-4147-A177-3AD203B41FA5}">
+                      <a16:colId xmlns:a16="http://schemas.microsoft.com/office/drawing/2014/main" val="20005"/>
+                    </a:ext>
+                  </a:extLst>
+                </a:gridCol>
+                <a:gridCol w="723125">
+                  <a:extLst>
+                    <a:ext uri="{9D8B030D-6E8A-4147-A177-3AD203B41FA5}">
+                      <a16:colId xmlns:a16="http://schemas.microsoft.com/office/drawing/2014/main" val="20006"/>
+                    </a:ext>
+                  </a:extLst>
+                </a:gridCol>
+                <a:gridCol w="723125">
+                  <a:extLst>
+                    <a:ext uri="{9D8B030D-6E8A-4147-A177-3AD203B41FA5}">
+                      <a16:colId xmlns:a16="http://schemas.microsoft.com/office/drawing/2014/main" val="20007"/>
+                    </a:ext>
+                  </a:extLst>
+                </a:gridCol>
+                <a:gridCol w="723125">
+                  <a:extLst>
+                    <a:ext uri="{9D8B030D-6E8A-4147-A177-3AD203B41FA5}">
+                      <a16:colId xmlns:a16="http://schemas.microsoft.com/office/drawing/2014/main" val="20008"/>
+                    </a:ext>
+                  </a:extLst>
+                </a:gridCol>
+                <a:gridCol w="723125">
+                  <a:extLst>
+                    <a:ext uri="{9D8B030D-6E8A-4147-A177-3AD203B41FA5}">
+                      <a16:colId xmlns:a16="http://schemas.microsoft.com/office/drawing/2014/main" val="20009"/>
+                    </a:ext>
+                  </a:extLst>
+                </a:gridCol>
               </a:tblGrid>
               <a:tr h="400200">
                 <a:tc>
@@ -9399,7 +9675,7 @@
                     <a:bodyPr/>
                     <a:lstStyle/>
                     <a:p>
-                      <a:pPr indent="0" lvl="0" marL="0" rtl="0" algn="l">
+                      <a:pPr marL="0" lvl="0" indent="0" algn="l" rtl="0">
                         <a:spcBef>
                           <a:spcPts val="0"/>
                         </a:spcBef>
@@ -9415,7 +9691,7 @@
                       <a:endParaRPr/>
                     </a:p>
                   </a:txBody>
-                  <a:tcPr marT="91425" marB="91425" marR="91425" marL="91425">
+                  <a:tcPr marL="91425" marR="91425" marT="91425" marB="91425">
                     <a:solidFill>
                       <a:srgbClr val="FF9900"/>
                     </a:solidFill>
@@ -9426,7 +9702,7 @@
                     <a:bodyPr/>
                     <a:lstStyle/>
                     <a:p>
-                      <a:pPr indent="0" lvl="0" marL="0" rtl="0" algn="l">
+                      <a:pPr marL="0" lvl="0" indent="0" algn="l" rtl="0">
                         <a:spcBef>
                           <a:spcPts val="0"/>
                         </a:spcBef>
@@ -9442,7 +9718,7 @@
                       <a:endParaRPr/>
                     </a:p>
                   </a:txBody>
-                  <a:tcPr marT="91425" marB="91425" marR="91425" marL="91425">
+                  <a:tcPr marL="91425" marR="91425" marT="91425" marB="91425">
                     <a:solidFill>
                       <a:srgbClr val="FF9900"/>
                     </a:solidFill>
@@ -9453,7 +9729,7 @@
                     <a:bodyPr/>
                     <a:lstStyle/>
                     <a:p>
-                      <a:pPr indent="0" lvl="0" marL="0" rtl="0" algn="l">
+                      <a:pPr marL="0" lvl="0" indent="0" algn="l" rtl="0">
                         <a:spcBef>
                           <a:spcPts val="0"/>
                         </a:spcBef>
@@ -9469,7 +9745,7 @@
                       <a:endParaRPr/>
                     </a:p>
                   </a:txBody>
-                  <a:tcPr marT="91425" marB="91425" marR="91425" marL="91425">
+                  <a:tcPr marL="91425" marR="91425" marT="91425" marB="91425">
                     <a:solidFill>
                       <a:srgbClr val="FF9900"/>
                     </a:solidFill>
@@ -9480,7 +9756,7 @@
                     <a:bodyPr/>
                     <a:lstStyle/>
                     <a:p>
-                      <a:pPr indent="0" lvl="0" marL="0" rtl="0" algn="l">
+                      <a:pPr marL="0" lvl="0" indent="0" algn="l" rtl="0">
                         <a:spcBef>
                           <a:spcPts val="0"/>
                         </a:spcBef>
@@ -9489,20 +9765,17 @@
                         </a:spcAft>
                         <a:buNone/>
                       </a:pPr>
-                      <a:r>
-                        <a:t/>
-                      </a:r>
                       <a:endParaRPr/>
                     </a:p>
                   </a:txBody>
-                  <a:tcPr marT="91425" marB="91425" marR="91425" marL="91425"/>
+                  <a:tcPr marL="91425" marR="91425" marT="91425" marB="91425"/>
                 </a:tc>
                 <a:tc>
                   <a:txBody>
                     <a:bodyPr/>
                     <a:lstStyle/>
                     <a:p>
-                      <a:pPr indent="0" lvl="0" marL="0" rtl="0" algn="l">
+                      <a:pPr marL="0" lvl="0" indent="0" algn="l" rtl="0">
                         <a:spcBef>
                           <a:spcPts val="0"/>
                         </a:spcBef>
@@ -9511,20 +9784,17 @@
                         </a:spcAft>
                         <a:buNone/>
                       </a:pPr>
-                      <a:r>
-                        <a:t/>
-                      </a:r>
                       <a:endParaRPr/>
                     </a:p>
                   </a:txBody>
-                  <a:tcPr marT="91425" marB="91425" marR="91425" marL="91425"/>
+                  <a:tcPr marL="91425" marR="91425" marT="91425" marB="91425"/>
                 </a:tc>
                 <a:tc>
                   <a:txBody>
                     <a:bodyPr/>
                     <a:lstStyle/>
                     <a:p>
-                      <a:pPr indent="0" lvl="0" marL="0" rtl="0" algn="l">
+                      <a:pPr marL="0" lvl="0" indent="0" algn="l" rtl="0">
                         <a:spcBef>
                           <a:spcPts val="0"/>
                         </a:spcBef>
@@ -9533,20 +9803,17 @@
                         </a:spcAft>
                         <a:buNone/>
                       </a:pPr>
-                      <a:r>
-                        <a:t/>
-                      </a:r>
                       <a:endParaRPr/>
                     </a:p>
                   </a:txBody>
-                  <a:tcPr marT="91425" marB="91425" marR="91425" marL="91425"/>
+                  <a:tcPr marL="91425" marR="91425" marT="91425" marB="91425"/>
                 </a:tc>
                 <a:tc>
                   <a:txBody>
                     <a:bodyPr/>
                     <a:lstStyle/>
                     <a:p>
-                      <a:pPr indent="0" lvl="0" marL="0" rtl="0" algn="l">
+                      <a:pPr marL="0" lvl="0" indent="0" algn="l" rtl="0">
                         <a:spcBef>
                           <a:spcPts val="0"/>
                         </a:spcBef>
@@ -9555,20 +9822,17 @@
                         </a:spcAft>
                         <a:buNone/>
                       </a:pPr>
-                      <a:r>
-                        <a:t/>
-                      </a:r>
                       <a:endParaRPr/>
                     </a:p>
                   </a:txBody>
-                  <a:tcPr marT="91425" marB="91425" marR="91425" marL="91425"/>
+                  <a:tcPr marL="91425" marR="91425" marT="91425" marB="91425"/>
                 </a:tc>
                 <a:tc>
                   <a:txBody>
                     <a:bodyPr/>
                     <a:lstStyle/>
                     <a:p>
-                      <a:pPr indent="0" lvl="0" marL="0" rtl="0" algn="l">
+                      <a:pPr marL="0" lvl="0" indent="0" algn="l" rtl="0">
                         <a:spcBef>
                           <a:spcPts val="0"/>
                         </a:spcBef>
@@ -9577,20 +9841,17 @@
                         </a:spcAft>
                         <a:buNone/>
                       </a:pPr>
-                      <a:r>
-                        <a:t/>
-                      </a:r>
                       <a:endParaRPr/>
                     </a:p>
                   </a:txBody>
-                  <a:tcPr marT="91425" marB="91425" marR="91425" marL="91425"/>
+                  <a:tcPr marL="91425" marR="91425" marT="91425" marB="91425"/>
                 </a:tc>
                 <a:tc>
                   <a:txBody>
                     <a:bodyPr/>
                     <a:lstStyle/>
                     <a:p>
-                      <a:pPr indent="0" lvl="0" marL="0" rtl="0" algn="l">
+                      <a:pPr marL="0" lvl="0" indent="0" algn="l" rtl="0">
                         <a:spcBef>
                           <a:spcPts val="0"/>
                         </a:spcBef>
@@ -9599,20 +9860,17 @@
                         </a:spcAft>
                         <a:buNone/>
                       </a:pPr>
-                      <a:r>
-                        <a:t/>
-                      </a:r>
                       <a:endParaRPr/>
                     </a:p>
                   </a:txBody>
-                  <a:tcPr marT="91425" marB="91425" marR="91425" marL="91425"/>
+                  <a:tcPr marL="91425" marR="91425" marT="91425" marB="91425"/>
                 </a:tc>
                 <a:tc>
                   <a:txBody>
                     <a:bodyPr/>
                     <a:lstStyle/>
                     <a:p>
-                      <a:pPr indent="0" lvl="0" marL="0" rtl="0" algn="l">
+                      <a:pPr marL="0" lvl="0" indent="0" algn="l" rtl="0">
                         <a:spcBef>
                           <a:spcPts val="0"/>
                         </a:spcBef>
@@ -9621,14 +9879,16 @@
                         </a:spcAft>
                         <a:buNone/>
                       </a:pPr>
-                      <a:r>
-                        <a:t/>
-                      </a:r>
                       <a:endParaRPr/>
                     </a:p>
                   </a:txBody>
-                  <a:tcPr marT="91425" marB="91425" marR="91425" marL="91425"/>
+                  <a:tcPr marL="91425" marR="91425" marT="91425" marB="91425"/>
                 </a:tc>
+                <a:extLst>
+                  <a:ext uri="{0D108BD9-81ED-4DB2-BD59-A6C34878D82A}">
+                    <a16:rowId xmlns:a16="http://schemas.microsoft.com/office/drawing/2014/main" val="10000"/>
+                  </a:ext>
+                </a:extLst>
               </a:tr>
             </a:tbl>
           </a:graphicData>
@@ -9643,11 +9903,11 @@
 </file>
 
 <file path=ppt/slides/slide6.xml><?xml version="1.0" encoding="utf-8"?>
-<p:sld xmlns:a="http://schemas.openxmlformats.org/drawingml/2006/main" xmlns:r="http://schemas.openxmlformats.org/officeDocument/2006/relationships" xmlns:mc="http://schemas.openxmlformats.org/markup-compatibility/2006" xmlns:mv="urn:schemas-microsoft-com:mac:vml" xmlns:p="http://schemas.openxmlformats.org/presentationml/2006/main" xmlns:c="http://schemas.openxmlformats.org/drawingml/2006/chart" xmlns:dgm="http://schemas.openxmlformats.org/drawingml/2006/diagram" xmlns:o="urn:schemas-microsoft-com:office:office" xmlns:v="urn:schemas-microsoft-com:vml" xmlns:pvml="urn:schemas-microsoft-com:office:powerpoint" xmlns:com="http://schemas.openxmlformats.org/drawingml/2006/compatibility" xmlns:p14="http://schemas.microsoft.com/office/powerpoint/2010/main" xmlns:p15="http://schemas.microsoft.com/office/powerpoint/2012/main" xmlns:ahyp="http://schemas.microsoft.com/office/drawing/2018/hyperlinkcolor">
+<p:sld xmlns:a="http://schemas.openxmlformats.org/drawingml/2006/main" xmlns:r="http://schemas.openxmlformats.org/officeDocument/2006/relationships" xmlns:p="http://schemas.openxmlformats.org/presentationml/2006/main">
   <p:cSld>
     <p:spTree>
       <p:nvGrpSpPr>
-        <p:cNvPr id="119" name="Shape 119"/>
+        <p:cNvPr id="1" name="Shape 119"/>
         <p:cNvGrpSpPr/>
         <p:nvPr/>
       </p:nvGrpSpPr>
@@ -9662,7 +9922,9 @@
       <p:sp>
         <p:nvSpPr>
           <p:cNvPr id="120" name="Google Shape;120;p18"/>
-          <p:cNvSpPr txBox="1"/>
+          <p:cNvSpPr txBox="1">
+            <a:spLocks noGrp="1"/>
+          </p:cNvSpPr>
           <p:nvPr>
             <p:ph type="title"/>
           </p:nvPr>
@@ -9677,12 +9939,12 @@
           </a:prstGeom>
         </p:spPr>
         <p:txBody>
-          <a:bodyPr anchorCtr="0" anchor="t" bIns="91425" lIns="91425" spcFirstLastPara="1" rIns="91425" wrap="square" tIns="91425">
+          <a:bodyPr spcFirstLastPara="1" wrap="square" lIns="91425" tIns="91425" rIns="91425" bIns="91425" anchor="t" anchorCtr="0">
             <a:normAutofit fontScale="90000"/>
           </a:bodyPr>
           <a:lstStyle/>
           <a:p>
-            <a:pPr indent="0" lvl="0" marL="0" rtl="0" algn="l">
+            <a:pPr marL="0" lvl="0" indent="0" algn="l" rtl="0">
               <a:spcBef>
                 <a:spcPts val="0"/>
               </a:spcBef>
@@ -9717,16 +9979,76 @@
                 <a:tableStyleId>{9DF97228-CEB7-406B-BFAD-99834FFBF28A}</a:tableStyleId>
               </a:tblPr>
               <a:tblGrid>
-                <a:gridCol w="731125"/>
-                <a:gridCol w="731125"/>
-                <a:gridCol w="731125"/>
-                <a:gridCol w="731125"/>
-                <a:gridCol w="731125"/>
-                <a:gridCol w="731125"/>
-                <a:gridCol w="731125"/>
-                <a:gridCol w="731125"/>
-                <a:gridCol w="731125"/>
-                <a:gridCol w="731125"/>
+                <a:gridCol w="731125">
+                  <a:extLst>
+                    <a:ext uri="{9D8B030D-6E8A-4147-A177-3AD203B41FA5}">
+                      <a16:colId xmlns:a16="http://schemas.microsoft.com/office/drawing/2014/main" val="20000"/>
+                    </a:ext>
+                  </a:extLst>
+                </a:gridCol>
+                <a:gridCol w="731125">
+                  <a:extLst>
+                    <a:ext uri="{9D8B030D-6E8A-4147-A177-3AD203B41FA5}">
+                      <a16:colId xmlns:a16="http://schemas.microsoft.com/office/drawing/2014/main" val="20001"/>
+                    </a:ext>
+                  </a:extLst>
+                </a:gridCol>
+                <a:gridCol w="731125">
+                  <a:extLst>
+                    <a:ext uri="{9D8B030D-6E8A-4147-A177-3AD203B41FA5}">
+                      <a16:colId xmlns:a16="http://schemas.microsoft.com/office/drawing/2014/main" val="20002"/>
+                    </a:ext>
+                  </a:extLst>
+                </a:gridCol>
+                <a:gridCol w="731125">
+                  <a:extLst>
+                    <a:ext uri="{9D8B030D-6E8A-4147-A177-3AD203B41FA5}">
+                      <a16:colId xmlns:a16="http://schemas.microsoft.com/office/drawing/2014/main" val="20003"/>
+                    </a:ext>
+                  </a:extLst>
+                </a:gridCol>
+                <a:gridCol w="731125">
+                  <a:extLst>
+                    <a:ext uri="{9D8B030D-6E8A-4147-A177-3AD203B41FA5}">
+                      <a16:colId xmlns:a16="http://schemas.microsoft.com/office/drawing/2014/main" val="20004"/>
+                    </a:ext>
+                  </a:extLst>
+                </a:gridCol>
+                <a:gridCol w="731125">
+                  <a:extLst>
+                    <a:ext uri="{9D8B030D-6E8A-4147-A177-3AD203B41FA5}">
+                      <a16:colId xmlns:a16="http://schemas.microsoft.com/office/drawing/2014/main" val="20005"/>
+                    </a:ext>
+                  </a:extLst>
+                </a:gridCol>
+                <a:gridCol w="731125">
+                  <a:extLst>
+                    <a:ext uri="{9D8B030D-6E8A-4147-A177-3AD203B41FA5}">
+                      <a16:colId xmlns:a16="http://schemas.microsoft.com/office/drawing/2014/main" val="20006"/>
+                    </a:ext>
+                  </a:extLst>
+                </a:gridCol>
+                <a:gridCol w="731125">
+                  <a:extLst>
+                    <a:ext uri="{9D8B030D-6E8A-4147-A177-3AD203B41FA5}">
+                      <a16:colId xmlns:a16="http://schemas.microsoft.com/office/drawing/2014/main" val="20007"/>
+                    </a:ext>
+                  </a:extLst>
+                </a:gridCol>
+                <a:gridCol w="731125">
+                  <a:extLst>
+                    <a:ext uri="{9D8B030D-6E8A-4147-A177-3AD203B41FA5}">
+                      <a16:colId xmlns:a16="http://schemas.microsoft.com/office/drawing/2014/main" val="20008"/>
+                    </a:ext>
+                  </a:extLst>
+                </a:gridCol>
+                <a:gridCol w="731125">
+                  <a:extLst>
+                    <a:ext uri="{9D8B030D-6E8A-4147-A177-3AD203B41FA5}">
+                      <a16:colId xmlns:a16="http://schemas.microsoft.com/office/drawing/2014/main" val="20009"/>
+                    </a:ext>
+                  </a:extLst>
+                </a:gridCol>
               </a:tblGrid>
               <a:tr h="400200">
                 <a:tc>
@@ -9734,7 +10056,7 @@
                     <a:bodyPr/>
                     <a:lstStyle/>
                     <a:p>
-                      <a:pPr indent="0" lvl="0" marL="0" rtl="0" algn="l">
+                      <a:pPr marL="0" lvl="0" indent="0" algn="l" rtl="0">
                         <a:spcBef>
                           <a:spcPts val="0"/>
                         </a:spcBef>
@@ -9750,14 +10072,14 @@
                       <a:endParaRPr/>
                     </a:p>
                   </a:txBody>
-                  <a:tcPr marT="91425" marB="91425" marR="91425" marL="91425"/>
+                  <a:tcPr marL="91425" marR="91425" marT="91425" marB="91425"/>
                 </a:tc>
                 <a:tc>
                   <a:txBody>
                     <a:bodyPr/>
                     <a:lstStyle/>
                     <a:p>
-                      <a:pPr indent="0" lvl="0" marL="0" rtl="0" algn="l">
+                      <a:pPr marL="0" lvl="0" indent="0" algn="l" rtl="0">
                         <a:spcBef>
                           <a:spcPts val="0"/>
                         </a:spcBef>
@@ -9773,14 +10095,14 @@
                       <a:endParaRPr/>
                     </a:p>
                   </a:txBody>
-                  <a:tcPr marT="91425" marB="91425" marR="91425" marL="91425"/>
+                  <a:tcPr marL="91425" marR="91425" marT="91425" marB="91425"/>
                 </a:tc>
                 <a:tc>
                   <a:txBody>
                     <a:bodyPr/>
                     <a:lstStyle/>
                     <a:p>
-                      <a:pPr indent="0" lvl="0" marL="0" rtl="0" algn="l">
+                      <a:pPr marL="0" lvl="0" indent="0" algn="l" rtl="0">
                         <a:spcBef>
                           <a:spcPts val="0"/>
                         </a:spcBef>
@@ -9796,14 +10118,14 @@
                       <a:endParaRPr/>
                     </a:p>
                   </a:txBody>
-                  <a:tcPr marT="91425" marB="91425" marR="91425" marL="91425"/>
+                  <a:tcPr marL="91425" marR="91425" marT="91425" marB="91425"/>
                 </a:tc>
                 <a:tc>
                   <a:txBody>
                     <a:bodyPr/>
                     <a:lstStyle/>
                     <a:p>
-                      <a:pPr indent="0" lvl="0" marL="0" rtl="0" algn="l">
+                      <a:pPr marL="0" lvl="0" indent="0" algn="l" rtl="0">
                         <a:spcBef>
                           <a:spcPts val="0"/>
                         </a:spcBef>
@@ -9819,14 +10141,14 @@
                       <a:endParaRPr/>
                     </a:p>
                   </a:txBody>
-                  <a:tcPr marT="91425" marB="91425" marR="91425" marL="91425"/>
+                  <a:tcPr marL="91425" marR="91425" marT="91425" marB="91425"/>
                 </a:tc>
                 <a:tc>
                   <a:txBody>
                     <a:bodyPr/>
                     <a:lstStyle/>
                     <a:p>
-                      <a:pPr indent="0" lvl="0" marL="0" rtl="0" algn="l">
+                      <a:pPr marL="0" lvl="0" indent="0" algn="l" rtl="0">
                         <a:spcBef>
                           <a:spcPts val="0"/>
                         </a:spcBef>
@@ -9842,14 +10164,14 @@
                       <a:endParaRPr/>
                     </a:p>
                   </a:txBody>
-                  <a:tcPr marT="91425" marB="91425" marR="91425" marL="91425"/>
+                  <a:tcPr marL="91425" marR="91425" marT="91425" marB="91425"/>
                 </a:tc>
                 <a:tc>
                   <a:txBody>
                     <a:bodyPr/>
                     <a:lstStyle/>
                     <a:p>
-                      <a:pPr indent="0" lvl="0" marL="0" rtl="0" algn="l">
+                      <a:pPr marL="0" lvl="0" indent="0" algn="l" rtl="0">
                         <a:spcBef>
                           <a:spcPts val="0"/>
                         </a:spcBef>
@@ -9865,14 +10187,14 @@
                       <a:endParaRPr/>
                     </a:p>
                   </a:txBody>
-                  <a:tcPr marT="91425" marB="91425" marR="91425" marL="91425"/>
+                  <a:tcPr marL="91425" marR="91425" marT="91425" marB="91425"/>
                 </a:tc>
                 <a:tc>
                   <a:txBody>
                     <a:bodyPr/>
                     <a:lstStyle/>
                     <a:p>
-                      <a:pPr indent="0" lvl="0" marL="0" rtl="0" algn="l">
+                      <a:pPr marL="0" lvl="0" indent="0" algn="l" rtl="0">
                         <a:spcBef>
                           <a:spcPts val="0"/>
                         </a:spcBef>
@@ -9888,14 +10210,14 @@
                       <a:endParaRPr/>
                     </a:p>
                   </a:txBody>
-                  <a:tcPr marT="91425" marB="91425" marR="91425" marL="91425"/>
+                  <a:tcPr marL="91425" marR="91425" marT="91425" marB="91425"/>
                 </a:tc>
                 <a:tc>
                   <a:txBody>
                     <a:bodyPr/>
                     <a:lstStyle/>
                     <a:p>
-                      <a:pPr indent="0" lvl="0" marL="0" rtl="0" algn="l">
+                      <a:pPr marL="0" lvl="0" indent="0" algn="l" rtl="0">
                         <a:spcBef>
                           <a:spcPts val="0"/>
                         </a:spcBef>
@@ -9911,14 +10233,14 @@
                       <a:endParaRPr/>
                     </a:p>
                   </a:txBody>
-                  <a:tcPr marT="91425" marB="91425" marR="91425" marL="91425"/>
+                  <a:tcPr marL="91425" marR="91425" marT="91425" marB="91425"/>
                 </a:tc>
                 <a:tc>
                   <a:txBody>
                     <a:bodyPr/>
                     <a:lstStyle/>
                     <a:p>
-                      <a:pPr indent="0" lvl="0" marL="0" rtl="0" algn="l">
+                      <a:pPr marL="0" lvl="0" indent="0" algn="l" rtl="0">
                         <a:spcBef>
                           <a:spcPts val="0"/>
                         </a:spcBef>
@@ -9934,14 +10256,14 @@
                       <a:endParaRPr/>
                     </a:p>
                   </a:txBody>
-                  <a:tcPr marT="91425" marB="91425" marR="91425" marL="91425"/>
+                  <a:tcPr marL="91425" marR="91425" marT="91425" marB="91425"/>
                 </a:tc>
                 <a:tc>
                   <a:txBody>
                     <a:bodyPr/>
                     <a:lstStyle/>
                     <a:p>
-                      <a:pPr indent="0" lvl="0" marL="0" rtl="0" algn="l">
+                      <a:pPr marL="0" lvl="0" indent="0" algn="l" rtl="0">
                         <a:spcBef>
                           <a:spcPts val="0"/>
                         </a:spcBef>
@@ -9957,8 +10279,13 @@
                       <a:endParaRPr/>
                     </a:p>
                   </a:txBody>
-                  <a:tcPr marT="91425" marB="91425" marR="91425" marL="91425"/>
+                  <a:tcPr marL="91425" marR="91425" marT="91425" marB="91425"/>
                 </a:tc>
+                <a:extLst>
+                  <a:ext uri="{0D108BD9-81ED-4DB2-BD59-A6C34878D82A}">
+                    <a16:rowId xmlns:a16="http://schemas.microsoft.com/office/drawing/2014/main" val="10000"/>
+                  </a:ext>
+                </a:extLst>
               </a:tr>
             </a:tbl>
           </a:graphicData>
@@ -9984,12 +10311,12 @@
           </a:ln>
         </p:spPr>
         <p:txBody>
-          <a:bodyPr anchorCtr="0" anchor="t" bIns="91425" lIns="91425" spcFirstLastPara="1" rIns="91425" wrap="square" tIns="91425">
+          <a:bodyPr spcFirstLastPara="1" wrap="square" lIns="91425" tIns="91425" rIns="91425" bIns="91425" anchor="t" anchorCtr="0">
             <a:spAutoFit/>
           </a:bodyPr>
           <a:lstStyle/>
           <a:p>
-            <a:pPr indent="0" lvl="0" marL="0" rtl="0" algn="l">
+            <a:pPr marL="0" lvl="0" indent="0" algn="l" rtl="0">
               <a:spcBef>
                 <a:spcPts val="0"/>
               </a:spcBef>
@@ -10036,12 +10363,12 @@
           </a:ln>
         </p:spPr>
         <p:txBody>
-          <a:bodyPr anchorCtr="0" anchor="t" bIns="91425" lIns="91425" spcFirstLastPara="1" rIns="91425" wrap="square" tIns="91425">
+          <a:bodyPr spcFirstLastPara="1" wrap="square" lIns="91425" tIns="91425" rIns="91425" bIns="91425" anchor="t" anchorCtr="0">
             <a:spAutoFit/>
           </a:bodyPr>
           <a:lstStyle/>
           <a:p>
-            <a:pPr indent="0" lvl="0" marL="0" rtl="0" algn="l">
+            <a:pPr marL="0" lvl="0" indent="0" algn="l" rtl="0">
               <a:spcBef>
                 <a:spcPts val="0"/>
               </a:spcBef>
@@ -10088,12 +10415,12 @@
           </a:ln>
         </p:spPr>
         <p:txBody>
-          <a:bodyPr anchorCtr="0" anchor="t" bIns="91425" lIns="91425" spcFirstLastPara="1" rIns="91425" wrap="square" tIns="91425">
+          <a:bodyPr spcFirstLastPara="1" wrap="square" lIns="91425" tIns="91425" rIns="91425" bIns="91425" anchor="t" anchorCtr="0">
             <a:spAutoFit/>
           </a:bodyPr>
           <a:lstStyle/>
           <a:p>
-            <a:pPr indent="0" lvl="0" marL="0" rtl="0" algn="l">
+            <a:pPr marL="0" lvl="0" indent="0" algn="l" rtl="0">
               <a:spcBef>
                 <a:spcPts val="0"/>
               </a:spcBef>
@@ -10138,16 +10465,76 @@
                 <a:tableStyleId>{9DF97228-CEB7-406B-BFAD-99834FFBF28A}</a:tableStyleId>
               </a:tblPr>
               <a:tblGrid>
-                <a:gridCol w="723125"/>
-                <a:gridCol w="723125"/>
-                <a:gridCol w="723125"/>
-                <a:gridCol w="723125"/>
-                <a:gridCol w="723125"/>
-                <a:gridCol w="723125"/>
-                <a:gridCol w="723125"/>
-                <a:gridCol w="723125"/>
-                <a:gridCol w="723125"/>
-                <a:gridCol w="723125"/>
+                <a:gridCol w="723125">
+                  <a:extLst>
+                    <a:ext uri="{9D8B030D-6E8A-4147-A177-3AD203B41FA5}">
+                      <a16:colId xmlns:a16="http://schemas.microsoft.com/office/drawing/2014/main" val="20000"/>
+                    </a:ext>
+                  </a:extLst>
+                </a:gridCol>
+                <a:gridCol w="723125">
+                  <a:extLst>
+                    <a:ext uri="{9D8B030D-6E8A-4147-A177-3AD203B41FA5}">
+                      <a16:colId xmlns:a16="http://schemas.microsoft.com/office/drawing/2014/main" val="20001"/>
+                    </a:ext>
+                  </a:extLst>
+                </a:gridCol>
+                <a:gridCol w="723125">
+                  <a:extLst>
+                    <a:ext uri="{9D8B030D-6E8A-4147-A177-3AD203B41FA5}">
+                      <a16:colId xmlns:a16="http://schemas.microsoft.com/office/drawing/2014/main" val="20002"/>
+                    </a:ext>
+                  </a:extLst>
+                </a:gridCol>
+                <a:gridCol w="723125">
+                  <a:extLst>
+                    <a:ext uri="{9D8B030D-6E8A-4147-A177-3AD203B41FA5}">
+                      <a16:colId xmlns:a16="http://schemas.microsoft.com/office/drawing/2014/main" val="20003"/>
+                    </a:ext>
+                  </a:extLst>
+                </a:gridCol>
+                <a:gridCol w="723125">
+                  <a:extLst>
+                    <a:ext uri="{9D8B030D-6E8A-4147-A177-3AD203B41FA5}">
+                      <a16:colId xmlns:a16="http://schemas.microsoft.com/office/drawing/2014/main" val="20004"/>
+                    </a:ext>
+                  </a:extLst>
+                </a:gridCol>
+                <a:gridCol w="723125">
+                  <a:extLst>
+                    <a:ext uri="{9D8B030D-6E8A-4147-A177-3AD203B41FA5}">
+                      <a16:colId xmlns:a16="http://schemas.microsoft.com/office/drawing/2014/main" val="20005"/>
+                    </a:ext>
+                  </a:extLst>
+                </a:gridCol>
+                <a:gridCol w="723125">
+                  <a:extLst>
+                    <a:ext uri="{9D8B030D-6E8A-4147-A177-3AD203B41FA5}">
+                      <a16:colId xmlns:a16="http://schemas.microsoft.com/office/drawing/2014/main" val="20006"/>
+                    </a:ext>
+                  </a:extLst>
+                </a:gridCol>
+                <a:gridCol w="723125">
+                  <a:extLst>
+                    <a:ext uri="{9D8B030D-6E8A-4147-A177-3AD203B41FA5}">
+                      <a16:colId xmlns:a16="http://schemas.microsoft.com/office/drawing/2014/main" val="20007"/>
+                    </a:ext>
+                  </a:extLst>
+                </a:gridCol>
+                <a:gridCol w="723125">
+                  <a:extLst>
+                    <a:ext uri="{9D8B030D-6E8A-4147-A177-3AD203B41FA5}">
+                      <a16:colId xmlns:a16="http://schemas.microsoft.com/office/drawing/2014/main" val="20008"/>
+                    </a:ext>
+                  </a:extLst>
+                </a:gridCol>
+                <a:gridCol w="723125">
+                  <a:extLst>
+                    <a:ext uri="{9D8B030D-6E8A-4147-A177-3AD203B41FA5}">
+                      <a16:colId xmlns:a16="http://schemas.microsoft.com/office/drawing/2014/main" val="20009"/>
+                    </a:ext>
+                  </a:extLst>
+                </a:gridCol>
               </a:tblGrid>
               <a:tr h="400200">
                 <a:tc>
@@ -10155,7 +10542,7 @@
                     <a:bodyPr/>
                     <a:lstStyle/>
                     <a:p>
-                      <a:pPr indent="0" lvl="0" marL="0" rtl="0" algn="l">
+                      <a:pPr marL="0" lvl="0" indent="0" algn="l" rtl="0">
                         <a:spcBef>
                           <a:spcPts val="0"/>
                         </a:spcBef>
@@ -10171,7 +10558,7 @@
                       <a:endParaRPr/>
                     </a:p>
                   </a:txBody>
-                  <a:tcPr marT="91425" marB="91425" marR="91425" marL="91425">
+                  <a:tcPr marL="91425" marR="91425" marT="91425" marB="91425">
                     <a:solidFill>
                       <a:srgbClr val="FFFF00"/>
                     </a:solidFill>
@@ -10182,7 +10569,7 @@
                     <a:bodyPr/>
                     <a:lstStyle/>
                     <a:p>
-                      <a:pPr indent="0" lvl="0" marL="0" rtl="0" algn="l">
+                      <a:pPr marL="0" lvl="0" indent="0" algn="l" rtl="0">
                         <a:spcBef>
                           <a:spcPts val="0"/>
                         </a:spcBef>
@@ -10198,7 +10585,7 @@
                       <a:endParaRPr/>
                     </a:p>
                   </a:txBody>
-                  <a:tcPr marT="91425" marB="91425" marR="91425" marL="91425">
+                  <a:tcPr marL="91425" marR="91425" marT="91425" marB="91425">
                     <a:solidFill>
                       <a:srgbClr val="FFFF00"/>
                     </a:solidFill>
@@ -10209,7 +10596,7 @@
                     <a:bodyPr/>
                     <a:lstStyle/>
                     <a:p>
-                      <a:pPr indent="0" lvl="0" marL="0" rtl="0" algn="l">
+                      <a:pPr marL="0" lvl="0" indent="0" algn="l" rtl="0">
                         <a:spcBef>
                           <a:spcPts val="0"/>
                         </a:spcBef>
@@ -10225,7 +10612,7 @@
                       <a:endParaRPr/>
                     </a:p>
                   </a:txBody>
-                  <a:tcPr marT="91425" marB="91425" marR="91425" marL="91425">
+                  <a:tcPr marL="91425" marR="91425" marT="91425" marB="91425">
                     <a:solidFill>
                       <a:srgbClr val="FFFF00"/>
                     </a:solidFill>
@@ -10236,7 +10623,7 @@
                     <a:bodyPr/>
                     <a:lstStyle/>
                     <a:p>
-                      <a:pPr indent="0" lvl="0" marL="0" rtl="0" algn="l">
+                      <a:pPr marL="0" lvl="0" indent="0" algn="l" rtl="0">
                         <a:spcBef>
                           <a:spcPts val="0"/>
                         </a:spcBef>
@@ -10252,7 +10639,7 @@
                       <a:endParaRPr/>
                     </a:p>
                   </a:txBody>
-                  <a:tcPr marT="91425" marB="91425" marR="91425" marL="91425">
+                  <a:tcPr marL="91425" marR="91425" marT="91425" marB="91425">
                     <a:solidFill>
                       <a:srgbClr val="FFFF00"/>
                     </a:solidFill>
@@ -10263,7 +10650,7 @@
                     <a:bodyPr/>
                     <a:lstStyle/>
                     <a:p>
-                      <a:pPr indent="0" lvl="0" marL="0" rtl="0" algn="l">
+                      <a:pPr marL="0" lvl="0" indent="0" algn="l" rtl="0">
                         <a:spcBef>
                           <a:spcPts val="0"/>
                         </a:spcBef>
@@ -10279,7 +10666,7 @@
                       <a:endParaRPr/>
                     </a:p>
                   </a:txBody>
-                  <a:tcPr marT="91425" marB="91425" marR="91425" marL="91425">
+                  <a:tcPr marL="91425" marR="91425" marT="91425" marB="91425">
                     <a:solidFill>
                       <a:srgbClr val="00FF00"/>
                     </a:solidFill>
@@ -10290,7 +10677,7 @@
                     <a:bodyPr/>
                     <a:lstStyle/>
                     <a:p>
-                      <a:pPr indent="0" lvl="0" marL="0" rtl="0" algn="l">
+                      <a:pPr marL="0" lvl="0" indent="0" algn="l" rtl="0">
                         <a:spcBef>
                           <a:spcPts val="0"/>
                         </a:spcBef>
@@ -10306,7 +10693,7 @@
                       <a:endParaRPr/>
                     </a:p>
                   </a:txBody>
-                  <a:tcPr marT="91425" marB="91425" marR="91425" marL="91425">
+                  <a:tcPr marL="91425" marR="91425" marT="91425" marB="91425">
                     <a:solidFill>
                       <a:srgbClr val="00FF00"/>
                     </a:solidFill>
@@ -10317,7 +10704,7 @@
                     <a:bodyPr/>
                     <a:lstStyle/>
                     <a:p>
-                      <a:pPr indent="0" lvl="0" marL="0" rtl="0" algn="l">
+                      <a:pPr marL="0" lvl="0" indent="0" algn="l" rtl="0">
                         <a:spcBef>
                           <a:spcPts val="0"/>
                         </a:spcBef>
@@ -10333,7 +10720,7 @@
                       <a:endParaRPr/>
                     </a:p>
                   </a:txBody>
-                  <a:tcPr marT="91425" marB="91425" marR="91425" marL="91425">
+                  <a:tcPr marL="91425" marR="91425" marT="91425" marB="91425">
                     <a:solidFill>
                       <a:srgbClr val="00FF00"/>
                     </a:solidFill>
@@ -10344,7 +10731,7 @@
                     <a:bodyPr/>
                     <a:lstStyle/>
                     <a:p>
-                      <a:pPr indent="0" lvl="0" marL="0" rtl="0" algn="l">
+                      <a:pPr marL="0" lvl="0" indent="0" algn="l" rtl="0">
                         <a:spcBef>
                           <a:spcPts val="0"/>
                         </a:spcBef>
@@ -10353,20 +10740,17 @@
                         </a:spcAft>
                         <a:buNone/>
                       </a:pPr>
-                      <a:r>
-                        <a:t/>
-                      </a:r>
                       <a:endParaRPr/>
                     </a:p>
                   </a:txBody>
-                  <a:tcPr marT="91425" marB="91425" marR="91425" marL="91425"/>
+                  <a:tcPr marL="91425" marR="91425" marT="91425" marB="91425"/>
                 </a:tc>
                 <a:tc>
                   <a:txBody>
                     <a:bodyPr/>
                     <a:lstStyle/>
                     <a:p>
-                      <a:pPr indent="0" lvl="0" marL="0" rtl="0" algn="l">
+                      <a:pPr marL="0" lvl="0" indent="0" algn="l" rtl="0">
                         <a:spcBef>
                           <a:spcPts val="0"/>
                         </a:spcBef>
@@ -10375,20 +10759,17 @@
                         </a:spcAft>
                         <a:buNone/>
                       </a:pPr>
-                      <a:r>
-                        <a:t/>
-                      </a:r>
                       <a:endParaRPr/>
                     </a:p>
                   </a:txBody>
-                  <a:tcPr marT="91425" marB="91425" marR="91425" marL="91425"/>
+                  <a:tcPr marL="91425" marR="91425" marT="91425" marB="91425"/>
                 </a:tc>
                 <a:tc>
                   <a:txBody>
                     <a:bodyPr/>
                     <a:lstStyle/>
                     <a:p>
-                      <a:pPr indent="0" lvl="0" marL="0" rtl="0" algn="l">
+                      <a:pPr marL="0" lvl="0" indent="0" algn="l" rtl="0">
                         <a:spcBef>
                           <a:spcPts val="0"/>
                         </a:spcBef>
@@ -10397,14 +10778,16 @@
                         </a:spcAft>
                         <a:buNone/>
                       </a:pPr>
-                      <a:r>
-                        <a:t/>
-                      </a:r>
                       <a:endParaRPr/>
                     </a:p>
                   </a:txBody>
-                  <a:tcPr marT="91425" marB="91425" marR="91425" marL="91425"/>
+                  <a:tcPr marL="91425" marR="91425" marT="91425" marB="91425"/>
                 </a:tc>
+                <a:extLst>
+                  <a:ext uri="{0D108BD9-81ED-4DB2-BD59-A6C34878D82A}">
+                    <a16:rowId xmlns:a16="http://schemas.microsoft.com/office/drawing/2014/main" val="10000"/>
+                  </a:ext>
+                </a:extLst>
               </a:tr>
             </a:tbl>
           </a:graphicData>
@@ -10428,16 +10811,76 @@
                 <a:tableStyleId>{9DF97228-CEB7-406B-BFAD-99834FFBF28A}</a:tableStyleId>
               </a:tblPr>
               <a:tblGrid>
-                <a:gridCol w="723125"/>
-                <a:gridCol w="723125"/>
-                <a:gridCol w="723125"/>
-                <a:gridCol w="723125"/>
-                <a:gridCol w="723125"/>
-                <a:gridCol w="723125"/>
-                <a:gridCol w="723125"/>
-                <a:gridCol w="723125"/>
-                <a:gridCol w="723125"/>
-                <a:gridCol w="723125"/>
+                <a:gridCol w="723125">
+                  <a:extLst>
+                    <a:ext uri="{9D8B030D-6E8A-4147-A177-3AD203B41FA5}">
+                      <a16:colId xmlns:a16="http://schemas.microsoft.com/office/drawing/2014/main" val="20000"/>
+                    </a:ext>
+                  </a:extLst>
+                </a:gridCol>
+                <a:gridCol w="723125">
+                  <a:extLst>
+                    <a:ext uri="{9D8B030D-6E8A-4147-A177-3AD203B41FA5}">
+                      <a16:colId xmlns:a16="http://schemas.microsoft.com/office/drawing/2014/main" val="20001"/>
+                    </a:ext>
+                  </a:extLst>
+                </a:gridCol>
+                <a:gridCol w="723125">
+                  <a:extLst>
+                    <a:ext uri="{9D8B030D-6E8A-4147-A177-3AD203B41FA5}">
+                      <a16:colId xmlns:a16="http://schemas.microsoft.com/office/drawing/2014/main" val="20002"/>
+                    </a:ext>
+                  </a:extLst>
+                </a:gridCol>
+                <a:gridCol w="723125">
+                  <a:extLst>
+                    <a:ext uri="{9D8B030D-6E8A-4147-A177-3AD203B41FA5}">
+                      <a16:colId xmlns:a16="http://schemas.microsoft.com/office/drawing/2014/main" val="20003"/>
+                    </a:ext>
+                  </a:extLst>
+                </a:gridCol>
+                <a:gridCol w="723125">
+                  <a:extLst>
+                    <a:ext uri="{9D8B030D-6E8A-4147-A177-3AD203B41FA5}">
+                      <a16:colId xmlns:a16="http://schemas.microsoft.com/office/drawing/2014/main" val="20004"/>
+                    </a:ext>
+                  </a:extLst>
+                </a:gridCol>
+                <a:gridCol w="723125">
+                  <a:extLst>
+                    <a:ext uri="{9D8B030D-6E8A-4147-A177-3AD203B41FA5}">
+                      <a16:colId xmlns:a16="http://schemas.microsoft.com/office/drawing/2014/main" val="20005"/>
+                    </a:ext>
+                  </a:extLst>
+                </a:gridCol>
+                <a:gridCol w="723125">
+                  <a:extLst>
+                    <a:ext uri="{9D8B030D-6E8A-4147-A177-3AD203B41FA5}">
+                      <a16:colId xmlns:a16="http://schemas.microsoft.com/office/drawing/2014/main" val="20006"/>
+                    </a:ext>
+                  </a:extLst>
+                </a:gridCol>
+                <a:gridCol w="723125">
+                  <a:extLst>
+                    <a:ext uri="{9D8B030D-6E8A-4147-A177-3AD203B41FA5}">
+                      <a16:colId xmlns:a16="http://schemas.microsoft.com/office/drawing/2014/main" val="20007"/>
+                    </a:ext>
+                  </a:extLst>
+                </a:gridCol>
+                <a:gridCol w="723125">
+                  <a:extLst>
+                    <a:ext uri="{9D8B030D-6E8A-4147-A177-3AD203B41FA5}">
+                      <a16:colId xmlns:a16="http://schemas.microsoft.com/office/drawing/2014/main" val="20008"/>
+                    </a:ext>
+                  </a:extLst>
+                </a:gridCol>
+                <a:gridCol w="723125">
+                  <a:extLst>
+                    <a:ext uri="{9D8B030D-6E8A-4147-A177-3AD203B41FA5}">
+                      <a16:colId xmlns:a16="http://schemas.microsoft.com/office/drawing/2014/main" val="20009"/>
+                    </a:ext>
+                  </a:extLst>
+                </a:gridCol>
               </a:tblGrid>
               <a:tr h="400200">
                 <a:tc>
@@ -10445,7 +10888,7 @@
                     <a:bodyPr/>
                     <a:lstStyle/>
                     <a:p>
-                      <a:pPr indent="0" lvl="0" marL="0" rtl="0" algn="l">
+                      <a:pPr marL="0" lvl="0" indent="0" algn="l" rtl="0">
                         <a:spcBef>
                           <a:spcPts val="0"/>
                         </a:spcBef>
@@ -10461,7 +10904,7 @@
                       <a:endParaRPr/>
                     </a:p>
                   </a:txBody>
-                  <a:tcPr marT="91425" marB="91425" marR="91425" marL="91425">
+                  <a:tcPr marL="91425" marR="91425" marT="91425" marB="91425">
                     <a:solidFill>
                       <a:srgbClr val="FF9900"/>
                     </a:solidFill>
@@ -10472,7 +10915,7 @@
                     <a:bodyPr/>
                     <a:lstStyle/>
                     <a:p>
-                      <a:pPr indent="0" lvl="0" marL="0" rtl="0" algn="l">
+                      <a:pPr marL="0" lvl="0" indent="0" algn="l" rtl="0">
                         <a:spcBef>
                           <a:spcPts val="0"/>
                         </a:spcBef>
@@ -10488,7 +10931,7 @@
                       <a:endParaRPr/>
                     </a:p>
                   </a:txBody>
-                  <a:tcPr marT="91425" marB="91425" marR="91425" marL="91425">
+                  <a:tcPr marL="91425" marR="91425" marT="91425" marB="91425">
                     <a:solidFill>
                       <a:srgbClr val="FF9900"/>
                     </a:solidFill>
@@ -10499,7 +10942,7 @@
                     <a:bodyPr/>
                     <a:lstStyle/>
                     <a:p>
-                      <a:pPr indent="0" lvl="0" marL="0" rtl="0" algn="l">
+                      <a:pPr marL="0" lvl="0" indent="0" algn="l" rtl="0">
                         <a:spcBef>
                           <a:spcPts val="0"/>
                         </a:spcBef>
@@ -10515,7 +10958,7 @@
                       <a:endParaRPr/>
                     </a:p>
                   </a:txBody>
-                  <a:tcPr marT="91425" marB="91425" marR="91425" marL="91425">
+                  <a:tcPr marL="91425" marR="91425" marT="91425" marB="91425">
                     <a:solidFill>
                       <a:srgbClr val="FF9900"/>
                     </a:solidFill>
@@ -10526,7 +10969,7 @@
                     <a:bodyPr/>
                     <a:lstStyle/>
                     <a:p>
-                      <a:pPr indent="0" lvl="0" marL="0" rtl="0" algn="l">
+                      <a:pPr marL="0" lvl="0" indent="0" algn="l" rtl="0">
                         <a:spcBef>
                           <a:spcPts val="0"/>
                         </a:spcBef>
@@ -10535,20 +10978,17 @@
                         </a:spcAft>
                         <a:buNone/>
                       </a:pPr>
-                      <a:r>
-                        <a:t/>
-                      </a:r>
                       <a:endParaRPr/>
                     </a:p>
                   </a:txBody>
-                  <a:tcPr marT="91425" marB="91425" marR="91425" marL="91425"/>
+                  <a:tcPr marL="91425" marR="91425" marT="91425" marB="91425"/>
                 </a:tc>
                 <a:tc>
                   <a:txBody>
                     <a:bodyPr/>
                     <a:lstStyle/>
                     <a:p>
-                      <a:pPr indent="0" lvl="0" marL="0" rtl="0" algn="l">
+                      <a:pPr marL="0" lvl="0" indent="0" algn="l" rtl="0">
                         <a:spcBef>
                           <a:spcPts val="0"/>
                         </a:spcBef>
@@ -10557,20 +10997,17 @@
                         </a:spcAft>
                         <a:buNone/>
                       </a:pPr>
-                      <a:r>
-                        <a:t/>
-                      </a:r>
                       <a:endParaRPr/>
                     </a:p>
                   </a:txBody>
-                  <a:tcPr marT="91425" marB="91425" marR="91425" marL="91425"/>
+                  <a:tcPr marL="91425" marR="91425" marT="91425" marB="91425"/>
                 </a:tc>
                 <a:tc>
                   <a:txBody>
                     <a:bodyPr/>
                     <a:lstStyle/>
                     <a:p>
-                      <a:pPr indent="0" lvl="0" marL="0" rtl="0" algn="l">
+                      <a:pPr marL="0" lvl="0" indent="0" algn="l" rtl="0">
                         <a:spcBef>
                           <a:spcPts val="0"/>
                         </a:spcBef>
@@ -10579,20 +11016,17 @@
                         </a:spcAft>
                         <a:buNone/>
                       </a:pPr>
-                      <a:r>
-                        <a:t/>
-                      </a:r>
                       <a:endParaRPr/>
                     </a:p>
                   </a:txBody>
-                  <a:tcPr marT="91425" marB="91425" marR="91425" marL="91425"/>
+                  <a:tcPr marL="91425" marR="91425" marT="91425" marB="91425"/>
                 </a:tc>
                 <a:tc>
                   <a:txBody>
                     <a:bodyPr/>
                     <a:lstStyle/>
                     <a:p>
-                      <a:pPr indent="0" lvl="0" marL="0" rtl="0" algn="l">
+                      <a:pPr marL="0" lvl="0" indent="0" algn="l" rtl="0">
                         <a:spcBef>
                           <a:spcPts val="0"/>
                         </a:spcBef>
@@ -10601,20 +11035,17 @@
                         </a:spcAft>
                         <a:buNone/>
                       </a:pPr>
-                      <a:r>
-                        <a:t/>
-                      </a:r>
                       <a:endParaRPr/>
                     </a:p>
                   </a:txBody>
-                  <a:tcPr marT="91425" marB="91425" marR="91425" marL="91425"/>
+                  <a:tcPr marL="91425" marR="91425" marT="91425" marB="91425"/>
                 </a:tc>
                 <a:tc>
                   <a:txBody>
                     <a:bodyPr/>
                     <a:lstStyle/>
                     <a:p>
-                      <a:pPr indent="0" lvl="0" marL="0" rtl="0" algn="l">
+                      <a:pPr marL="0" lvl="0" indent="0" algn="l" rtl="0">
                         <a:spcBef>
                           <a:spcPts val="0"/>
                         </a:spcBef>
@@ -10623,20 +11054,17 @@
                         </a:spcAft>
                         <a:buNone/>
                       </a:pPr>
-                      <a:r>
-                        <a:t/>
-                      </a:r>
                       <a:endParaRPr/>
                     </a:p>
                   </a:txBody>
-                  <a:tcPr marT="91425" marB="91425" marR="91425" marL="91425"/>
+                  <a:tcPr marL="91425" marR="91425" marT="91425" marB="91425"/>
                 </a:tc>
                 <a:tc>
                   <a:txBody>
                     <a:bodyPr/>
                     <a:lstStyle/>
                     <a:p>
-                      <a:pPr indent="0" lvl="0" marL="0" rtl="0" algn="l">
+                      <a:pPr marL="0" lvl="0" indent="0" algn="l" rtl="0">
                         <a:spcBef>
                           <a:spcPts val="0"/>
                         </a:spcBef>
@@ -10645,20 +11073,17 @@
                         </a:spcAft>
                         <a:buNone/>
                       </a:pPr>
-                      <a:r>
-                        <a:t/>
-                      </a:r>
                       <a:endParaRPr/>
                     </a:p>
                   </a:txBody>
-                  <a:tcPr marT="91425" marB="91425" marR="91425" marL="91425"/>
+                  <a:tcPr marL="91425" marR="91425" marT="91425" marB="91425"/>
                 </a:tc>
                 <a:tc>
                   <a:txBody>
                     <a:bodyPr/>
                     <a:lstStyle/>
                     <a:p>
-                      <a:pPr indent="0" lvl="0" marL="0" rtl="0" algn="l">
+                      <a:pPr marL="0" lvl="0" indent="0" algn="l" rtl="0">
                         <a:spcBef>
                           <a:spcPts val="0"/>
                         </a:spcBef>
@@ -10667,14 +11092,16 @@
                         </a:spcAft>
                         <a:buNone/>
                       </a:pPr>
-                      <a:r>
-                        <a:t/>
-                      </a:r>
                       <a:endParaRPr/>
                     </a:p>
                   </a:txBody>
-                  <a:tcPr marT="91425" marB="91425" marR="91425" marL="91425"/>
+                  <a:tcPr marL="91425" marR="91425" marT="91425" marB="91425"/>
                 </a:tc>
+                <a:extLst>
+                  <a:ext uri="{0D108BD9-81ED-4DB2-BD59-A6C34878D82A}">
+                    <a16:rowId xmlns:a16="http://schemas.microsoft.com/office/drawing/2014/main" val="10000"/>
+                  </a:ext>
+                </a:extLst>
               </a:tr>
             </a:tbl>
           </a:graphicData>
@@ -10689,11 +11116,11 @@
 </file>
 
 <file path=ppt/slides/slide7.xml><?xml version="1.0" encoding="utf-8"?>
-<p:sld xmlns:a="http://schemas.openxmlformats.org/drawingml/2006/main" xmlns:r="http://schemas.openxmlformats.org/officeDocument/2006/relationships" xmlns:mc="http://schemas.openxmlformats.org/markup-compatibility/2006" xmlns:mv="urn:schemas-microsoft-com:mac:vml" xmlns:p="http://schemas.openxmlformats.org/presentationml/2006/main" xmlns:c="http://schemas.openxmlformats.org/drawingml/2006/chart" xmlns:dgm="http://schemas.openxmlformats.org/drawingml/2006/diagram" xmlns:o="urn:schemas-microsoft-com:office:office" xmlns:v="urn:schemas-microsoft-com:vml" xmlns:pvml="urn:schemas-microsoft-com:office:powerpoint" xmlns:com="http://schemas.openxmlformats.org/drawingml/2006/compatibility" xmlns:p14="http://schemas.microsoft.com/office/powerpoint/2010/main" xmlns:p15="http://schemas.microsoft.com/office/powerpoint/2012/main" xmlns:ahyp="http://schemas.microsoft.com/office/drawing/2018/hyperlinkcolor">
+<p:sld xmlns:a="http://schemas.openxmlformats.org/drawingml/2006/main" xmlns:r="http://schemas.openxmlformats.org/officeDocument/2006/relationships" xmlns:p="http://schemas.openxmlformats.org/presentationml/2006/main">
   <p:cSld>
     <p:spTree>
       <p:nvGrpSpPr>
-        <p:cNvPr id="130" name="Shape 130"/>
+        <p:cNvPr id="1" name="Shape 130"/>
         <p:cNvGrpSpPr/>
         <p:nvPr/>
       </p:nvGrpSpPr>
@@ -10708,7 +11135,9 @@
       <p:sp>
         <p:nvSpPr>
           <p:cNvPr id="131" name="Google Shape;131;p19"/>
-          <p:cNvSpPr txBox="1"/>
+          <p:cNvSpPr txBox="1">
+            <a:spLocks noGrp="1"/>
+          </p:cNvSpPr>
           <p:nvPr>
             <p:ph type="title"/>
           </p:nvPr>
@@ -10723,12 +11152,12 @@
           </a:prstGeom>
         </p:spPr>
         <p:txBody>
-          <a:bodyPr anchorCtr="0" anchor="t" bIns="91425" lIns="91425" spcFirstLastPara="1" rIns="91425" wrap="square" tIns="91425">
+          <a:bodyPr spcFirstLastPara="1" wrap="square" lIns="91425" tIns="91425" rIns="91425" bIns="91425" anchor="t" anchorCtr="0">
             <a:normAutofit fontScale="90000"/>
           </a:bodyPr>
           <a:lstStyle/>
           <a:p>
-            <a:pPr indent="0" lvl="0" marL="0" rtl="0" algn="l">
+            <a:pPr marL="0" lvl="0" indent="0" algn="l" rtl="0">
               <a:spcBef>
                 <a:spcPts val="0"/>
               </a:spcBef>
@@ -10739,11 +11168,7 @@
             </a:pPr>
             <a:r>
               <a:rPr lang="es"/>
-              <a:t>Resultados del </a:t>
-            </a:r>
-            <a:r>
-              <a:rPr lang="es"/>
-              <a:t>Código</a:t>
+              <a:t>Resultados del Código</a:t>
             </a:r>
             <a:endParaRPr/>
           </a:p>
@@ -10752,9 +11177,11 @@
       <p:sp>
         <p:nvSpPr>
           <p:cNvPr id="132" name="Google Shape;132;p19"/>
-          <p:cNvSpPr txBox="1"/>
+          <p:cNvSpPr txBox="1">
+            <a:spLocks noGrp="1"/>
+          </p:cNvSpPr>
           <p:nvPr>
-            <p:ph idx="1" type="body"/>
+            <p:ph type="body" idx="1"/>
           </p:nvPr>
         </p:nvSpPr>
         <p:spPr>
@@ -10767,12 +11194,12 @@
           </a:prstGeom>
         </p:spPr>
         <p:txBody>
-          <a:bodyPr anchorCtr="0" anchor="t" bIns="91425" lIns="91425" spcFirstLastPara="1" rIns="91425" wrap="square" tIns="91425">
+          <a:bodyPr spcFirstLastPara="1" wrap="square" lIns="91425" tIns="91425" rIns="91425" bIns="91425" anchor="t" anchorCtr="0">
             <a:normAutofit/>
           </a:bodyPr>
           <a:lstStyle/>
           <a:p>
-            <a:pPr indent="0" lvl="0" marL="0" rtl="0" algn="l">
+            <a:pPr marL="0" lvl="0" indent="0" algn="l" rtl="0">
               <a:spcBef>
                 <a:spcPts val="0"/>
               </a:spcBef>
@@ -10781,9 +11208,6 @@
               </a:spcAft>
               <a:buNone/>
             </a:pPr>
-            <a:r>
-              <a:t/>
-            </a:r>
             <a:endParaRPr/>
           </a:p>
         </p:txBody>
@@ -10825,7 +11249,7 @@
 </file>
 
 <file path=ppt/theme/theme1.xml><?xml version="1.0" encoding="utf-8"?>
-<a:theme xmlns:a="http://schemas.openxmlformats.org/drawingml/2006/main" xmlns:r="http://schemas.openxmlformats.org/officeDocument/2006/relationships" name="Geometric">
+<a:theme xmlns:a="http://schemas.openxmlformats.org/drawingml/2006/main" name="Geometric">
   <a:themeElements>
     <a:clrScheme name="Geometric">
       <a:dk1>
@@ -11100,11 +11524,13 @@
       </a:bgFillStyleLst>
     </a:fmtScheme>
   </a:themeElements>
+  <a:objectDefaults/>
+  <a:extraClrSchemeLst/>
 </a:theme>
 </file>
 
 <file path=ppt/theme/theme2.xml><?xml version="1.0" encoding="utf-8"?>
-<a:theme xmlns:a="http://schemas.openxmlformats.org/drawingml/2006/main" xmlns:r="http://schemas.openxmlformats.org/officeDocument/2006/relationships">
+<a:theme xmlns:a="http://schemas.openxmlformats.org/drawingml/2006/main">
   <a:themeElements>
     <a:clrScheme name="Default">
       <a:dk1>
@@ -11379,5 +11805,7 @@
       </a:bgFillStyleLst>
     </a:fmtScheme>
   </a:themeElements>
+  <a:objectDefaults/>
+  <a:extraClrSchemeLst/>
 </a:theme>
 </file>